--- a/AbilympicsFinal2019.pptx
+++ b/AbilympicsFinal2019.pptx
@@ -2,8 +2,23 @@
 <file path=ppt/presentation.xml><?xml version="1.0" encoding="utf-8"?>
 <p:presentation xmlns:a="http://schemas.openxmlformats.org/drawingml/2006/main" xmlns:r="http://schemas.openxmlformats.org/officeDocument/2006/relationships" xmlns:p="http://schemas.openxmlformats.org/presentationml/2006/main" saveSubsetFonts="1">
   <p:sldMasterIdLst>
-    <p:sldMasterId id="2147483648" r:id="rId1"/>
+    <p:sldMasterId id="2147483672" r:id="rId1"/>
   </p:sldMasterIdLst>
+  <p:sldIdLst>
+    <p:sldId id="256" r:id="rId2"/>
+    <p:sldId id="257" r:id="rId3"/>
+    <p:sldId id="258" r:id="rId4"/>
+    <p:sldId id="259" r:id="rId5"/>
+    <p:sldId id="260" r:id="rId6"/>
+    <p:sldId id="261" r:id="rId7"/>
+    <p:sldId id="262" r:id="rId8"/>
+    <p:sldId id="263" r:id="rId9"/>
+    <p:sldId id="264" r:id="rId10"/>
+    <p:sldId id="265" r:id="rId11"/>
+    <p:sldId id="266" r:id="rId12"/>
+    <p:sldId id="267" r:id="rId13"/>
+    <p:sldId id="268" r:id="rId14"/>
+  </p:sldIdLst>
   <p:sldSz cx="9144000" cy="6858000" type="screen4x3"/>
   <p:notesSz cx="6858000" cy="9144000"/>
   <p:defaultTextStyle>
@@ -105,7 +120,7 @@
 </file>
 
 <file path=ppt/slideLayouts/slideLayout1.xml><?xml version="1.0" encoding="utf-8"?>
-<p:sldLayout xmlns:a="http://schemas.openxmlformats.org/drawingml/2006/main" xmlns:r="http://schemas.openxmlformats.org/officeDocument/2006/relationships" xmlns:p="http://schemas.openxmlformats.org/presentationml/2006/main" type="title" preserve="1">
+<p:sldLayout xmlns:a="http://schemas.openxmlformats.org/drawingml/2006/main" xmlns:r="http://schemas.openxmlformats.org/officeDocument/2006/relationships" xmlns:p="http://schemas.openxmlformats.org/presentationml/2006/main" showMasterSp="0" type="title" preserve="1">
   <p:cSld name="Титульный слайд">
     <p:spTree>
       <p:nvGrpSpPr>
@@ -123,213 +138,616 @@
       </p:grpSpPr>
       <p:sp>
         <p:nvSpPr>
-          <p:cNvPr id="2" name="Заголовок 1"/>
-          <p:cNvSpPr>
-            <a:spLocks noGrp="1"/>
-          </p:cNvSpPr>
-          <p:nvPr>
-            <p:ph type="ctrTitle"/>
-          </p:nvPr>
+          <p:cNvPr id="28" name="Дата 27"/>
+          <p:cNvSpPr>
+            <a:spLocks noGrp="1"/>
+          </p:cNvSpPr>
+          <p:nvPr>
+            <p:ph type="dt" sz="half" idx="10"/>
+          </p:nvPr>
+        </p:nvSpPr>
+        <p:spPr/>
+        <p:txBody>
+          <a:bodyPr/>
+          <a:lstStyle>
+            <a:extLst/>
+          </a:lstStyle>
+          <a:p>
+            <a:fld id="{5B106E36-FD25-4E2D-B0AA-010F637433A0}" type="datetimeFigureOut">
+              <a:rPr lang="ru-RU" smtClean="0"/>
+              <a:pPr/>
+              <a:t>23.09.2019</a:t>
+            </a:fld>
+            <a:endParaRPr lang="ru-RU"/>
+          </a:p>
+        </p:txBody>
+      </p:sp>
+      <p:sp>
+        <p:nvSpPr>
+          <p:cNvPr id="17" name="Нижний колонтитул 16"/>
+          <p:cNvSpPr>
+            <a:spLocks noGrp="1"/>
+          </p:cNvSpPr>
+          <p:nvPr>
+            <p:ph type="ftr" sz="quarter" idx="11"/>
+          </p:nvPr>
+        </p:nvSpPr>
+        <p:spPr/>
+        <p:txBody>
+          <a:bodyPr/>
+          <a:lstStyle>
+            <a:extLst/>
+          </a:lstStyle>
+          <a:p>
+            <a:endParaRPr lang="ru-RU"/>
+          </a:p>
+        </p:txBody>
+      </p:sp>
+      <p:sp>
+        <p:nvSpPr>
+          <p:cNvPr id="29" name="Номер слайда 28"/>
+          <p:cNvSpPr>
+            <a:spLocks noGrp="1"/>
+          </p:cNvSpPr>
+          <p:nvPr>
+            <p:ph type="sldNum" sz="quarter" idx="12"/>
+          </p:nvPr>
+        </p:nvSpPr>
+        <p:spPr/>
+        <p:txBody>
+          <a:bodyPr/>
+          <a:lstStyle>
+            <a:extLst/>
+          </a:lstStyle>
+          <a:p>
+            <a:fld id="{725C68B6-61C2-468F-89AB-4B9F7531AA68}" type="slidenum">
+              <a:rPr lang="ru-RU" smtClean="0"/>
+              <a:pPr/>
+              <a:t>‹#›</a:t>
+            </a:fld>
+            <a:endParaRPr lang="ru-RU"/>
+          </a:p>
+        </p:txBody>
+      </p:sp>
+      <p:sp>
+        <p:nvSpPr>
+          <p:cNvPr id="32" name="Прямоугольник 31"/>
+          <p:cNvSpPr/>
+          <p:nvPr/>
         </p:nvSpPr>
         <p:spPr>
           <a:xfrm>
-            <a:off x="685800" y="2130425"/>
-            <a:ext cx="7772400" cy="1470025"/>
-          </a:xfrm>
-        </p:spPr>
-        <p:txBody>
-          <a:bodyPr/>
-          <a:lstStyle/>
-          <a:p>
-            <a:r>
-              <a:rPr lang="ru-RU" smtClean="0"/>
-              <a:t>Образец заголовка</a:t>
-            </a:r>
-            <a:endParaRPr lang="ru-RU"/>
-          </a:p>
-        </p:txBody>
-      </p:sp>
-      <p:sp>
-        <p:nvSpPr>
-          <p:cNvPr id="3" name="Подзаголовок 2"/>
-          <p:cNvSpPr>
-            <a:spLocks noGrp="1"/>
-          </p:cNvSpPr>
-          <p:nvPr>
-            <p:ph type="subTitle" idx="1"/>
-          </p:nvPr>
+            <a:off x="0" y="-1"/>
+            <a:ext cx="365760" cy="6854456"/>
+          </a:xfrm>
+          <a:prstGeom prst="rect">
+            <a:avLst/>
+          </a:prstGeom>
+          <a:solidFill>
+            <a:srgbClr val="FFFFFF">
+              <a:alpha val="100000"/>
+            </a:srgbClr>
+          </a:solidFill>
+          <a:ln w="50800" cap="rnd" cmpd="dbl" algn="ctr">
+            <a:noFill/>
+            <a:prstDash val="solid"/>
+          </a:ln>
+          <a:effectLst/>
+        </p:spPr>
+        <p:style>
+          <a:lnRef idx="3">
+            <a:schemeClr val="lt1"/>
+          </a:lnRef>
+          <a:fillRef idx="1">
+            <a:schemeClr val="accent1"/>
+          </a:fillRef>
+          <a:effectRef idx="1">
+            <a:schemeClr val="accent1"/>
+          </a:effectRef>
+          <a:fontRef idx="minor">
+            <a:schemeClr val="lt1"/>
+          </a:fontRef>
+        </p:style>
+        <p:txBody>
+          <a:bodyPr anchor="ctr"/>
+          <a:lstStyle>
+            <a:extLst/>
+          </a:lstStyle>
+          <a:p>
+            <a:pPr algn="ctr" eaLnBrk="1" latinLnBrk="0" hangingPunct="1"/>
+            <a:endParaRPr kumimoji="0" lang="en-US"/>
+          </a:p>
+        </p:txBody>
+      </p:sp>
+      <p:sp>
+        <p:nvSpPr>
+          <p:cNvPr id="39" name="Прямоугольник 38"/>
+          <p:cNvSpPr/>
+          <p:nvPr/>
         </p:nvSpPr>
         <p:spPr>
           <a:xfrm>
-            <a:off x="1371600" y="3886200"/>
-            <a:ext cx="6400800" cy="1752600"/>
+            <a:off x="309558" y="680477"/>
+            <a:ext cx="45720" cy="365760"/>
+          </a:xfrm>
+          <a:prstGeom prst="rect">
+            <a:avLst/>
+          </a:prstGeom>
+          <a:solidFill>
+            <a:srgbClr val="000000"/>
+          </a:solidFill>
+          <a:ln w="50800" cap="rnd" cmpd="thickThin" algn="ctr">
+            <a:noFill/>
+            <a:prstDash val="solid"/>
+          </a:ln>
+          <a:effectLst/>
+        </p:spPr>
+        <p:style>
+          <a:lnRef idx="3">
+            <a:schemeClr val="lt1"/>
+          </a:lnRef>
+          <a:fillRef idx="1">
+            <a:schemeClr val="accent1"/>
+          </a:fillRef>
+          <a:effectRef idx="1">
+            <a:schemeClr val="accent1"/>
+          </a:effectRef>
+          <a:fontRef idx="minor">
+            <a:schemeClr val="lt1"/>
+          </a:fontRef>
+        </p:style>
+        <p:txBody>
+          <a:bodyPr anchor="ctr"/>
+          <a:lstStyle>
+            <a:extLst/>
+          </a:lstStyle>
+          <a:p>
+            <a:pPr algn="ctr" eaLnBrk="1" latinLnBrk="0" hangingPunct="1"/>
+            <a:endParaRPr kumimoji="0" lang="en-US" dirty="0"/>
+          </a:p>
+        </p:txBody>
+      </p:sp>
+      <p:sp>
+        <p:nvSpPr>
+          <p:cNvPr id="40" name="Прямоугольник 39"/>
+          <p:cNvSpPr/>
+          <p:nvPr/>
+        </p:nvSpPr>
+        <p:spPr>
+          <a:xfrm>
+            <a:off x="269073" y="680477"/>
+            <a:ext cx="27432" cy="365760"/>
+          </a:xfrm>
+          <a:prstGeom prst="rect">
+            <a:avLst/>
+          </a:prstGeom>
+          <a:solidFill>
+            <a:srgbClr val="000000"/>
+          </a:solidFill>
+          <a:ln w="50800" cap="rnd" cmpd="thickThin" algn="ctr">
+            <a:noFill/>
+            <a:prstDash val="solid"/>
+          </a:ln>
+          <a:effectLst/>
+        </p:spPr>
+        <p:style>
+          <a:lnRef idx="3">
+            <a:schemeClr val="lt1"/>
+          </a:lnRef>
+          <a:fillRef idx="1">
+            <a:schemeClr val="accent1"/>
+          </a:fillRef>
+          <a:effectRef idx="1">
+            <a:schemeClr val="accent1"/>
+          </a:effectRef>
+          <a:fontRef idx="minor">
+            <a:schemeClr val="lt1"/>
+          </a:fontRef>
+        </p:style>
+        <p:txBody>
+          <a:bodyPr anchor="ctr"/>
+          <a:lstStyle>
+            <a:extLst/>
+          </a:lstStyle>
+          <a:p>
+            <a:pPr algn="ctr" eaLnBrk="1" latinLnBrk="0" hangingPunct="1"/>
+            <a:endParaRPr kumimoji="0" lang="en-US" dirty="0"/>
+          </a:p>
+        </p:txBody>
+      </p:sp>
+      <p:sp>
+        <p:nvSpPr>
+          <p:cNvPr id="41" name="Прямоугольник 40"/>
+          <p:cNvSpPr/>
+          <p:nvPr/>
+        </p:nvSpPr>
+        <p:spPr>
+          <a:xfrm>
+            <a:off x="250020" y="680477"/>
+            <a:ext cx="9144" cy="365760"/>
+          </a:xfrm>
+          <a:prstGeom prst="rect">
+            <a:avLst/>
+          </a:prstGeom>
+          <a:solidFill>
+            <a:srgbClr val="000000"/>
+          </a:solidFill>
+          <a:ln w="50800" cap="rnd" cmpd="thickThin" algn="ctr">
+            <a:noFill/>
+            <a:prstDash val="solid"/>
+          </a:ln>
+          <a:effectLst/>
+        </p:spPr>
+        <p:style>
+          <a:lnRef idx="3">
+            <a:schemeClr val="lt1"/>
+          </a:lnRef>
+          <a:fillRef idx="1">
+            <a:schemeClr val="accent1"/>
+          </a:fillRef>
+          <a:effectRef idx="1">
+            <a:schemeClr val="accent1"/>
+          </a:effectRef>
+          <a:fontRef idx="minor">
+            <a:schemeClr val="lt1"/>
+          </a:fontRef>
+        </p:style>
+        <p:txBody>
+          <a:bodyPr anchor="ctr"/>
+          <a:lstStyle>
+            <a:extLst/>
+          </a:lstStyle>
+          <a:p>
+            <a:pPr algn="ctr" eaLnBrk="1" latinLnBrk="0" hangingPunct="1"/>
+            <a:endParaRPr kumimoji="0" lang="en-US"/>
+          </a:p>
+        </p:txBody>
+      </p:sp>
+      <p:sp>
+        <p:nvSpPr>
+          <p:cNvPr id="42" name="Прямоугольник 41"/>
+          <p:cNvSpPr/>
+          <p:nvPr/>
+        </p:nvSpPr>
+        <p:spPr>
+          <a:xfrm>
+            <a:off x="221768" y="680477"/>
+            <a:ext cx="9144" cy="365760"/>
+          </a:xfrm>
+          <a:prstGeom prst="rect">
+            <a:avLst/>
+          </a:prstGeom>
+          <a:solidFill>
+            <a:srgbClr val="000000"/>
+          </a:solidFill>
+          <a:ln w="50800" cap="rnd" cmpd="thickThin" algn="ctr">
+            <a:noFill/>
+            <a:prstDash val="solid"/>
+          </a:ln>
+          <a:effectLst/>
+        </p:spPr>
+        <p:style>
+          <a:lnRef idx="3">
+            <a:schemeClr val="lt1"/>
+          </a:lnRef>
+          <a:fillRef idx="1">
+            <a:schemeClr val="accent1"/>
+          </a:fillRef>
+          <a:effectRef idx="1">
+            <a:schemeClr val="accent1"/>
+          </a:effectRef>
+          <a:fontRef idx="minor">
+            <a:schemeClr val="lt1"/>
+          </a:fontRef>
+        </p:style>
+        <p:txBody>
+          <a:bodyPr anchor="ctr"/>
+          <a:lstStyle>
+            <a:extLst/>
+          </a:lstStyle>
+          <a:p>
+            <a:pPr algn="ctr" eaLnBrk="1" latinLnBrk="0" hangingPunct="1"/>
+            <a:endParaRPr kumimoji="0" lang="en-US" dirty="0"/>
+          </a:p>
+        </p:txBody>
+      </p:sp>
+      <p:sp>
+        <p:nvSpPr>
+          <p:cNvPr id="8" name="Заголовок 7"/>
+          <p:cNvSpPr>
+            <a:spLocks noGrp="1"/>
+          </p:cNvSpPr>
+          <p:nvPr>
+            <p:ph type="ctrTitle"/>
+          </p:nvPr>
+        </p:nvSpPr>
+        <p:spPr>
+          <a:xfrm>
+            <a:off x="914400" y="4343400"/>
+            <a:ext cx="7772400" cy="1975104"/>
           </a:xfrm>
         </p:spPr>
         <p:txBody>
           <a:bodyPr/>
           <a:lstStyle>
-            <a:lvl1pPr marL="0" indent="0" algn="ctr">
+            <a:lvl1pPr marR="9144" algn="l">
+              <a:defRPr sz="4000" b="1" cap="all" spc="0" baseline="0">
+                <a:effectLst>
+                  <a:reflection blurRad="12700" stA="34000" endA="740" endPos="53000" dir="5400000" sy="-100000" algn="bl" rotWithShape="0"/>
+                </a:effectLst>
+              </a:defRPr>
+            </a:lvl1pPr>
+            <a:extLst/>
+          </a:lstStyle>
+          <a:p>
+            <a:r>
+              <a:rPr kumimoji="0" lang="ru-RU" smtClean="0"/>
+              <a:t>Образец заголовка</a:t>
+            </a:r>
+            <a:endParaRPr kumimoji="0" lang="en-US"/>
+          </a:p>
+        </p:txBody>
+      </p:sp>
+      <p:sp>
+        <p:nvSpPr>
+          <p:cNvPr id="9" name="Подзаголовок 8"/>
+          <p:cNvSpPr>
+            <a:spLocks noGrp="1"/>
+          </p:cNvSpPr>
+          <p:nvPr>
+            <p:ph type="subTitle" idx="1"/>
+          </p:nvPr>
+        </p:nvSpPr>
+        <p:spPr>
+          <a:xfrm>
+            <a:off x="914400" y="2834640"/>
+            <a:ext cx="7772400" cy="1508760"/>
+          </a:xfrm>
+        </p:spPr>
+        <p:txBody>
+          <a:bodyPr lIns="100584" tIns="45720" anchor="b"/>
+          <a:lstStyle>
+            <a:lvl1pPr marL="0" indent="0" algn="l">
+              <a:spcBef>
+                <a:spcPts val="0"/>
+              </a:spcBef>
               <a:buNone/>
-              <a:defRPr>
+              <a:defRPr sz="2000">
                 <a:solidFill>
-                  <a:schemeClr val="tx1">
-                    <a:tint val="75000"/>
-                  </a:schemeClr>
+                  <a:schemeClr val="tx1"/>
                 </a:solidFill>
               </a:defRPr>
             </a:lvl1pPr>
             <a:lvl2pPr marL="457200" indent="0" algn="ctr">
               <a:buNone/>
-              <a:defRPr>
-                <a:solidFill>
-                  <a:schemeClr val="tx1">
-                    <a:tint val="75000"/>
-                  </a:schemeClr>
-                </a:solidFill>
-              </a:defRPr>
             </a:lvl2pPr>
             <a:lvl3pPr marL="914400" indent="0" algn="ctr">
               <a:buNone/>
-              <a:defRPr>
-                <a:solidFill>
-                  <a:schemeClr val="tx1">
-                    <a:tint val="75000"/>
-                  </a:schemeClr>
-                </a:solidFill>
-              </a:defRPr>
             </a:lvl3pPr>
             <a:lvl4pPr marL="1371600" indent="0" algn="ctr">
               <a:buNone/>
-              <a:defRPr>
-                <a:solidFill>
-                  <a:schemeClr val="tx1">
-                    <a:tint val="75000"/>
-                  </a:schemeClr>
-                </a:solidFill>
-              </a:defRPr>
             </a:lvl4pPr>
             <a:lvl5pPr marL="1828800" indent="0" algn="ctr">
               <a:buNone/>
-              <a:defRPr>
-                <a:solidFill>
-                  <a:schemeClr val="tx1">
-                    <a:tint val="75000"/>
-                  </a:schemeClr>
-                </a:solidFill>
-              </a:defRPr>
             </a:lvl5pPr>
             <a:lvl6pPr marL="2286000" indent="0" algn="ctr">
               <a:buNone/>
-              <a:defRPr>
-                <a:solidFill>
-                  <a:schemeClr val="tx1">
-                    <a:tint val="75000"/>
-                  </a:schemeClr>
-                </a:solidFill>
-              </a:defRPr>
             </a:lvl6pPr>
             <a:lvl7pPr marL="2743200" indent="0" algn="ctr">
               <a:buNone/>
-              <a:defRPr>
-                <a:solidFill>
-                  <a:schemeClr val="tx1">
-                    <a:tint val="75000"/>
-                  </a:schemeClr>
-                </a:solidFill>
-              </a:defRPr>
             </a:lvl7pPr>
             <a:lvl8pPr marL="3200400" indent="0" algn="ctr">
               <a:buNone/>
-              <a:defRPr>
-                <a:solidFill>
-                  <a:schemeClr val="tx1">
-                    <a:tint val="75000"/>
-                  </a:schemeClr>
-                </a:solidFill>
-              </a:defRPr>
             </a:lvl8pPr>
             <a:lvl9pPr marL="3657600" indent="0" algn="ctr">
               <a:buNone/>
-              <a:defRPr>
-                <a:solidFill>
-                  <a:schemeClr val="tx1">
-                    <a:tint val="75000"/>
-                  </a:schemeClr>
-                </a:solidFill>
-              </a:defRPr>
             </a:lvl9pPr>
-          </a:lstStyle>
-          <a:p>
-            <a:r>
-              <a:rPr lang="ru-RU" smtClean="0"/>
+            <a:extLst/>
+          </a:lstStyle>
+          <a:p>
+            <a:r>
+              <a:rPr kumimoji="0" lang="ru-RU" smtClean="0"/>
               <a:t>Образец подзаголовка</a:t>
             </a:r>
-            <a:endParaRPr lang="ru-RU"/>
-          </a:p>
-        </p:txBody>
-      </p:sp>
-      <p:sp>
-        <p:nvSpPr>
-          <p:cNvPr id="4" name="Дата 3"/>
-          <p:cNvSpPr>
-            <a:spLocks noGrp="1"/>
-          </p:cNvSpPr>
-          <p:nvPr>
-            <p:ph type="dt" sz="half" idx="10"/>
-          </p:nvPr>
-        </p:nvSpPr>
-        <p:spPr/>
-        <p:txBody>
-          <a:bodyPr/>
-          <a:lstStyle/>
-          <a:p>
-            <a:fld id="{5B106E36-FD25-4E2D-B0AA-010F637433A0}" type="datetimeFigureOut">
-              <a:rPr lang="ru-RU" smtClean="0"/>
-              <a:t>03.11.2006</a:t>
-            </a:fld>
-            <a:endParaRPr lang="ru-RU"/>
-          </a:p>
-        </p:txBody>
-      </p:sp>
-      <p:sp>
-        <p:nvSpPr>
-          <p:cNvPr id="5" name="Нижний колонтитул 4"/>
-          <p:cNvSpPr>
-            <a:spLocks noGrp="1"/>
-          </p:cNvSpPr>
-          <p:nvPr>
-            <p:ph type="ftr" sz="quarter" idx="11"/>
-          </p:nvPr>
-        </p:nvSpPr>
-        <p:spPr/>
-        <p:txBody>
-          <a:bodyPr/>
-          <a:lstStyle/>
-          <a:p>
-            <a:endParaRPr lang="ru-RU"/>
-          </a:p>
-        </p:txBody>
-      </p:sp>
-      <p:sp>
-        <p:nvSpPr>
-          <p:cNvPr id="6" name="Номер слайда 5"/>
-          <p:cNvSpPr>
-            <a:spLocks noGrp="1"/>
-          </p:cNvSpPr>
-          <p:nvPr>
-            <p:ph type="sldNum" sz="quarter" idx="12"/>
-          </p:nvPr>
-        </p:nvSpPr>
-        <p:spPr/>
-        <p:txBody>
-          <a:bodyPr/>
-          <a:lstStyle/>
-          <a:p>
-            <a:fld id="{725C68B6-61C2-468F-89AB-4B9F7531AA68}" type="slidenum">
-              <a:rPr lang="ru-RU" smtClean="0"/>
-              <a:t>‹#›</a:t>
-            </a:fld>
-            <a:endParaRPr lang="ru-RU"/>
+            <a:endParaRPr kumimoji="0" lang="en-US"/>
+          </a:p>
+        </p:txBody>
+      </p:sp>
+      <p:sp>
+        <p:nvSpPr>
+          <p:cNvPr id="56" name="Прямоугольник 55"/>
+          <p:cNvSpPr/>
+          <p:nvPr/>
+        </p:nvSpPr>
+        <p:spPr>
+          <a:xfrm>
+            <a:off x="255291" y="5047394"/>
+            <a:ext cx="73152" cy="1691640"/>
+          </a:xfrm>
+          <a:prstGeom prst="rect">
+            <a:avLst/>
+          </a:prstGeom>
+          <a:solidFill>
+            <a:schemeClr val="accent2">
+              <a:alpha val="100000"/>
+            </a:schemeClr>
+          </a:solidFill>
+          <a:ln w="50800" cap="rnd" cmpd="dbl" algn="ctr">
+            <a:noFill/>
+            <a:prstDash val="solid"/>
+          </a:ln>
+          <a:effectLst/>
+        </p:spPr>
+        <p:style>
+          <a:lnRef idx="3">
+            <a:schemeClr val="lt1"/>
+          </a:lnRef>
+          <a:fillRef idx="1">
+            <a:schemeClr val="accent1"/>
+          </a:fillRef>
+          <a:effectRef idx="1">
+            <a:schemeClr val="accent1"/>
+          </a:effectRef>
+          <a:fontRef idx="minor">
+            <a:schemeClr val="lt1"/>
+          </a:fontRef>
+        </p:style>
+        <p:txBody>
+          <a:bodyPr anchor="ctr"/>
+          <a:lstStyle>
+            <a:extLst/>
+          </a:lstStyle>
+          <a:p>
+            <a:pPr algn="ctr" eaLnBrk="1" latinLnBrk="0" hangingPunct="1"/>
+            <a:endParaRPr kumimoji="0" lang="en-US"/>
+          </a:p>
+        </p:txBody>
+      </p:sp>
+      <p:sp>
+        <p:nvSpPr>
+          <p:cNvPr id="65" name="Прямоугольник 64"/>
+          <p:cNvSpPr/>
+          <p:nvPr/>
+        </p:nvSpPr>
+        <p:spPr>
+          <a:xfrm>
+            <a:off x="255291" y="4796819"/>
+            <a:ext cx="73152" cy="228600"/>
+          </a:xfrm>
+          <a:prstGeom prst="rect">
+            <a:avLst/>
+          </a:prstGeom>
+          <a:solidFill>
+            <a:schemeClr val="accent3">
+              <a:alpha val="100000"/>
+            </a:schemeClr>
+          </a:solidFill>
+          <a:ln w="50800" cap="rnd" cmpd="dbl" algn="ctr">
+            <a:noFill/>
+            <a:prstDash val="solid"/>
+          </a:ln>
+          <a:effectLst/>
+        </p:spPr>
+        <p:style>
+          <a:lnRef idx="3">
+            <a:schemeClr val="lt1"/>
+          </a:lnRef>
+          <a:fillRef idx="1">
+            <a:schemeClr val="accent1"/>
+          </a:fillRef>
+          <a:effectRef idx="1">
+            <a:schemeClr val="accent1"/>
+          </a:effectRef>
+          <a:fontRef idx="minor">
+            <a:schemeClr val="lt1"/>
+          </a:fontRef>
+        </p:style>
+        <p:txBody>
+          <a:bodyPr anchor="ctr"/>
+          <a:lstStyle>
+            <a:extLst/>
+          </a:lstStyle>
+          <a:p>
+            <a:pPr algn="ctr" eaLnBrk="1" latinLnBrk="0" hangingPunct="1"/>
+            <a:endParaRPr kumimoji="0" lang="en-US"/>
+          </a:p>
+        </p:txBody>
+      </p:sp>
+      <p:sp>
+        <p:nvSpPr>
+          <p:cNvPr id="66" name="Прямоугольник 65"/>
+          <p:cNvSpPr/>
+          <p:nvPr/>
+        </p:nvSpPr>
+        <p:spPr>
+          <a:xfrm>
+            <a:off x="255291" y="4637685"/>
+            <a:ext cx="73152" cy="137160"/>
+          </a:xfrm>
+          <a:prstGeom prst="rect">
+            <a:avLst/>
+          </a:prstGeom>
+          <a:solidFill>
+            <a:schemeClr val="bg2"/>
+          </a:solidFill>
+          <a:ln w="50800" cap="rnd" cmpd="dbl" algn="ctr">
+            <a:noFill/>
+            <a:prstDash val="solid"/>
+          </a:ln>
+          <a:effectLst/>
+        </p:spPr>
+        <p:style>
+          <a:lnRef idx="3">
+            <a:schemeClr val="lt1"/>
+          </a:lnRef>
+          <a:fillRef idx="1">
+            <a:schemeClr val="accent1"/>
+          </a:fillRef>
+          <a:effectRef idx="1">
+            <a:schemeClr val="accent1"/>
+          </a:effectRef>
+          <a:fontRef idx="minor">
+            <a:schemeClr val="lt1"/>
+          </a:fontRef>
+        </p:style>
+        <p:txBody>
+          <a:bodyPr anchor="ctr"/>
+          <a:lstStyle>
+            <a:extLst/>
+          </a:lstStyle>
+          <a:p>
+            <a:pPr algn="ctr" eaLnBrk="1" latinLnBrk="0" hangingPunct="1"/>
+            <a:endParaRPr kumimoji="0" lang="en-US"/>
+          </a:p>
+        </p:txBody>
+      </p:sp>
+      <p:sp>
+        <p:nvSpPr>
+          <p:cNvPr id="67" name="Прямоугольник 66"/>
+          <p:cNvSpPr/>
+          <p:nvPr/>
+        </p:nvSpPr>
+        <p:spPr>
+          <a:xfrm>
+            <a:off x="255291" y="4542559"/>
+            <a:ext cx="73152" cy="73152"/>
+          </a:xfrm>
+          <a:prstGeom prst="rect">
+            <a:avLst/>
+          </a:prstGeom>
+          <a:solidFill>
+            <a:schemeClr val="accent2">
+              <a:alpha val="100000"/>
+            </a:schemeClr>
+          </a:solidFill>
+          <a:ln w="50800" cap="rnd" cmpd="dbl" algn="ctr">
+            <a:noFill/>
+            <a:prstDash val="solid"/>
+          </a:ln>
+          <a:effectLst/>
+        </p:spPr>
+        <p:style>
+          <a:lnRef idx="3">
+            <a:schemeClr val="lt1"/>
+          </a:lnRef>
+          <a:fillRef idx="1">
+            <a:schemeClr val="accent1"/>
+          </a:fillRef>
+          <a:effectRef idx="1">
+            <a:schemeClr val="accent1"/>
+          </a:effectRef>
+          <a:fontRef idx="minor">
+            <a:schemeClr val="lt1"/>
+          </a:fontRef>
+        </p:style>
+        <p:txBody>
+          <a:bodyPr anchor="ctr"/>
+          <a:lstStyle>
+            <a:extLst/>
+          </a:lstStyle>
+          <a:p>
+            <a:pPr algn="ctr" eaLnBrk="1" latinLnBrk="0" hangingPunct="1"/>
+            <a:endParaRPr kumimoji="0" lang="en-US" dirty="0"/>
           </a:p>
         </p:txBody>
       </p:sp>
@@ -371,13 +789,15 @@
         <p:spPr/>
         <p:txBody>
           <a:bodyPr/>
-          <a:lstStyle/>
-          <a:p>
-            <a:r>
-              <a:rPr lang="ru-RU" smtClean="0"/>
+          <a:lstStyle>
+            <a:extLst/>
+          </a:lstStyle>
+          <a:p>
+            <a:r>
+              <a:rPr kumimoji="0" lang="ru-RU" smtClean="0"/>
               <a:t>Образец заголовка</a:t>
             </a:r>
-            <a:endParaRPr lang="ru-RU"/>
+            <a:endParaRPr kumimoji="0" lang="en-US"/>
           </a:p>
         </p:txBody>
       </p:sp>
@@ -394,42 +814,44 @@
         <p:spPr/>
         <p:txBody>
           <a:bodyPr vert="eaVert"/>
-          <a:lstStyle/>
-          <a:p>
-            <a:pPr lvl="0"/>
+          <a:lstStyle>
+            <a:extLst/>
+          </a:lstStyle>
+          <a:p>
+            <a:pPr lvl="0" eaLnBrk="1" latinLnBrk="0" hangingPunct="1"/>
             <a:r>
               <a:rPr lang="ru-RU" smtClean="0"/>
               <a:t>Образец текста</a:t>
             </a:r>
           </a:p>
           <a:p>
-            <a:pPr lvl="1"/>
+            <a:pPr lvl="1" eaLnBrk="1" latinLnBrk="0" hangingPunct="1"/>
             <a:r>
               <a:rPr lang="ru-RU" smtClean="0"/>
               <a:t>Второй уровень</a:t>
             </a:r>
           </a:p>
           <a:p>
-            <a:pPr lvl="2"/>
+            <a:pPr lvl="2" eaLnBrk="1" latinLnBrk="0" hangingPunct="1"/>
             <a:r>
               <a:rPr lang="ru-RU" smtClean="0"/>
               <a:t>Третий уровень</a:t>
             </a:r>
           </a:p>
           <a:p>
-            <a:pPr lvl="3"/>
+            <a:pPr lvl="3" eaLnBrk="1" latinLnBrk="0" hangingPunct="1"/>
             <a:r>
               <a:rPr lang="ru-RU" smtClean="0"/>
               <a:t>Четвертый уровень</a:t>
             </a:r>
           </a:p>
           <a:p>
-            <a:pPr lvl="4"/>
+            <a:pPr lvl="4" eaLnBrk="1" latinLnBrk="0" hangingPunct="1"/>
             <a:r>
               <a:rPr lang="ru-RU" smtClean="0"/>
               <a:t>Пятый уровень</a:t>
             </a:r>
-            <a:endParaRPr lang="ru-RU"/>
+            <a:endParaRPr kumimoji="0" lang="en-US"/>
           </a:p>
         </p:txBody>
       </p:sp>
@@ -446,11 +868,14 @@
         <p:spPr/>
         <p:txBody>
           <a:bodyPr/>
-          <a:lstStyle/>
+          <a:lstStyle>
+            <a:extLst/>
+          </a:lstStyle>
           <a:p>
             <a:fld id="{5B106E36-FD25-4E2D-B0AA-010F637433A0}" type="datetimeFigureOut">
               <a:rPr lang="ru-RU" smtClean="0"/>
-              <a:t>03.11.2006</a:t>
+              <a:pPr/>
+              <a:t>23.09.2019</a:t>
             </a:fld>
             <a:endParaRPr lang="ru-RU"/>
           </a:p>
@@ -469,7 +894,9 @@
         <p:spPr/>
         <p:txBody>
           <a:bodyPr/>
-          <a:lstStyle/>
+          <a:lstStyle>
+            <a:extLst/>
+          </a:lstStyle>
           <a:p>
             <a:endParaRPr lang="ru-RU"/>
           </a:p>
@@ -488,10 +915,13 @@
         <p:spPr/>
         <p:txBody>
           <a:bodyPr/>
-          <a:lstStyle/>
+          <a:lstStyle>
+            <a:extLst/>
+          </a:lstStyle>
           <a:p>
             <a:fld id="{725C68B6-61C2-468F-89AB-4B9F7531AA68}" type="slidenum">
               <a:rPr lang="ru-RU" smtClean="0"/>
+              <a:pPr/>
               <a:t>‹#›</a:t>
             </a:fld>
             <a:endParaRPr lang="ru-RU"/>
@@ -535,19 +965,21 @@
         </p:nvSpPr>
         <p:spPr>
           <a:xfrm>
-            <a:off x="6629400" y="274638"/>
-            <a:ext cx="2057400" cy="5851525"/>
-          </a:xfrm>
-        </p:spPr>
-        <p:txBody>
-          <a:bodyPr vert="eaVert"/>
-          <a:lstStyle/>
-          <a:p>
-            <a:r>
-              <a:rPr lang="ru-RU" smtClean="0"/>
+            <a:off x="6629400" y="274639"/>
+            <a:ext cx="1981200" cy="5851525"/>
+          </a:xfrm>
+        </p:spPr>
+        <p:txBody>
+          <a:bodyPr vert="eaVert" anchor="ctr"/>
+          <a:lstStyle>
+            <a:extLst/>
+          </a:lstStyle>
+          <a:p>
+            <a:r>
+              <a:rPr kumimoji="0" lang="ru-RU" smtClean="0"/>
               <a:t>Образец заголовка</a:t>
             </a:r>
-            <a:endParaRPr lang="ru-RU"/>
+            <a:endParaRPr kumimoji="0" lang="en-US"/>
           </a:p>
         </p:txBody>
       </p:sp>
@@ -563,48 +995,50 @@
         </p:nvSpPr>
         <p:spPr>
           <a:xfrm>
-            <a:off x="457200" y="274638"/>
-            <a:ext cx="6019800" cy="5851525"/>
+            <a:off x="609600" y="274639"/>
+            <a:ext cx="5867400" cy="5851525"/>
           </a:xfrm>
         </p:spPr>
         <p:txBody>
           <a:bodyPr vert="eaVert"/>
-          <a:lstStyle/>
-          <a:p>
-            <a:pPr lvl="0"/>
+          <a:lstStyle>
+            <a:extLst/>
+          </a:lstStyle>
+          <a:p>
+            <a:pPr lvl="0" eaLnBrk="1" latinLnBrk="0" hangingPunct="1"/>
             <a:r>
               <a:rPr lang="ru-RU" smtClean="0"/>
               <a:t>Образец текста</a:t>
             </a:r>
           </a:p>
           <a:p>
-            <a:pPr lvl="1"/>
+            <a:pPr lvl="1" eaLnBrk="1" latinLnBrk="0" hangingPunct="1"/>
             <a:r>
               <a:rPr lang="ru-RU" smtClean="0"/>
               <a:t>Второй уровень</a:t>
             </a:r>
           </a:p>
           <a:p>
-            <a:pPr lvl="2"/>
+            <a:pPr lvl="2" eaLnBrk="1" latinLnBrk="0" hangingPunct="1"/>
             <a:r>
               <a:rPr lang="ru-RU" smtClean="0"/>
               <a:t>Третий уровень</a:t>
             </a:r>
           </a:p>
           <a:p>
-            <a:pPr lvl="3"/>
+            <a:pPr lvl="3" eaLnBrk="1" latinLnBrk="0" hangingPunct="1"/>
             <a:r>
               <a:rPr lang="ru-RU" smtClean="0"/>
               <a:t>Четвертый уровень</a:t>
             </a:r>
           </a:p>
           <a:p>
-            <a:pPr lvl="4"/>
+            <a:pPr lvl="4" eaLnBrk="1" latinLnBrk="0" hangingPunct="1"/>
             <a:r>
               <a:rPr lang="ru-RU" smtClean="0"/>
               <a:t>Пятый уровень</a:t>
             </a:r>
-            <a:endParaRPr lang="ru-RU"/>
+            <a:endParaRPr kumimoji="0" lang="en-US"/>
           </a:p>
         </p:txBody>
       </p:sp>
@@ -621,11 +1055,14 @@
         <p:spPr/>
         <p:txBody>
           <a:bodyPr/>
-          <a:lstStyle/>
+          <a:lstStyle>
+            <a:extLst/>
+          </a:lstStyle>
           <a:p>
             <a:fld id="{5B106E36-FD25-4E2D-B0AA-010F637433A0}" type="datetimeFigureOut">
               <a:rPr lang="ru-RU" smtClean="0"/>
-              <a:t>03.11.2006</a:t>
+              <a:pPr/>
+              <a:t>23.09.2019</a:t>
             </a:fld>
             <a:endParaRPr lang="ru-RU"/>
           </a:p>
@@ -644,7 +1081,9 @@
         <p:spPr/>
         <p:txBody>
           <a:bodyPr/>
-          <a:lstStyle/>
+          <a:lstStyle>
+            <a:extLst/>
+          </a:lstStyle>
           <a:p>
             <a:endParaRPr lang="ru-RU"/>
           </a:p>
@@ -663,10 +1102,13 @@
         <p:spPr/>
         <p:txBody>
           <a:bodyPr/>
-          <a:lstStyle/>
+          <a:lstStyle>
+            <a:extLst/>
+          </a:lstStyle>
           <a:p>
             <a:fld id="{725C68B6-61C2-468F-89AB-4B9F7531AA68}" type="slidenum">
               <a:rPr lang="ru-RU" smtClean="0"/>
+              <a:pPr/>
               <a:t>‹#›</a:t>
             </a:fld>
             <a:endParaRPr lang="ru-RU"/>
@@ -711,13 +1153,15 @@
         <p:spPr/>
         <p:txBody>
           <a:bodyPr/>
-          <a:lstStyle/>
-          <a:p>
-            <a:r>
-              <a:rPr lang="ru-RU" smtClean="0"/>
+          <a:lstStyle>
+            <a:extLst/>
+          </a:lstStyle>
+          <a:p>
+            <a:r>
+              <a:rPr kumimoji="0" lang="ru-RU" smtClean="0"/>
               <a:t>Образец заголовка</a:t>
             </a:r>
-            <a:endParaRPr lang="ru-RU"/>
+            <a:endParaRPr kumimoji="0" lang="en-US"/>
           </a:p>
         </p:txBody>
       </p:sp>
@@ -734,42 +1178,44 @@
         <p:spPr/>
         <p:txBody>
           <a:bodyPr/>
-          <a:lstStyle/>
-          <a:p>
-            <a:pPr lvl="0"/>
+          <a:lstStyle>
+            <a:extLst/>
+          </a:lstStyle>
+          <a:p>
+            <a:pPr lvl="0" eaLnBrk="1" latinLnBrk="0" hangingPunct="1"/>
             <a:r>
               <a:rPr lang="ru-RU" smtClean="0"/>
               <a:t>Образец текста</a:t>
             </a:r>
           </a:p>
           <a:p>
-            <a:pPr lvl="1"/>
+            <a:pPr lvl="1" eaLnBrk="1" latinLnBrk="0" hangingPunct="1"/>
             <a:r>
               <a:rPr lang="ru-RU" smtClean="0"/>
               <a:t>Второй уровень</a:t>
             </a:r>
           </a:p>
           <a:p>
-            <a:pPr lvl="2"/>
+            <a:pPr lvl="2" eaLnBrk="1" latinLnBrk="0" hangingPunct="1"/>
             <a:r>
               <a:rPr lang="ru-RU" smtClean="0"/>
               <a:t>Третий уровень</a:t>
             </a:r>
           </a:p>
           <a:p>
-            <a:pPr lvl="3"/>
+            <a:pPr lvl="3" eaLnBrk="1" latinLnBrk="0" hangingPunct="1"/>
             <a:r>
               <a:rPr lang="ru-RU" smtClean="0"/>
               <a:t>Четвертый уровень</a:t>
             </a:r>
           </a:p>
           <a:p>
-            <a:pPr lvl="4"/>
+            <a:pPr lvl="4" eaLnBrk="1" latinLnBrk="0" hangingPunct="1"/>
             <a:r>
               <a:rPr lang="ru-RU" smtClean="0"/>
               <a:t>Пятый уровень</a:t>
             </a:r>
-            <a:endParaRPr lang="ru-RU"/>
+            <a:endParaRPr kumimoji="0" lang="en-US"/>
           </a:p>
         </p:txBody>
       </p:sp>
@@ -786,11 +1232,14 @@
         <p:spPr/>
         <p:txBody>
           <a:bodyPr/>
-          <a:lstStyle/>
+          <a:lstStyle>
+            <a:extLst/>
+          </a:lstStyle>
           <a:p>
             <a:fld id="{5B106E36-FD25-4E2D-B0AA-010F637433A0}" type="datetimeFigureOut">
               <a:rPr lang="ru-RU" smtClean="0"/>
-              <a:t>03.11.2006</a:t>
+              <a:pPr/>
+              <a:t>23.09.2019</a:t>
             </a:fld>
             <a:endParaRPr lang="ru-RU"/>
           </a:p>
@@ -809,7 +1258,9 @@
         <p:spPr/>
         <p:txBody>
           <a:bodyPr/>
-          <a:lstStyle/>
+          <a:lstStyle>
+            <a:extLst/>
+          </a:lstStyle>
           <a:p>
             <a:endParaRPr lang="ru-RU"/>
           </a:p>
@@ -828,10 +1279,13 @@
         <p:spPr/>
         <p:txBody>
           <a:bodyPr/>
-          <a:lstStyle/>
+          <a:lstStyle>
+            <a:extLst/>
+          </a:lstStyle>
           <a:p>
             <a:fld id="{725C68B6-61C2-468F-89AB-4B9F7531AA68}" type="slidenum">
               <a:rPr lang="ru-RU" smtClean="0"/>
+              <a:pPr/>
               <a:t>‹#›</a:t>
             </a:fld>
             <a:endParaRPr lang="ru-RU"/>
@@ -865,56 +1319,1331 @@
       </p:grpSpPr>
       <p:sp>
         <p:nvSpPr>
-          <p:cNvPr id="2" name="Заголовок 1"/>
-          <p:cNvSpPr>
-            <a:spLocks noGrp="1"/>
-          </p:cNvSpPr>
-          <p:nvPr>
-            <p:ph type="title"/>
+          <p:cNvPr id="14" name="Полилиния 13"/>
+          <p:cNvSpPr>
+            <a:spLocks/>
+          </p:cNvSpPr>
+          <p:nvPr/>
+        </p:nvSpPr>
+        <p:spPr bwMode="auto">
+          <a:xfrm>
+            <a:off x="4828952" y="1073888"/>
+            <a:ext cx="4322136" cy="5791200"/>
+          </a:xfrm>
+          <a:custGeom>
+            <a:avLst>
+              <a:gd name="A1" fmla="val 0"/>
+              <a:gd name="A2" fmla="val 0"/>
+              <a:gd name="A3" fmla="val 0"/>
+              <a:gd name="A4" fmla="val 0"/>
+              <a:gd name="A5" fmla="val 0"/>
+              <a:gd name="A6" fmla="val 0"/>
+              <a:gd name="A7" fmla="val 0"/>
+              <a:gd name="A8" fmla="val 0"/>
+            </a:avLst>
+            <a:gdLst/>
+            <a:ahLst/>
+            <a:cxnLst>
+              <a:cxn ang="0">
+                <a:pos x="0" y="3648"/>
+              </a:cxn>
+              <a:cxn ang="0">
+                <a:pos x="720" y="2016"/>
+              </a:cxn>
+              <a:cxn ang="0">
+                <a:pos x="2736" y="0"/>
+              </a:cxn>
+              <a:cxn ang="0">
+                <a:pos x="2736" y="96"/>
+              </a:cxn>
+              <a:cxn ang="0">
+                <a:pos x="744" y="2038"/>
+              </a:cxn>
+              <a:cxn ang="0">
+                <a:pos x="48" y="3648"/>
+              </a:cxn>
+              <a:cxn ang="0">
+                <a:pos x="0" y="3648"/>
+              </a:cxn>
+            </a:cxnLst>
+            <a:rect l="0" t="0" r="0" b="0"/>
+            <a:pathLst>
+              <a:path w="2736" h="3648">
+                <a:moveTo>
+                  <a:pt x="0" y="3648"/>
+                </a:moveTo>
+                <a:lnTo>
+                  <a:pt x="720" y="2016"/>
+                </a:lnTo>
+                <a:lnTo>
+                  <a:pt x="2736" y="672"/>
+                </a:lnTo>
+                <a:lnTo>
+                  <a:pt x="2736" y="720"/>
+                </a:lnTo>
+                <a:lnTo>
+                  <a:pt x="744" y="2038"/>
+                </a:lnTo>
+                <a:lnTo>
+                  <a:pt x="48" y="3648"/>
+                </a:lnTo>
+                <a:lnTo>
+                  <a:pt x="48" y="3648"/>
+                </a:lnTo>
+                <a:close/>
+              </a:path>
+            </a:pathLst>
+          </a:custGeom>
+          <a:noFill/>
+          <a:ln w="3175" cap="flat" cmpd="sng" algn="ctr">
+            <a:solidFill>
+              <a:schemeClr val="accent2">
+                <a:alpha val="53000"/>
+              </a:schemeClr>
+            </a:solidFill>
+            <a:prstDash val="solid"/>
+            <a:round/>
+            <a:headEnd type="none" w="med" len="med"/>
+            <a:tailEnd type="none" w="med" len="med"/>
+          </a:ln>
+          <a:effectLst/>
+        </p:spPr>
+        <p:txBody>
+          <a:bodyPr vert="horz" wrap="square" lIns="91440" tIns="45720" rIns="91440" bIns="45720" anchor="t" compatLnSpc="1"/>
+          <a:lstStyle>
+            <a:extLst/>
+          </a:lstStyle>
+          <a:p>
+            <a:endParaRPr kumimoji="0" lang="en-US"/>
+          </a:p>
+        </p:txBody>
+      </p:sp>
+      <p:sp>
+        <p:nvSpPr>
+          <p:cNvPr id="15" name="Полилиния 14"/>
+          <p:cNvSpPr>
+            <a:spLocks/>
+          </p:cNvSpPr>
+          <p:nvPr/>
+        </p:nvSpPr>
+        <p:spPr bwMode="auto">
+          <a:xfrm>
+            <a:off x="373966" y="0"/>
+            <a:ext cx="5514536" cy="6615332"/>
+          </a:xfrm>
+          <a:custGeom>
+            <a:avLst>
+              <a:gd name="A1" fmla="val 0"/>
+              <a:gd name="A2" fmla="val 0"/>
+              <a:gd name="A3" fmla="val 0"/>
+              <a:gd name="A4" fmla="val 0"/>
+              <a:gd name="A5" fmla="val 0"/>
+              <a:gd name="A6" fmla="val 0"/>
+              <a:gd name="A7" fmla="val 0"/>
+              <a:gd name="A8" fmla="val 0"/>
+            </a:avLst>
+            <a:gdLst/>
+            <a:ahLst/>
+            <a:cxnLst>
+              <a:cxn ang="0">
+                <a:pos x="0" y="4080"/>
+              </a:cxn>
+              <a:cxn ang="0">
+                <a:pos x="0" y="4128"/>
+              </a:cxn>
+              <a:cxn ang="0">
+                <a:pos x="3504" y="2640"/>
+              </a:cxn>
+              <a:cxn ang="0">
+                <a:pos x="2880" y="0"/>
+              </a:cxn>
+              <a:cxn ang="0">
+                <a:pos x="2832" y="0"/>
+              </a:cxn>
+              <a:cxn ang="0">
+                <a:pos x="3465" y="2619"/>
+              </a:cxn>
+              <a:cxn ang="0">
+                <a:pos x="0" y="4080"/>
+              </a:cxn>
+            </a:cxnLst>
+            <a:rect l="0" t="0" r="0" b="0"/>
+            <a:pathLst>
+              <a:path w="3504" h="4128">
+                <a:moveTo>
+                  <a:pt x="0" y="4080"/>
+                </a:moveTo>
+                <a:lnTo>
+                  <a:pt x="0" y="4128"/>
+                </a:lnTo>
+                <a:lnTo>
+                  <a:pt x="3504" y="2640"/>
+                </a:lnTo>
+                <a:lnTo>
+                  <a:pt x="2880" y="0"/>
+                </a:lnTo>
+                <a:lnTo>
+                  <a:pt x="2832" y="0"/>
+                </a:lnTo>
+                <a:lnTo>
+                  <a:pt x="3465" y="2619"/>
+                </a:lnTo>
+                <a:lnTo>
+                  <a:pt x="0" y="4080"/>
+                </a:lnTo>
+                <a:close/>
+              </a:path>
+            </a:pathLst>
+          </a:custGeom>
+          <a:noFill/>
+          <a:ln w="3175" cap="flat" cmpd="sng" algn="ctr">
+            <a:solidFill>
+              <a:schemeClr val="accent2">
+                <a:alpha val="53000"/>
+              </a:schemeClr>
+            </a:solidFill>
+            <a:prstDash val="solid"/>
+            <a:round/>
+            <a:headEnd type="none" w="med" len="med"/>
+            <a:tailEnd type="none" w="med" len="med"/>
+          </a:ln>
+          <a:effectLst/>
+        </p:spPr>
+        <p:txBody>
+          <a:bodyPr vert="horz" wrap="square" lIns="91440" tIns="45720" rIns="91440" bIns="45720" anchor="t" compatLnSpc="1"/>
+          <a:lstStyle>
+            <a:extLst/>
+          </a:lstStyle>
+          <a:p>
+            <a:endParaRPr kumimoji="0" lang="en-US"/>
+          </a:p>
+        </p:txBody>
+      </p:sp>
+      <p:sp>
+        <p:nvSpPr>
+          <p:cNvPr id="13" name="Полилиния 12"/>
+          <p:cNvSpPr>
+            <a:spLocks/>
+          </p:cNvSpPr>
+          <p:nvPr/>
+        </p:nvSpPr>
+        <p:spPr bwMode="auto">
+          <a:xfrm rot="5236414">
+            <a:off x="4462128" y="1483600"/>
+            <a:ext cx="4114800" cy="1188720"/>
+          </a:xfrm>
+          <a:custGeom>
+            <a:avLst>
+              <a:gd name="A1" fmla="val 0"/>
+              <a:gd name="A2" fmla="val 0"/>
+              <a:gd name="A3" fmla="val 0"/>
+              <a:gd name="A4" fmla="val 0"/>
+              <a:gd name="A5" fmla="val 0"/>
+              <a:gd name="A6" fmla="val 0"/>
+              <a:gd name="A7" fmla="val 0"/>
+              <a:gd name="A8" fmla="val 0"/>
+            </a:avLst>
+            <a:gdLst/>
+            <a:ahLst/>
+            <a:cxnLst>
+              <a:cxn ang="0">
+                <a:pos x="0" y="0"/>
+              </a:cxn>
+              <a:cxn ang="0">
+                <a:pos x="3552" y="1344"/>
+              </a:cxn>
+              <a:cxn ang="0">
+                <a:pos x="0" y="48"/>
+              </a:cxn>
+              <a:cxn ang="0">
+                <a:pos x="0" y="0"/>
+              </a:cxn>
+            </a:cxnLst>
+            <a:rect l="0" t="0" r="0" b="0"/>
+            <a:pathLst>
+              <a:path w="3552" h="1344">
+                <a:moveTo>
+                  <a:pt x="0" y="0"/>
+                </a:moveTo>
+                <a:lnTo>
+                  <a:pt x="3552" y="1344"/>
+                </a:lnTo>
+                <a:lnTo>
+                  <a:pt x="0" y="48"/>
+                </a:lnTo>
+                <a:lnTo>
+                  <a:pt x="0" y="0"/>
+                </a:lnTo>
+                <a:close/>
+              </a:path>
+            </a:pathLst>
+          </a:custGeom>
+          <a:solidFill>
+            <a:schemeClr val="bg2">
+              <a:tint val="95000"/>
+              <a:satMod val="180000"/>
+              <a:alpha val="30000"/>
+            </a:schemeClr>
+          </a:solidFill>
+          <a:ln w="9525" cap="flat" cmpd="sng" algn="ctr">
+            <a:noFill/>
+            <a:prstDash val="solid"/>
+            <a:round/>
+            <a:headEnd type="none" w="med" len="med"/>
+            <a:tailEnd type="none" w="med" len="med"/>
+          </a:ln>
+          <a:effectLst/>
+        </p:spPr>
+        <p:txBody>
+          <a:bodyPr vert="horz" wrap="square" lIns="91440" tIns="45720" rIns="91440" bIns="45720" anchor="t" compatLnSpc="1"/>
+          <a:lstStyle>
+            <a:extLst/>
+          </a:lstStyle>
+          <a:p>
+            <a:endParaRPr kumimoji="0" lang="en-US"/>
+          </a:p>
+        </p:txBody>
+      </p:sp>
+      <p:sp>
+        <p:nvSpPr>
+          <p:cNvPr id="16" name="Полилиния 15"/>
+          <p:cNvSpPr>
+            <a:spLocks/>
+          </p:cNvSpPr>
+          <p:nvPr/>
+        </p:nvSpPr>
+        <p:spPr bwMode="auto">
+          <a:xfrm>
+            <a:off x="5943600" y="0"/>
+            <a:ext cx="2743200" cy="4267200"/>
+          </a:xfrm>
+          <a:custGeom>
+            <a:avLst>
+              <a:gd name="A1" fmla="val 0"/>
+              <a:gd name="A2" fmla="val 0"/>
+              <a:gd name="A3" fmla="val 0"/>
+              <a:gd name="A4" fmla="val 0"/>
+              <a:gd name="A5" fmla="val 0"/>
+              <a:gd name="A6" fmla="val 0"/>
+              <a:gd name="A7" fmla="val 0"/>
+              <a:gd name="A8" fmla="val 0"/>
+            </a:avLst>
+            <a:gdLst/>
+            <a:ahLst/>
+            <a:cxnLst>
+              <a:cxn ang="0">
+                <a:pos x="1104" y="0"/>
+              </a:cxn>
+              <a:cxn ang="0">
+                <a:pos x="1728" y="0"/>
+              </a:cxn>
+              <a:cxn ang="0">
+                <a:pos x="0" y="2688"/>
+              </a:cxn>
+              <a:cxn ang="0">
+                <a:pos x="1104" y="0"/>
+              </a:cxn>
+            </a:cxnLst>
+            <a:rect l="0" t="0" r="0" b="0"/>
+            <a:pathLst>
+              <a:path w="1728" h="2688">
+                <a:moveTo>
+                  <a:pt x="1104" y="0"/>
+                </a:moveTo>
+                <a:lnTo>
+                  <a:pt x="1728" y="0"/>
+                </a:lnTo>
+                <a:lnTo>
+                  <a:pt x="0" y="2688"/>
+                </a:lnTo>
+                <a:lnTo>
+                  <a:pt x="1104" y="0"/>
+                </a:lnTo>
+                <a:close/>
+              </a:path>
+            </a:pathLst>
+          </a:custGeom>
+          <a:solidFill>
+            <a:schemeClr val="bg2">
+              <a:tint val="95000"/>
+              <a:satMod val="200000"/>
+              <a:alpha val="30000"/>
+            </a:schemeClr>
+          </a:solidFill>
+          <a:ln w="9525" cap="flat" cmpd="sng" algn="ctr">
+            <a:noFill/>
+            <a:prstDash val="solid"/>
+            <a:round/>
+            <a:headEnd type="none" w="med" len="med"/>
+            <a:tailEnd type="none" w="med" len="med"/>
+          </a:ln>
+          <a:effectLst/>
+        </p:spPr>
+        <p:txBody>
+          <a:bodyPr vert="horz" wrap="square" lIns="91440" tIns="45720" rIns="91440" bIns="45720" anchor="t" compatLnSpc="1"/>
+          <a:lstStyle>
+            <a:extLst/>
+          </a:lstStyle>
+          <a:p>
+            <a:endParaRPr kumimoji="0" lang="en-US"/>
+          </a:p>
+        </p:txBody>
+      </p:sp>
+      <p:sp>
+        <p:nvSpPr>
+          <p:cNvPr id="17" name="Полилиния 16"/>
+          <p:cNvSpPr>
+            <a:spLocks/>
+          </p:cNvSpPr>
+          <p:nvPr/>
+        </p:nvSpPr>
+        <p:spPr bwMode="auto">
+          <a:xfrm>
+            <a:off x="5943600" y="4267200"/>
+            <a:ext cx="3200400" cy="1143000"/>
+          </a:xfrm>
+          <a:custGeom>
+            <a:avLst>
+              <a:gd name="A1" fmla="val 0"/>
+              <a:gd name="A2" fmla="val 0"/>
+              <a:gd name="A3" fmla="val 0"/>
+              <a:gd name="A4" fmla="val 0"/>
+              <a:gd name="A5" fmla="val 0"/>
+              <a:gd name="A6" fmla="val 0"/>
+              <a:gd name="A7" fmla="val 0"/>
+              <a:gd name="A8" fmla="val 0"/>
+            </a:avLst>
+            <a:gdLst/>
+            <a:ahLst/>
+            <a:cxnLst>
+              <a:cxn ang="0">
+                <a:pos x="0" y="0"/>
+              </a:cxn>
+              <a:cxn ang="0">
+                <a:pos x="2016" y="240"/>
+              </a:cxn>
+              <a:cxn ang="0">
+                <a:pos x="2016" y="720"/>
+              </a:cxn>
+              <a:cxn ang="0">
+                <a:pos x="0" y="0"/>
+              </a:cxn>
+            </a:cxnLst>
+            <a:rect l="0" t="0" r="0" b="0"/>
+            <a:pathLst>
+              <a:path w="2016" h="720">
+                <a:moveTo>
+                  <a:pt x="0" y="0"/>
+                </a:moveTo>
+                <a:lnTo>
+                  <a:pt x="2016" y="240"/>
+                </a:lnTo>
+                <a:lnTo>
+                  <a:pt x="2016" y="720"/>
+                </a:lnTo>
+                <a:lnTo>
+                  <a:pt x="0" y="0"/>
+                </a:lnTo>
+                <a:close/>
+              </a:path>
+            </a:pathLst>
+          </a:custGeom>
+          <a:solidFill>
+            <a:schemeClr val="bg2">
+              <a:tint val="95000"/>
+              <a:satMod val="200000"/>
+              <a:alpha val="30000"/>
+            </a:schemeClr>
+          </a:solidFill>
+          <a:ln w="9525" cap="flat" cmpd="sng" algn="ctr">
+            <a:noFill/>
+            <a:prstDash val="solid"/>
+            <a:round/>
+            <a:headEnd type="none" w="med" len="med"/>
+            <a:tailEnd type="none" w="med" len="med"/>
+          </a:ln>
+          <a:effectLst/>
+        </p:spPr>
+        <p:txBody>
+          <a:bodyPr vert="horz" wrap="square" lIns="91440" tIns="45720" rIns="91440" bIns="45720" anchor="t" compatLnSpc="1"/>
+          <a:lstStyle>
+            <a:extLst/>
+          </a:lstStyle>
+          <a:p>
+            <a:endParaRPr kumimoji="0" lang="en-US"/>
+          </a:p>
+        </p:txBody>
+      </p:sp>
+      <p:sp>
+        <p:nvSpPr>
+          <p:cNvPr id="18" name="Полилиния 17"/>
+          <p:cNvSpPr>
+            <a:spLocks/>
+          </p:cNvSpPr>
+          <p:nvPr/>
+        </p:nvSpPr>
+        <p:spPr bwMode="auto">
+          <a:xfrm>
+            <a:off x="5943600" y="0"/>
+            <a:ext cx="1371600" cy="4267200"/>
+          </a:xfrm>
+          <a:custGeom>
+            <a:avLst>
+              <a:gd name="A1" fmla="val 0"/>
+              <a:gd name="A2" fmla="val 0"/>
+              <a:gd name="A3" fmla="val 0"/>
+              <a:gd name="A4" fmla="val 0"/>
+              <a:gd name="A5" fmla="val 0"/>
+              <a:gd name="A6" fmla="val 0"/>
+              <a:gd name="A7" fmla="val 0"/>
+              <a:gd name="A8" fmla="val 0"/>
+            </a:avLst>
+            <a:gdLst/>
+            <a:ahLst/>
+            <a:cxnLst>
+              <a:cxn ang="0">
+                <a:pos x="864" y="0"/>
+              </a:cxn>
+              <a:cxn ang="0">
+                <a:pos x="0" y="2688"/>
+              </a:cxn>
+              <a:cxn ang="0">
+                <a:pos x="768" y="0"/>
+              </a:cxn>
+              <a:cxn ang="0">
+                <a:pos x="864" y="0"/>
+              </a:cxn>
+            </a:cxnLst>
+            <a:rect l="0" t="0" r="0" b="0"/>
+            <a:pathLst>
+              <a:path w="864" h="2688">
+                <a:moveTo>
+                  <a:pt x="864" y="0"/>
+                </a:moveTo>
+                <a:lnTo>
+                  <a:pt x="0" y="2688"/>
+                </a:lnTo>
+                <a:lnTo>
+                  <a:pt x="768" y="0"/>
+                </a:lnTo>
+                <a:lnTo>
+                  <a:pt x="864" y="0"/>
+                </a:lnTo>
+                <a:close/>
+              </a:path>
+            </a:pathLst>
+          </a:custGeom>
+          <a:solidFill>
+            <a:schemeClr val="bg2">
+              <a:tint val="95000"/>
+              <a:satMod val="200000"/>
+              <a:alpha val="30000"/>
+            </a:schemeClr>
+          </a:solidFill>
+          <a:ln w="9525" cap="flat" cmpd="sng" algn="ctr">
+            <a:noFill/>
+            <a:prstDash val="solid"/>
+            <a:round/>
+            <a:headEnd type="none" w="med" len="med"/>
+            <a:tailEnd type="none" w="med" len="med"/>
+          </a:ln>
+          <a:effectLst/>
+        </p:spPr>
+        <p:txBody>
+          <a:bodyPr vert="horz" wrap="square" lIns="91440" tIns="45720" rIns="91440" bIns="45720" anchor="t" compatLnSpc="1"/>
+          <a:lstStyle>
+            <a:extLst/>
+          </a:lstStyle>
+          <a:p>
+            <a:endParaRPr kumimoji="0" lang="en-US"/>
+          </a:p>
+        </p:txBody>
+      </p:sp>
+      <p:sp>
+        <p:nvSpPr>
+          <p:cNvPr id="19" name="Полилиния 18"/>
+          <p:cNvSpPr>
+            <a:spLocks/>
+          </p:cNvSpPr>
+          <p:nvPr/>
+        </p:nvSpPr>
+        <p:spPr bwMode="auto">
+          <a:xfrm>
+            <a:off x="5948363" y="4246563"/>
+            <a:ext cx="2090737" cy="2611437"/>
+          </a:xfrm>
+          <a:custGeom>
+            <a:avLst>
+              <a:gd name="A1" fmla="val 0"/>
+              <a:gd name="A2" fmla="val 0"/>
+              <a:gd name="A3" fmla="val 0"/>
+              <a:gd name="A4" fmla="val 0"/>
+              <a:gd name="A5" fmla="val 0"/>
+              <a:gd name="A6" fmla="val 0"/>
+              <a:gd name="A7" fmla="val 0"/>
+              <a:gd name="A8" fmla="val 0"/>
+            </a:avLst>
+            <a:gdLst/>
+            <a:ahLst/>
+            <a:cxnLst>
+              <a:cxn ang="0">
+                <a:pos x="1071" y="1645"/>
+              </a:cxn>
+              <a:cxn ang="0">
+                <a:pos x="1317" y="1645"/>
+              </a:cxn>
+              <a:cxn ang="0">
+                <a:pos x="0" y="0"/>
+              </a:cxn>
+              <a:cxn ang="0">
+                <a:pos x="1071" y="1645"/>
+              </a:cxn>
+            </a:cxnLst>
+            <a:rect l="0" t="0" r="0" b="0"/>
+            <a:pathLst>
+              <a:path w="1317" h="1645">
+                <a:moveTo>
+                  <a:pt x="1071" y="1645"/>
+                </a:moveTo>
+                <a:lnTo>
+                  <a:pt x="1317" y="1645"/>
+                </a:lnTo>
+                <a:lnTo>
+                  <a:pt x="0" y="0"/>
+                </a:lnTo>
+                <a:lnTo>
+                  <a:pt x="1071" y="1645"/>
+                </a:lnTo>
+                <a:close/>
+              </a:path>
+            </a:pathLst>
+          </a:custGeom>
+          <a:solidFill>
+            <a:schemeClr val="bg2">
+              <a:tint val="95000"/>
+              <a:satMod val="200000"/>
+              <a:alpha val="30000"/>
+            </a:schemeClr>
+          </a:solidFill>
+          <a:ln w="9525" cap="flat" cmpd="sng" algn="ctr">
+            <a:noFill/>
+            <a:prstDash val="solid"/>
+            <a:round/>
+            <a:headEnd type="none" w="med" len="med"/>
+            <a:tailEnd type="none" w="med" len="med"/>
+          </a:ln>
+          <a:effectLst/>
+        </p:spPr>
+        <p:txBody>
+          <a:bodyPr vert="horz" wrap="square" lIns="91440" tIns="45720" rIns="91440" bIns="45720" anchor="t" compatLnSpc="1"/>
+          <a:lstStyle>
+            <a:extLst/>
+          </a:lstStyle>
+          <a:p>
+            <a:endParaRPr kumimoji="0" lang="en-US"/>
+          </a:p>
+        </p:txBody>
+      </p:sp>
+      <p:sp>
+        <p:nvSpPr>
+          <p:cNvPr id="20" name="Полилиния 19"/>
+          <p:cNvSpPr>
+            <a:spLocks/>
+          </p:cNvSpPr>
+          <p:nvPr/>
+        </p:nvSpPr>
+        <p:spPr bwMode="auto">
+          <a:xfrm>
+            <a:off x="5943600" y="4267200"/>
+            <a:ext cx="1600200" cy="2590800"/>
+          </a:xfrm>
+          <a:custGeom>
+            <a:avLst>
+              <a:gd name="A1" fmla="val 0"/>
+              <a:gd name="A2" fmla="val 0"/>
+              <a:gd name="A3" fmla="val 0"/>
+              <a:gd name="A4" fmla="val 0"/>
+              <a:gd name="A5" fmla="val 0"/>
+              <a:gd name="A6" fmla="val 0"/>
+              <a:gd name="A7" fmla="val 0"/>
+              <a:gd name="A8" fmla="val 0"/>
+            </a:avLst>
+            <a:gdLst/>
+            <a:ahLst/>
+            <a:cxnLst>
+              <a:cxn ang="0">
+                <a:pos x="1008" y="1632"/>
+              </a:cxn>
+              <a:cxn ang="0">
+                <a:pos x="0" y="0"/>
+              </a:cxn>
+              <a:cxn ang="0">
+                <a:pos x="960" y="1632"/>
+              </a:cxn>
+              <a:cxn ang="0">
+                <a:pos x="1008" y="1632"/>
+              </a:cxn>
+            </a:cxnLst>
+            <a:rect l="0" t="0" r="0" b="0"/>
+            <a:pathLst>
+              <a:path w="1008" h="1632">
+                <a:moveTo>
+                  <a:pt x="1008" y="1632"/>
+                </a:moveTo>
+                <a:lnTo>
+                  <a:pt x="0" y="0"/>
+                </a:lnTo>
+                <a:lnTo>
+                  <a:pt x="960" y="1632"/>
+                </a:lnTo>
+                <a:lnTo>
+                  <a:pt x="1008" y="1632"/>
+                </a:lnTo>
+                <a:close/>
+              </a:path>
+            </a:pathLst>
+          </a:custGeom>
+          <a:solidFill>
+            <a:schemeClr val="bg2">
+              <a:tint val="95000"/>
+              <a:satMod val="200000"/>
+              <a:alpha val="30000"/>
+            </a:schemeClr>
+          </a:solidFill>
+          <a:ln w="9525" cap="flat" cmpd="sng" algn="ctr">
+            <a:noFill/>
+            <a:prstDash val="solid"/>
+            <a:round/>
+            <a:headEnd type="none" w="med" len="med"/>
+            <a:tailEnd type="none" w="med" len="med"/>
+          </a:ln>
+          <a:effectLst/>
+        </p:spPr>
+        <p:txBody>
+          <a:bodyPr vert="horz" wrap="square" lIns="91440" tIns="45720" rIns="91440" bIns="45720" anchor="t" compatLnSpc="1"/>
+          <a:lstStyle>
+            <a:extLst/>
+          </a:lstStyle>
+          <a:p>
+            <a:endParaRPr kumimoji="0" lang="en-US"/>
+          </a:p>
+        </p:txBody>
+      </p:sp>
+      <p:sp>
+        <p:nvSpPr>
+          <p:cNvPr id="21" name="Полилиния 20"/>
+          <p:cNvSpPr>
+            <a:spLocks/>
+          </p:cNvSpPr>
+          <p:nvPr/>
+        </p:nvSpPr>
+        <p:spPr bwMode="auto">
+          <a:xfrm>
+            <a:off x="5943600" y="1371600"/>
+            <a:ext cx="3200400" cy="2895600"/>
+          </a:xfrm>
+          <a:custGeom>
+            <a:avLst>
+              <a:gd name="A1" fmla="val 0"/>
+              <a:gd name="A2" fmla="val 0"/>
+              <a:gd name="A3" fmla="val 0"/>
+              <a:gd name="A4" fmla="val 0"/>
+              <a:gd name="A5" fmla="val 0"/>
+              <a:gd name="A6" fmla="val 0"/>
+              <a:gd name="A7" fmla="val 0"/>
+              <a:gd name="A8" fmla="val 0"/>
+            </a:avLst>
+            <a:gdLst/>
+            <a:ahLst/>
+            <a:cxnLst>
+              <a:cxn ang="0">
+                <a:pos x="2016" y="0"/>
+              </a:cxn>
+              <a:cxn ang="0">
+                <a:pos x="2016" y="144"/>
+              </a:cxn>
+              <a:cxn ang="0">
+                <a:pos x="0" y="1824"/>
+              </a:cxn>
+              <a:cxn ang="0">
+                <a:pos x="2016" y="0"/>
+              </a:cxn>
+            </a:cxnLst>
+            <a:rect l="0" t="0" r="0" b="0"/>
+            <a:pathLst>
+              <a:path w="2016" h="1824">
+                <a:moveTo>
+                  <a:pt x="2016" y="0"/>
+                </a:moveTo>
+                <a:lnTo>
+                  <a:pt x="2016" y="144"/>
+                </a:lnTo>
+                <a:lnTo>
+                  <a:pt x="0" y="1824"/>
+                </a:lnTo>
+                <a:lnTo>
+                  <a:pt x="2016" y="0"/>
+                </a:lnTo>
+                <a:close/>
+              </a:path>
+            </a:pathLst>
+          </a:custGeom>
+          <a:solidFill>
+            <a:schemeClr val="bg2">
+              <a:tint val="95000"/>
+              <a:satMod val="200000"/>
+              <a:alpha val="30000"/>
+            </a:schemeClr>
+          </a:solidFill>
+          <a:ln w="9525" cap="flat" cmpd="sng" algn="ctr">
+            <a:noFill/>
+            <a:prstDash val="solid"/>
+            <a:round/>
+            <a:headEnd type="none" w="med" len="med"/>
+            <a:tailEnd type="none" w="med" len="med"/>
+          </a:ln>
+          <a:effectLst/>
+        </p:spPr>
+        <p:txBody>
+          <a:bodyPr vert="horz" wrap="square" lIns="91440" tIns="45720" rIns="91440" bIns="45720" anchor="t" compatLnSpc="1"/>
+          <a:lstStyle>
+            <a:extLst/>
+          </a:lstStyle>
+          <a:p>
+            <a:endParaRPr kumimoji="0" lang="en-US"/>
+          </a:p>
+        </p:txBody>
+      </p:sp>
+      <p:sp>
+        <p:nvSpPr>
+          <p:cNvPr id="22" name="Полилиния 21"/>
+          <p:cNvSpPr>
+            <a:spLocks/>
+          </p:cNvSpPr>
+          <p:nvPr/>
+        </p:nvSpPr>
+        <p:spPr bwMode="auto">
+          <a:xfrm>
+            <a:off x="5943600" y="1752600"/>
+            <a:ext cx="3200400" cy="2514600"/>
+          </a:xfrm>
+          <a:custGeom>
+            <a:avLst>
+              <a:gd name="A1" fmla="val 0"/>
+              <a:gd name="A2" fmla="val 0"/>
+              <a:gd name="A3" fmla="val 0"/>
+              <a:gd name="A4" fmla="val 0"/>
+              <a:gd name="A5" fmla="val 0"/>
+              <a:gd name="A6" fmla="val 0"/>
+              <a:gd name="A7" fmla="val 0"/>
+              <a:gd name="A8" fmla="val 0"/>
+            </a:avLst>
+            <a:gdLst/>
+            <a:ahLst/>
+            <a:cxnLst>
+              <a:cxn ang="0">
+                <a:pos x="2016" y="0"/>
+              </a:cxn>
+              <a:cxn ang="0">
+                <a:pos x="0" y="1584"/>
+              </a:cxn>
+              <a:cxn ang="0">
+                <a:pos x="2016" y="48"/>
+              </a:cxn>
+              <a:cxn ang="0">
+                <a:pos x="2016" y="0"/>
+              </a:cxn>
+            </a:cxnLst>
+            <a:rect l="0" t="0" r="0" b="0"/>
+            <a:pathLst>
+              <a:path w="2016" h="1584">
+                <a:moveTo>
+                  <a:pt x="2016" y="0"/>
+                </a:moveTo>
+                <a:lnTo>
+                  <a:pt x="0" y="1584"/>
+                </a:lnTo>
+                <a:lnTo>
+                  <a:pt x="2016" y="48"/>
+                </a:lnTo>
+                <a:lnTo>
+                  <a:pt x="2016" y="0"/>
+                </a:lnTo>
+                <a:close/>
+              </a:path>
+            </a:pathLst>
+          </a:custGeom>
+          <a:solidFill>
+            <a:schemeClr val="bg2">
+              <a:tint val="95000"/>
+              <a:satMod val="200000"/>
+              <a:alpha val="30000"/>
+            </a:schemeClr>
+          </a:solidFill>
+          <a:ln w="9525" cap="flat" cmpd="sng" algn="ctr">
+            <a:noFill/>
+            <a:prstDash val="solid"/>
+            <a:round/>
+            <a:headEnd type="none" w="med" len="med"/>
+            <a:tailEnd type="none" w="med" len="med"/>
+          </a:ln>
+          <a:effectLst/>
+        </p:spPr>
+        <p:txBody>
+          <a:bodyPr vert="horz" wrap="square" lIns="91440" tIns="45720" rIns="91440" bIns="45720" anchor="t" compatLnSpc="1"/>
+          <a:lstStyle>
+            <a:extLst/>
+          </a:lstStyle>
+          <a:p>
+            <a:endParaRPr kumimoji="0" lang="en-US"/>
+          </a:p>
+        </p:txBody>
+      </p:sp>
+      <p:sp>
+        <p:nvSpPr>
+          <p:cNvPr id="23" name="Полилиния 22"/>
+          <p:cNvSpPr>
+            <a:spLocks/>
+          </p:cNvSpPr>
+          <p:nvPr/>
+        </p:nvSpPr>
+        <p:spPr bwMode="auto">
+          <a:xfrm>
+            <a:off x="990600" y="4267200"/>
+            <a:ext cx="4953000" cy="2590800"/>
+          </a:xfrm>
+          <a:custGeom>
+            <a:avLst>
+              <a:gd name="A1" fmla="val 0"/>
+              <a:gd name="A2" fmla="val 0"/>
+              <a:gd name="A3" fmla="val 0"/>
+              <a:gd name="A4" fmla="val 0"/>
+              <a:gd name="A5" fmla="val 0"/>
+              <a:gd name="A6" fmla="val 0"/>
+              <a:gd name="A7" fmla="val 0"/>
+              <a:gd name="A8" fmla="val 0"/>
+            </a:avLst>
+            <a:gdLst/>
+            <a:ahLst/>
+            <a:cxnLst>
+              <a:cxn ang="0">
+                <a:pos x="0" y="1632"/>
+              </a:cxn>
+              <a:cxn ang="0">
+                <a:pos x="3120" y="0"/>
+              </a:cxn>
+              <a:cxn ang="0">
+                <a:pos x="1056" y="1632"/>
+              </a:cxn>
+              <a:cxn ang="0">
+                <a:pos x="0" y="1632"/>
+              </a:cxn>
+            </a:cxnLst>
+            <a:rect l="0" t="0" r="0" b="0"/>
+            <a:pathLst>
+              <a:path w="3120" h="1632">
+                <a:moveTo>
+                  <a:pt x="0" y="1632"/>
+                </a:moveTo>
+                <a:lnTo>
+                  <a:pt x="3120" y="0"/>
+                </a:lnTo>
+                <a:lnTo>
+                  <a:pt x="1056" y="1632"/>
+                </a:lnTo>
+                <a:lnTo>
+                  <a:pt x="0" y="1632"/>
+                </a:lnTo>
+                <a:close/>
+              </a:path>
+            </a:pathLst>
+          </a:custGeom>
+          <a:solidFill>
+            <a:schemeClr val="bg2">
+              <a:tint val="95000"/>
+              <a:satMod val="200000"/>
+              <a:alpha val="30000"/>
+            </a:schemeClr>
+          </a:solidFill>
+          <a:ln w="9525" cap="flat" cmpd="sng" algn="ctr">
+            <a:noFill/>
+            <a:prstDash val="solid"/>
+            <a:round/>
+            <a:headEnd type="none" w="med" len="med"/>
+            <a:tailEnd type="none" w="med" len="med"/>
+          </a:ln>
+          <a:effectLst/>
+        </p:spPr>
+        <p:txBody>
+          <a:bodyPr vert="horz" wrap="square" lIns="91440" tIns="45720" rIns="91440" bIns="45720" anchor="t" compatLnSpc="1"/>
+          <a:lstStyle>
+            <a:extLst/>
+          </a:lstStyle>
+          <a:p>
+            <a:endParaRPr kumimoji="0" lang="en-US"/>
+          </a:p>
+        </p:txBody>
+      </p:sp>
+      <p:sp>
+        <p:nvSpPr>
+          <p:cNvPr id="24" name="Полилиния 23"/>
+          <p:cNvSpPr>
+            <a:spLocks/>
+          </p:cNvSpPr>
+          <p:nvPr/>
+        </p:nvSpPr>
+        <p:spPr bwMode="auto">
+          <a:xfrm>
+            <a:off x="533400" y="4267200"/>
+            <a:ext cx="5334000" cy="2590800"/>
+          </a:xfrm>
+          <a:custGeom>
+            <a:avLst>
+              <a:gd name="A1" fmla="val 0"/>
+              <a:gd name="A2" fmla="val 0"/>
+              <a:gd name="A3" fmla="val 0"/>
+              <a:gd name="A4" fmla="val 0"/>
+              <a:gd name="A5" fmla="val 0"/>
+              <a:gd name="A6" fmla="val 0"/>
+              <a:gd name="A7" fmla="val 0"/>
+              <a:gd name="A8" fmla="val 0"/>
+            </a:avLst>
+            <a:gdLst/>
+            <a:ahLst/>
+            <a:cxnLst>
+              <a:cxn ang="0">
+                <a:pos x="0" y="1632"/>
+              </a:cxn>
+              <a:cxn ang="0">
+                <a:pos x="3360" y="0"/>
+              </a:cxn>
+              <a:cxn ang="0">
+                <a:pos x="144" y="1632"/>
+              </a:cxn>
+              <a:cxn ang="0">
+                <a:pos x="0" y="1632"/>
+              </a:cxn>
+            </a:cxnLst>
+            <a:rect l="0" t="0" r="0" b="0"/>
+            <a:pathLst>
+              <a:path w="3360" h="1632">
+                <a:moveTo>
+                  <a:pt x="0" y="1632"/>
+                </a:moveTo>
+                <a:lnTo>
+                  <a:pt x="3360" y="0"/>
+                </a:lnTo>
+                <a:lnTo>
+                  <a:pt x="144" y="1632"/>
+                </a:lnTo>
+                <a:lnTo>
+                  <a:pt x="0" y="1632"/>
+                </a:lnTo>
+                <a:close/>
+              </a:path>
+            </a:pathLst>
+          </a:custGeom>
+          <a:solidFill>
+            <a:schemeClr val="bg2">
+              <a:tint val="95000"/>
+              <a:satMod val="200000"/>
+              <a:alpha val="30000"/>
+            </a:schemeClr>
+          </a:solidFill>
+          <a:ln w="9525" cap="flat" cmpd="sng" algn="ctr">
+            <a:noFill/>
+            <a:prstDash val="solid"/>
+            <a:round/>
+            <a:headEnd type="none" w="med" len="med"/>
+            <a:tailEnd type="none" w="med" len="med"/>
+          </a:ln>
+          <a:effectLst/>
+        </p:spPr>
+        <p:txBody>
+          <a:bodyPr vert="horz" wrap="square" lIns="91440" tIns="45720" rIns="91440" bIns="45720" anchor="t" compatLnSpc="1"/>
+          <a:lstStyle>
+            <a:extLst/>
+          </a:lstStyle>
+          <a:p>
+            <a:endParaRPr kumimoji="0" lang="en-US"/>
+          </a:p>
+        </p:txBody>
+      </p:sp>
+      <p:sp>
+        <p:nvSpPr>
+          <p:cNvPr id="25" name="Полилиния 24"/>
+          <p:cNvSpPr>
+            <a:spLocks/>
+          </p:cNvSpPr>
+          <p:nvPr/>
+        </p:nvSpPr>
+        <p:spPr bwMode="auto">
+          <a:xfrm>
+            <a:off x="366824" y="2438400"/>
+            <a:ext cx="5638800" cy="1828800"/>
+          </a:xfrm>
+          <a:custGeom>
+            <a:avLst>
+              <a:gd name="A1" fmla="val 0"/>
+              <a:gd name="A2" fmla="val 0"/>
+              <a:gd name="A3" fmla="val 0"/>
+              <a:gd name="A4" fmla="val 0"/>
+              <a:gd name="A5" fmla="val 0"/>
+              <a:gd name="A6" fmla="val 0"/>
+              <a:gd name="A7" fmla="val 0"/>
+              <a:gd name="A8" fmla="val 0"/>
+            </a:avLst>
+            <a:gdLst/>
+            <a:ahLst/>
+            <a:cxnLst>
+              <a:cxn ang="0">
+                <a:pos x="0" y="0"/>
+              </a:cxn>
+              <a:cxn ang="0">
+                <a:pos x="3552" y="1152"/>
+              </a:cxn>
+              <a:cxn ang="0">
+                <a:pos x="0" y="384"/>
+              </a:cxn>
+              <a:cxn ang="0">
+                <a:pos x="0" y="0"/>
+              </a:cxn>
+            </a:cxnLst>
+            <a:rect l="0" t="0" r="0" b="0"/>
+            <a:pathLst>
+              <a:path w="3552" h="1152">
+                <a:moveTo>
+                  <a:pt x="0" y="0"/>
+                </a:moveTo>
+                <a:lnTo>
+                  <a:pt x="3504" y="1152"/>
+                </a:lnTo>
+                <a:lnTo>
+                  <a:pt x="0" y="384"/>
+                </a:lnTo>
+                <a:lnTo>
+                  <a:pt x="0" y="0"/>
+                </a:lnTo>
+                <a:close/>
+              </a:path>
+            </a:pathLst>
+          </a:custGeom>
+          <a:solidFill>
+            <a:schemeClr val="bg2">
+              <a:tint val="95000"/>
+              <a:satMod val="200000"/>
+              <a:alpha val="30000"/>
+            </a:schemeClr>
+          </a:solidFill>
+          <a:ln w="9525" cap="flat" cmpd="sng" algn="ctr">
+            <a:noFill/>
+            <a:prstDash val="solid"/>
+            <a:round/>
+            <a:headEnd type="none" w="med" len="med"/>
+            <a:tailEnd type="none" w="med" len="med"/>
+          </a:ln>
+          <a:effectLst/>
+        </p:spPr>
+        <p:txBody>
+          <a:bodyPr vert="horz" wrap="square" lIns="91440" tIns="45720" rIns="91440" bIns="45720" anchor="t" compatLnSpc="1"/>
+          <a:lstStyle>
+            <a:extLst/>
+          </a:lstStyle>
+          <a:p>
+            <a:endParaRPr kumimoji="0" lang="en-US"/>
+          </a:p>
+        </p:txBody>
+      </p:sp>
+      <p:sp>
+        <p:nvSpPr>
+          <p:cNvPr id="26" name="Полилиния 25"/>
+          <p:cNvSpPr>
+            <a:spLocks/>
+          </p:cNvSpPr>
+          <p:nvPr/>
+        </p:nvSpPr>
+        <p:spPr bwMode="auto">
+          <a:xfrm>
+            <a:off x="366824" y="2133600"/>
+            <a:ext cx="5638800" cy="2133600"/>
+          </a:xfrm>
+          <a:custGeom>
+            <a:avLst>
+              <a:gd name="A1" fmla="val 0"/>
+              <a:gd name="A2" fmla="val 0"/>
+              <a:gd name="A3" fmla="val 0"/>
+              <a:gd name="A4" fmla="val 0"/>
+              <a:gd name="A5" fmla="val 0"/>
+              <a:gd name="A6" fmla="val 0"/>
+              <a:gd name="A7" fmla="val 0"/>
+              <a:gd name="A8" fmla="val 0"/>
+            </a:avLst>
+            <a:gdLst/>
+            <a:ahLst/>
+            <a:cxnLst>
+              <a:cxn ang="0">
+                <a:pos x="0" y="0"/>
+              </a:cxn>
+              <a:cxn ang="0">
+                <a:pos x="3552" y="1344"/>
+              </a:cxn>
+              <a:cxn ang="0">
+                <a:pos x="0" y="48"/>
+              </a:cxn>
+              <a:cxn ang="0">
+                <a:pos x="0" y="0"/>
+              </a:cxn>
+            </a:cxnLst>
+            <a:rect l="0" t="0" r="0" b="0"/>
+            <a:pathLst>
+              <a:path w="3552" h="1344">
+                <a:moveTo>
+                  <a:pt x="0" y="0"/>
+                </a:moveTo>
+                <a:lnTo>
+                  <a:pt x="3552" y="1344"/>
+                </a:lnTo>
+                <a:lnTo>
+                  <a:pt x="0" y="48"/>
+                </a:lnTo>
+                <a:lnTo>
+                  <a:pt x="0" y="0"/>
+                </a:lnTo>
+                <a:close/>
+              </a:path>
+            </a:pathLst>
+          </a:custGeom>
+          <a:solidFill>
+            <a:schemeClr val="bg2">
+              <a:tint val="95000"/>
+              <a:satMod val="200000"/>
+              <a:alpha val="30000"/>
+            </a:schemeClr>
+          </a:solidFill>
+          <a:ln w="9525" cap="flat" cmpd="sng" algn="ctr">
+            <a:noFill/>
+            <a:prstDash val="solid"/>
+            <a:round/>
+            <a:headEnd type="none" w="med" len="med"/>
+            <a:tailEnd type="none" w="med" len="med"/>
+          </a:ln>
+          <a:effectLst/>
+        </p:spPr>
+        <p:txBody>
+          <a:bodyPr vert="horz" wrap="square" lIns="91440" tIns="45720" rIns="91440" bIns="45720" anchor="t" compatLnSpc="1"/>
+          <a:lstStyle>
+            <a:extLst/>
+          </a:lstStyle>
+          <a:p>
+            <a:endParaRPr kumimoji="0" lang="en-US"/>
+          </a:p>
+        </p:txBody>
+      </p:sp>
+      <p:sp>
+        <p:nvSpPr>
+          <p:cNvPr id="27" name="Полилиния 26"/>
+          <p:cNvSpPr>
+            <a:spLocks/>
+          </p:cNvSpPr>
+          <p:nvPr/>
+        </p:nvSpPr>
+        <p:spPr bwMode="auto">
+          <a:xfrm>
+            <a:off x="4572000" y="4267200"/>
+            <a:ext cx="1371600" cy="2590800"/>
+          </a:xfrm>
+          <a:custGeom>
+            <a:avLst>
+              <a:gd name="A1" fmla="val 0"/>
+              <a:gd name="A2" fmla="val 0"/>
+              <a:gd name="A3" fmla="val 0"/>
+              <a:gd name="A4" fmla="val 0"/>
+              <a:gd name="A5" fmla="val 0"/>
+              <a:gd name="A6" fmla="val 0"/>
+              <a:gd name="A7" fmla="val 0"/>
+              <a:gd name="A8" fmla="val 0"/>
+            </a:avLst>
+            <a:gdLst/>
+            <a:ahLst/>
+            <a:cxnLst>
+              <a:cxn ang="0">
+                <a:pos x="0" y="1632"/>
+              </a:cxn>
+              <a:cxn ang="0">
+                <a:pos x="96" y="1632"/>
+              </a:cxn>
+              <a:cxn ang="0">
+                <a:pos x="864" y="0"/>
+              </a:cxn>
+              <a:cxn ang="0">
+                <a:pos x="0" y="1632"/>
+              </a:cxn>
+            </a:cxnLst>
+            <a:rect l="0" t="0" r="0" b="0"/>
+            <a:pathLst>
+              <a:path w="864" h="1632">
+                <a:moveTo>
+                  <a:pt x="0" y="1632"/>
+                </a:moveTo>
+                <a:lnTo>
+                  <a:pt x="96" y="1632"/>
+                </a:lnTo>
+                <a:lnTo>
+                  <a:pt x="864" y="0"/>
+                </a:lnTo>
+                <a:lnTo>
+                  <a:pt x="0" y="1632"/>
+                </a:lnTo>
+                <a:close/>
+              </a:path>
+            </a:pathLst>
+          </a:custGeom>
+          <a:solidFill>
+            <a:schemeClr val="bg2">
+              <a:tint val="95000"/>
+              <a:satMod val="180000"/>
+              <a:alpha val="30000"/>
+            </a:schemeClr>
+          </a:solidFill>
+          <a:ln w="9525" cap="flat" cmpd="sng" algn="ctr">
+            <a:noFill/>
+            <a:prstDash val="solid"/>
+            <a:round/>
+            <a:headEnd type="none" w="med" len="med"/>
+            <a:tailEnd type="none" w="med" len="med"/>
+          </a:ln>
+          <a:effectLst/>
+        </p:spPr>
+        <p:txBody>
+          <a:bodyPr vert="horz" wrap="square" lIns="91440" tIns="45720" rIns="91440" bIns="45720" anchor="t" compatLnSpc="1"/>
+          <a:lstStyle>
+            <a:extLst/>
+          </a:lstStyle>
+          <a:p>
+            <a:endParaRPr kumimoji="0" lang="en-US"/>
+          </a:p>
+        </p:txBody>
+      </p:sp>
+      <p:sp>
+        <p:nvSpPr>
+          <p:cNvPr id="3" name="Текст 2"/>
+          <p:cNvSpPr>
+            <a:spLocks noGrp="1"/>
+          </p:cNvSpPr>
+          <p:nvPr>
+            <p:ph type="body" idx="1"/>
           </p:nvPr>
         </p:nvSpPr>
         <p:spPr>
           <a:xfrm>
-            <a:off x="722313" y="4406900"/>
-            <a:ext cx="7772400" cy="1362075"/>
-          </a:xfrm>
-        </p:spPr>
-        <p:txBody>
-          <a:bodyPr anchor="t"/>
-          <a:lstStyle>
-            <a:lvl1pPr algn="l">
-              <a:defRPr sz="4000" b="1" cap="all"/>
-            </a:lvl1pPr>
-          </a:lstStyle>
-          <a:p>
-            <a:r>
-              <a:rPr lang="ru-RU" smtClean="0"/>
-              <a:t>Образец заголовка</a:t>
-            </a:r>
-            <a:endParaRPr lang="ru-RU"/>
-          </a:p>
-        </p:txBody>
-      </p:sp>
-      <p:sp>
-        <p:nvSpPr>
-          <p:cNvPr id="3" name="Текст 2"/>
-          <p:cNvSpPr>
-            <a:spLocks noGrp="1"/>
-          </p:cNvSpPr>
-          <p:nvPr>
-            <p:ph type="body" idx="1"/>
-          </p:nvPr>
-        </p:nvSpPr>
-        <p:spPr>
-          <a:xfrm>
-            <a:off x="722313" y="2906713"/>
-            <a:ext cx="7772400" cy="1500187"/>
-          </a:xfrm>
-        </p:spPr>
-        <p:txBody>
-          <a:bodyPr anchor="b"/>
-          <a:lstStyle>
-            <a:lvl1pPr marL="0" indent="0">
+            <a:off x="706902" y="1351672"/>
+            <a:ext cx="5718048" cy="977486"/>
+          </a:xfrm>
+        </p:spPr>
+        <p:txBody>
+          <a:bodyPr lIns="82296" tIns="45720" bIns="0" anchor="t"/>
+          <a:lstStyle>
+            <a:lvl1pPr marL="54864" indent="0">
               <a:buNone/>
               <a:defRPr sz="2000">
                 <a:solidFill>
@@ -924,7 +2653,7 @@
                 </a:solidFill>
               </a:defRPr>
             </a:lvl1pPr>
-            <a:lvl2pPr marL="457200" indent="0">
+            <a:lvl2pPr>
               <a:buNone/>
               <a:defRPr sz="1800">
                 <a:solidFill>
@@ -934,7 +2663,7 @@
                 </a:solidFill>
               </a:defRPr>
             </a:lvl2pPr>
-            <a:lvl3pPr marL="914400" indent="0">
+            <a:lvl3pPr>
               <a:buNone/>
               <a:defRPr sz="1600">
                 <a:solidFill>
@@ -944,7 +2673,7 @@
                 </a:solidFill>
               </a:defRPr>
             </a:lvl3pPr>
-            <a:lvl4pPr marL="1371600" indent="0">
+            <a:lvl4pPr>
               <a:buNone/>
               <a:defRPr sz="1400">
                 <a:solidFill>
@@ -954,7 +2683,7 @@
                 </a:solidFill>
               </a:defRPr>
             </a:lvl4pPr>
-            <a:lvl5pPr marL="1828800" indent="0">
+            <a:lvl5pPr>
               <a:buNone/>
               <a:defRPr sz="1400">
                 <a:solidFill>
@@ -964,51 +2693,12 @@
                 </a:solidFill>
               </a:defRPr>
             </a:lvl5pPr>
-            <a:lvl6pPr marL="2286000" indent="0">
-              <a:buNone/>
-              <a:defRPr sz="1400">
-                <a:solidFill>
-                  <a:schemeClr val="tx1">
-                    <a:tint val="75000"/>
-                  </a:schemeClr>
-                </a:solidFill>
-              </a:defRPr>
-            </a:lvl6pPr>
-            <a:lvl7pPr marL="2743200" indent="0">
-              <a:buNone/>
-              <a:defRPr sz="1400">
-                <a:solidFill>
-                  <a:schemeClr val="tx1">
-                    <a:tint val="75000"/>
-                  </a:schemeClr>
-                </a:solidFill>
-              </a:defRPr>
-            </a:lvl7pPr>
-            <a:lvl8pPr marL="3200400" indent="0">
-              <a:buNone/>
-              <a:defRPr sz="1400">
-                <a:solidFill>
-                  <a:schemeClr val="tx1">
-                    <a:tint val="75000"/>
-                  </a:schemeClr>
-                </a:solidFill>
-              </a:defRPr>
-            </a:lvl8pPr>
-            <a:lvl9pPr marL="3657600" indent="0">
-              <a:buNone/>
-              <a:defRPr sz="1400">
-                <a:solidFill>
-                  <a:schemeClr val="tx1">
-                    <a:tint val="75000"/>
-                  </a:schemeClr>
-                </a:solidFill>
-              </a:defRPr>
-            </a:lvl9pPr>
-          </a:lstStyle>
-          <a:p>
-            <a:pPr lvl="0"/>
-            <a:r>
-              <a:rPr lang="ru-RU" smtClean="0"/>
+            <a:extLst/>
+          </a:lstStyle>
+          <a:p>
+            <a:pPr lvl="0" eaLnBrk="1" latinLnBrk="0" hangingPunct="1"/>
+            <a:r>
+              <a:rPr kumimoji="0" lang="ru-RU" smtClean="0"/>
               <a:t>Образец текста</a:t>
             </a:r>
           </a:p>
@@ -1027,11 +2717,14 @@
         <p:spPr/>
         <p:txBody>
           <a:bodyPr/>
-          <a:lstStyle/>
+          <a:lstStyle>
+            <a:extLst/>
+          </a:lstStyle>
           <a:p>
             <a:fld id="{5B106E36-FD25-4E2D-B0AA-010F637433A0}" type="datetimeFigureOut">
               <a:rPr lang="ru-RU" smtClean="0"/>
-              <a:t>03.11.2006</a:t>
+              <a:pPr/>
+              <a:t>23.09.2019</a:t>
             </a:fld>
             <a:endParaRPr lang="ru-RU"/>
           </a:p>
@@ -1050,7 +2743,9 @@
         <p:spPr/>
         <p:txBody>
           <a:bodyPr/>
-          <a:lstStyle/>
+          <a:lstStyle>
+            <a:extLst/>
+          </a:lstStyle>
           <a:p>
             <a:endParaRPr lang="ru-RU"/>
           </a:p>
@@ -1069,13 +2764,342 @@
         <p:spPr/>
         <p:txBody>
           <a:bodyPr/>
-          <a:lstStyle/>
+          <a:lstStyle>
+            <a:extLst/>
+          </a:lstStyle>
           <a:p>
             <a:fld id="{725C68B6-61C2-468F-89AB-4B9F7531AA68}" type="slidenum">
               <a:rPr lang="ru-RU" smtClean="0"/>
+              <a:pPr/>
               <a:t>‹#›</a:t>
             </a:fld>
             <a:endParaRPr lang="ru-RU"/>
+          </a:p>
+        </p:txBody>
+      </p:sp>
+      <p:sp>
+        <p:nvSpPr>
+          <p:cNvPr id="7" name="Прямоугольник 6"/>
+          <p:cNvSpPr/>
+          <p:nvPr/>
+        </p:nvSpPr>
+        <p:spPr>
+          <a:xfrm>
+            <a:off x="363160" y="402264"/>
+            <a:ext cx="8503920" cy="886265"/>
+          </a:xfrm>
+          <a:prstGeom prst="rect">
+            <a:avLst/>
+          </a:prstGeom>
+          <a:solidFill>
+            <a:schemeClr val="bg2">
+              <a:tint val="95000"/>
+              <a:satMod val="180000"/>
+              <a:alpha val="40000"/>
+            </a:schemeClr>
+          </a:solidFill>
+          <a:ln w="50800" cap="rnd" cmpd="dbl" algn="ctr">
+            <a:noFill/>
+            <a:prstDash val="solid"/>
+          </a:ln>
+          <a:effectLst/>
+        </p:spPr>
+        <p:style>
+          <a:lnRef idx="3">
+            <a:schemeClr val="lt1"/>
+          </a:lnRef>
+          <a:fillRef idx="1">
+            <a:schemeClr val="accent1"/>
+          </a:fillRef>
+          <a:effectRef idx="1">
+            <a:schemeClr val="accent1"/>
+          </a:effectRef>
+          <a:fontRef idx="minor">
+            <a:schemeClr val="lt1"/>
+          </a:fontRef>
+        </p:style>
+        <p:txBody>
+          <a:bodyPr anchor="ctr"/>
+          <a:lstStyle>
+            <a:extLst/>
+          </a:lstStyle>
+          <a:p>
+            <a:pPr algn="ctr" eaLnBrk="1" latinLnBrk="0" hangingPunct="1"/>
+            <a:endParaRPr kumimoji="0" lang="en-US"/>
+          </a:p>
+        </p:txBody>
+      </p:sp>
+      <p:sp>
+        <p:nvSpPr>
+          <p:cNvPr id="2" name="Заголовок 1"/>
+          <p:cNvSpPr>
+            <a:spLocks noGrp="1"/>
+          </p:cNvSpPr>
+          <p:nvPr>
+            <p:ph type="title"/>
+          </p:nvPr>
+        </p:nvSpPr>
+        <p:spPr>
+          <a:xfrm>
+            <a:off x="706902" y="512064"/>
+            <a:ext cx="8156448" cy="777240"/>
+          </a:xfrm>
+        </p:spPr>
+        <p:txBody>
+          <a:bodyPr tIns="64008"/>
+          <a:lstStyle>
+            <a:lvl1pPr algn="l">
+              <a:buNone/>
+              <a:defRPr sz="3800" b="0" cap="none" spc="-150" baseline="0"/>
+            </a:lvl1pPr>
+            <a:extLst/>
+          </a:lstStyle>
+          <a:p>
+            <a:r>
+              <a:rPr kumimoji="0" lang="ru-RU" smtClean="0"/>
+              <a:t>Образец заголовка</a:t>
+            </a:r>
+            <a:endParaRPr kumimoji="0" lang="en-US"/>
+          </a:p>
+        </p:txBody>
+      </p:sp>
+      <p:sp>
+        <p:nvSpPr>
+          <p:cNvPr id="8" name="Прямоугольник 7"/>
+          <p:cNvSpPr/>
+          <p:nvPr/>
+        </p:nvSpPr>
+        <p:spPr>
+          <a:xfrm flipH="1">
+            <a:off x="371538" y="680477"/>
+            <a:ext cx="27432" cy="365760"/>
+          </a:xfrm>
+          <a:prstGeom prst="rect">
+            <a:avLst/>
+          </a:prstGeom>
+          <a:solidFill>
+            <a:srgbClr val="000000"/>
+          </a:solidFill>
+          <a:ln w="50800" cap="rnd" cmpd="thickThin" algn="ctr">
+            <a:noFill/>
+            <a:prstDash val="solid"/>
+          </a:ln>
+          <a:effectLst/>
+        </p:spPr>
+        <p:style>
+          <a:lnRef idx="3">
+            <a:schemeClr val="lt1"/>
+          </a:lnRef>
+          <a:fillRef idx="1">
+            <a:schemeClr val="accent1"/>
+          </a:fillRef>
+          <a:effectRef idx="1">
+            <a:schemeClr val="accent1"/>
+          </a:effectRef>
+          <a:fontRef idx="minor">
+            <a:schemeClr val="lt1"/>
+          </a:fontRef>
+        </p:style>
+        <p:txBody>
+          <a:bodyPr anchor="ctr"/>
+          <a:lstStyle>
+            <a:extLst/>
+          </a:lstStyle>
+          <a:p>
+            <a:pPr algn="ctr" eaLnBrk="1" latinLnBrk="0" hangingPunct="1"/>
+            <a:endParaRPr kumimoji="0" lang="en-US" dirty="0"/>
+          </a:p>
+        </p:txBody>
+      </p:sp>
+      <p:sp>
+        <p:nvSpPr>
+          <p:cNvPr id="9" name="Прямоугольник 8"/>
+          <p:cNvSpPr/>
+          <p:nvPr/>
+        </p:nvSpPr>
+        <p:spPr>
+          <a:xfrm flipH="1">
+            <a:off x="411109" y="680477"/>
+            <a:ext cx="27432" cy="365760"/>
+          </a:xfrm>
+          <a:prstGeom prst="rect">
+            <a:avLst/>
+          </a:prstGeom>
+          <a:solidFill>
+            <a:srgbClr val="000000"/>
+          </a:solidFill>
+          <a:ln w="50800" cap="rnd" cmpd="thickThin" algn="ctr">
+            <a:noFill/>
+            <a:prstDash val="solid"/>
+          </a:ln>
+          <a:effectLst/>
+        </p:spPr>
+        <p:style>
+          <a:lnRef idx="3">
+            <a:schemeClr val="lt1"/>
+          </a:lnRef>
+          <a:fillRef idx="1">
+            <a:schemeClr val="accent1"/>
+          </a:fillRef>
+          <a:effectRef idx="1">
+            <a:schemeClr val="accent1"/>
+          </a:effectRef>
+          <a:fontRef idx="minor">
+            <a:schemeClr val="lt1"/>
+          </a:fontRef>
+        </p:style>
+        <p:txBody>
+          <a:bodyPr anchor="ctr"/>
+          <a:lstStyle>
+            <a:extLst/>
+          </a:lstStyle>
+          <a:p>
+            <a:pPr algn="ctr" eaLnBrk="1" latinLnBrk="0" hangingPunct="1"/>
+            <a:endParaRPr kumimoji="0" lang="en-US" dirty="0"/>
+          </a:p>
+        </p:txBody>
+      </p:sp>
+      <p:sp>
+        <p:nvSpPr>
+          <p:cNvPr id="10" name="Прямоугольник 9"/>
+          <p:cNvSpPr/>
+          <p:nvPr/>
+        </p:nvSpPr>
+        <p:spPr>
+          <a:xfrm flipH="1">
+            <a:off x="448450" y="680477"/>
+            <a:ext cx="9144" cy="365760"/>
+          </a:xfrm>
+          <a:prstGeom prst="rect">
+            <a:avLst/>
+          </a:prstGeom>
+          <a:solidFill>
+            <a:srgbClr val="000000"/>
+          </a:solidFill>
+          <a:ln w="50800" cap="rnd" cmpd="thickThin" algn="ctr">
+            <a:noFill/>
+            <a:prstDash val="solid"/>
+          </a:ln>
+          <a:effectLst/>
+        </p:spPr>
+        <p:style>
+          <a:lnRef idx="3">
+            <a:schemeClr val="lt1"/>
+          </a:lnRef>
+          <a:fillRef idx="1">
+            <a:schemeClr val="accent1"/>
+          </a:fillRef>
+          <a:effectRef idx="1">
+            <a:schemeClr val="accent1"/>
+          </a:effectRef>
+          <a:fontRef idx="minor">
+            <a:schemeClr val="lt1"/>
+          </a:fontRef>
+        </p:style>
+        <p:txBody>
+          <a:bodyPr anchor="ctr"/>
+          <a:lstStyle>
+            <a:extLst/>
+          </a:lstStyle>
+          <a:p>
+            <a:pPr algn="ctr" eaLnBrk="1" latinLnBrk="0" hangingPunct="1"/>
+            <a:endParaRPr kumimoji="0" lang="en-US"/>
+          </a:p>
+        </p:txBody>
+      </p:sp>
+      <p:sp>
+        <p:nvSpPr>
+          <p:cNvPr id="11" name="Прямоугольник 10"/>
+          <p:cNvSpPr/>
+          <p:nvPr/>
+        </p:nvSpPr>
+        <p:spPr>
+          <a:xfrm flipH="1">
+            <a:off x="476702" y="680477"/>
+            <a:ext cx="9144" cy="365760"/>
+          </a:xfrm>
+          <a:prstGeom prst="rect">
+            <a:avLst/>
+          </a:prstGeom>
+          <a:solidFill>
+            <a:srgbClr val="000000"/>
+          </a:solidFill>
+          <a:ln w="50800" cap="rnd" cmpd="thickThin" algn="ctr">
+            <a:noFill/>
+            <a:prstDash val="solid"/>
+          </a:ln>
+          <a:effectLst/>
+        </p:spPr>
+        <p:style>
+          <a:lnRef idx="3">
+            <a:schemeClr val="lt1"/>
+          </a:lnRef>
+          <a:fillRef idx="1">
+            <a:schemeClr val="accent1"/>
+          </a:fillRef>
+          <a:effectRef idx="1">
+            <a:schemeClr val="accent1"/>
+          </a:effectRef>
+          <a:fontRef idx="minor">
+            <a:schemeClr val="lt1"/>
+          </a:fontRef>
+        </p:style>
+        <p:txBody>
+          <a:bodyPr anchor="ctr"/>
+          <a:lstStyle>
+            <a:extLst/>
+          </a:lstStyle>
+          <a:p>
+            <a:pPr algn="ctr" eaLnBrk="1" latinLnBrk="0" hangingPunct="1"/>
+            <a:endParaRPr kumimoji="0" lang="en-US" dirty="0"/>
+          </a:p>
+        </p:txBody>
+      </p:sp>
+      <p:sp>
+        <p:nvSpPr>
+          <p:cNvPr id="12" name="Прямоугольник 11"/>
+          <p:cNvSpPr/>
+          <p:nvPr/>
+        </p:nvSpPr>
+        <p:spPr>
+          <a:xfrm>
+            <a:off x="500478" y="680477"/>
+            <a:ext cx="36576" cy="365760"/>
+          </a:xfrm>
+          <a:prstGeom prst="rect">
+            <a:avLst/>
+          </a:prstGeom>
+          <a:solidFill>
+            <a:srgbClr val="000000"/>
+          </a:solidFill>
+          <a:ln w="50800" cap="rnd" cmpd="thickThin" algn="ctr">
+            <a:noFill/>
+            <a:prstDash val="solid"/>
+          </a:ln>
+          <a:effectLst/>
+        </p:spPr>
+        <p:style>
+          <a:lnRef idx="3">
+            <a:schemeClr val="lt1"/>
+          </a:lnRef>
+          <a:fillRef idx="1">
+            <a:schemeClr val="accent1"/>
+          </a:fillRef>
+          <a:effectRef idx="1">
+            <a:schemeClr val="accent1"/>
+          </a:effectRef>
+          <a:fontRef idx="minor">
+            <a:schemeClr val="lt1"/>
+          </a:fontRef>
+        </p:style>
+        <p:txBody>
+          <a:bodyPr anchor="ctr"/>
+          <a:lstStyle>
+            <a:extLst/>
+          </a:lstStyle>
+          <a:p>
+            <a:pPr algn="ctr" eaLnBrk="1" latinLnBrk="0" hangingPunct="1"/>
+            <a:endParaRPr kumimoji="0" lang="en-US" dirty="0"/>
           </a:p>
         </p:txBody>
       </p:sp>
@@ -1088,7 +3112,7 @@
 </file>
 
 <file path=ppt/slideLayouts/slideLayout4.xml><?xml version="1.0" encoding="utf-8"?>
-<p:sldLayout xmlns:a="http://schemas.openxmlformats.org/drawingml/2006/main" xmlns:r="http://schemas.openxmlformats.org/officeDocument/2006/relationships" xmlns:p="http://schemas.openxmlformats.org/presentationml/2006/main" type="twoObj" preserve="1">
+<p:sldLayout xmlns:a="http://schemas.openxmlformats.org/drawingml/2006/main" xmlns:r="http://schemas.openxmlformats.org/officeDocument/2006/relationships" xmlns:p="http://schemas.openxmlformats.org/presentationml/2006/main" showMasterSp="0" type="twoObj" preserve="1">
   <p:cSld name="Два объекта">
     <p:spTree>
       <p:nvGrpSpPr>
@@ -1114,32 +3138,39 @@
             <p:ph type="title"/>
           </p:nvPr>
         </p:nvSpPr>
-        <p:spPr/>
-        <p:txBody>
-          <a:bodyPr/>
-          <a:lstStyle/>
-          <a:p>
-            <a:r>
-              <a:rPr lang="ru-RU" smtClean="0"/>
-              <a:t>Образец заголовка</a:t>
-            </a:r>
-            <a:endParaRPr lang="ru-RU"/>
-          </a:p>
-        </p:txBody>
-      </p:sp>
-      <p:sp>
-        <p:nvSpPr>
-          <p:cNvPr id="3" name="Содержимое 2"/>
-          <p:cNvSpPr>
-            <a:spLocks noGrp="1"/>
-          </p:cNvSpPr>
-          <p:nvPr>
-            <p:ph sz="half" idx="1"/>
-          </p:nvPr>
-        </p:nvSpPr>
         <p:spPr>
           <a:xfrm>
-            <a:off x="457200" y="1600200"/>
+            <a:off x="457200" y="512064"/>
+            <a:ext cx="8229600" cy="914400"/>
+          </a:xfrm>
+        </p:spPr>
+        <p:txBody>
+          <a:bodyPr/>
+          <a:lstStyle>
+            <a:extLst/>
+          </a:lstStyle>
+          <a:p>
+            <a:r>
+              <a:rPr kumimoji="0" lang="ru-RU" smtClean="0"/>
+              <a:t>Образец заголовка</a:t>
+            </a:r>
+            <a:endParaRPr kumimoji="0" lang="en-US"/>
+          </a:p>
+        </p:txBody>
+      </p:sp>
+      <p:sp>
+        <p:nvSpPr>
+          <p:cNvPr id="3" name="Содержимое 2"/>
+          <p:cNvSpPr>
+            <a:spLocks noGrp="1"/>
+          </p:cNvSpPr>
+          <p:nvPr>
+            <p:ph sz="half" idx="1"/>
+          </p:nvPr>
+        </p:nvSpPr>
+        <p:spPr>
+          <a:xfrm>
+            <a:off x="464344" y="1770501"/>
             <a:ext cx="4038600" cy="4525963"/>
           </a:xfrm>
         </p:spPr>
@@ -1161,54 +3192,43 @@
             <a:lvl5pPr>
               <a:defRPr sz="1800"/>
             </a:lvl5pPr>
-            <a:lvl6pPr>
-              <a:defRPr sz="1800"/>
-            </a:lvl6pPr>
-            <a:lvl7pPr>
-              <a:defRPr sz="1800"/>
-            </a:lvl7pPr>
-            <a:lvl8pPr>
-              <a:defRPr sz="1800"/>
-            </a:lvl8pPr>
-            <a:lvl9pPr>
-              <a:defRPr sz="1800"/>
-            </a:lvl9pPr>
-          </a:lstStyle>
-          <a:p>
-            <a:pPr lvl="0"/>
+            <a:extLst/>
+          </a:lstStyle>
+          <a:p>
+            <a:pPr lvl="0" eaLnBrk="1" latinLnBrk="0" hangingPunct="1"/>
             <a:r>
               <a:rPr lang="ru-RU" smtClean="0"/>
               <a:t>Образец текста</a:t>
             </a:r>
           </a:p>
           <a:p>
-            <a:pPr lvl="1"/>
+            <a:pPr lvl="1" eaLnBrk="1" latinLnBrk="0" hangingPunct="1"/>
             <a:r>
               <a:rPr lang="ru-RU" smtClean="0"/>
               <a:t>Второй уровень</a:t>
             </a:r>
           </a:p>
           <a:p>
-            <a:pPr lvl="2"/>
+            <a:pPr lvl="2" eaLnBrk="1" latinLnBrk="0" hangingPunct="1"/>
             <a:r>
               <a:rPr lang="ru-RU" smtClean="0"/>
               <a:t>Третий уровень</a:t>
             </a:r>
           </a:p>
           <a:p>
-            <a:pPr lvl="3"/>
+            <a:pPr lvl="3" eaLnBrk="1" latinLnBrk="0" hangingPunct="1"/>
             <a:r>
               <a:rPr lang="ru-RU" smtClean="0"/>
               <a:t>Четвертый уровень</a:t>
             </a:r>
           </a:p>
           <a:p>
-            <a:pPr lvl="4"/>
+            <a:pPr lvl="4" eaLnBrk="1" latinLnBrk="0" hangingPunct="1"/>
             <a:r>
               <a:rPr lang="ru-RU" smtClean="0"/>
               <a:t>Пятый уровень</a:t>
             </a:r>
-            <a:endParaRPr lang="ru-RU"/>
+            <a:endParaRPr kumimoji="0" lang="en-US"/>
           </a:p>
         </p:txBody>
       </p:sp>
@@ -1224,7 +3244,7 @@
         </p:nvSpPr>
         <p:spPr>
           <a:xfrm>
-            <a:off x="4648200" y="1600200"/>
+            <a:off x="4655344" y="1770501"/>
             <a:ext cx="4038600" cy="4525963"/>
           </a:xfrm>
         </p:spPr>
@@ -1246,54 +3266,43 @@
             <a:lvl5pPr>
               <a:defRPr sz="1800"/>
             </a:lvl5pPr>
-            <a:lvl6pPr>
-              <a:defRPr sz="1800"/>
-            </a:lvl6pPr>
-            <a:lvl7pPr>
-              <a:defRPr sz="1800"/>
-            </a:lvl7pPr>
-            <a:lvl8pPr>
-              <a:defRPr sz="1800"/>
-            </a:lvl8pPr>
-            <a:lvl9pPr>
-              <a:defRPr sz="1800"/>
-            </a:lvl9pPr>
-          </a:lstStyle>
-          <a:p>
-            <a:pPr lvl="0"/>
+            <a:extLst/>
+          </a:lstStyle>
+          <a:p>
+            <a:pPr lvl="0" eaLnBrk="1" latinLnBrk="0" hangingPunct="1"/>
             <a:r>
               <a:rPr lang="ru-RU" smtClean="0"/>
               <a:t>Образец текста</a:t>
             </a:r>
           </a:p>
           <a:p>
-            <a:pPr lvl="1"/>
+            <a:pPr lvl="1" eaLnBrk="1" latinLnBrk="0" hangingPunct="1"/>
             <a:r>
               <a:rPr lang="ru-RU" smtClean="0"/>
               <a:t>Второй уровень</a:t>
             </a:r>
           </a:p>
           <a:p>
-            <a:pPr lvl="2"/>
+            <a:pPr lvl="2" eaLnBrk="1" latinLnBrk="0" hangingPunct="1"/>
             <a:r>
               <a:rPr lang="ru-RU" smtClean="0"/>
               <a:t>Третий уровень</a:t>
             </a:r>
           </a:p>
           <a:p>
-            <a:pPr lvl="3"/>
+            <a:pPr lvl="3" eaLnBrk="1" latinLnBrk="0" hangingPunct="1"/>
             <a:r>
               <a:rPr lang="ru-RU" smtClean="0"/>
               <a:t>Четвертый уровень</a:t>
             </a:r>
           </a:p>
           <a:p>
-            <a:pPr lvl="4"/>
+            <a:pPr lvl="4" eaLnBrk="1" latinLnBrk="0" hangingPunct="1"/>
             <a:r>
               <a:rPr lang="ru-RU" smtClean="0"/>
               <a:t>Пятый уровень</a:t>
             </a:r>
-            <a:endParaRPr lang="ru-RU"/>
+            <a:endParaRPr kumimoji="0" lang="en-US"/>
           </a:p>
         </p:txBody>
       </p:sp>
@@ -1310,11 +3319,14 @@
         <p:spPr/>
         <p:txBody>
           <a:bodyPr/>
-          <a:lstStyle/>
+          <a:lstStyle>
+            <a:extLst/>
+          </a:lstStyle>
           <a:p>
             <a:fld id="{5B106E36-FD25-4E2D-B0AA-010F637433A0}" type="datetimeFigureOut">
               <a:rPr lang="ru-RU" smtClean="0"/>
-              <a:t>03.11.2006</a:t>
+              <a:pPr/>
+              <a:t>23.09.2019</a:t>
             </a:fld>
             <a:endParaRPr lang="ru-RU"/>
           </a:p>
@@ -1333,7 +3345,9 @@
         <p:spPr/>
         <p:txBody>
           <a:bodyPr/>
-          <a:lstStyle/>
+          <a:lstStyle>
+            <a:extLst/>
+          </a:lstStyle>
           <a:p>
             <a:endParaRPr lang="ru-RU"/>
           </a:p>
@@ -1352,10 +3366,13 @@
         <p:spPr/>
         <p:txBody>
           <a:bodyPr/>
-          <a:lstStyle/>
+          <a:lstStyle>
+            <a:extLst/>
+          </a:lstStyle>
           <a:p>
             <a:fld id="{725C68B6-61C2-468F-89AB-4B9F7531AA68}" type="slidenum">
               <a:rPr lang="ru-RU" smtClean="0"/>
+              <a:pPr/>
               <a:t>‹#›</a:t>
             </a:fld>
             <a:endParaRPr lang="ru-RU"/>
@@ -1371,7 +3388,7 @@
 </file>
 
 <file path=ppt/slideLayouts/slideLayout5.xml><?xml version="1.0" encoding="utf-8"?>
-<p:sldLayout xmlns:a="http://schemas.openxmlformats.org/drawingml/2006/main" xmlns:r="http://schemas.openxmlformats.org/officeDocument/2006/relationships" xmlns:p="http://schemas.openxmlformats.org/presentationml/2006/main" type="twoTxTwoObj" preserve="1">
+<p:sldLayout xmlns:a="http://schemas.openxmlformats.org/drawingml/2006/main" xmlns:r="http://schemas.openxmlformats.org/officeDocument/2006/relationships" xmlns:p="http://schemas.openxmlformats.org/presentationml/2006/main" showMasterSp="0" type="twoTxTwoObj" preserve="1">
   <p:cSld name="Сравнение">
     <p:spTree>
       <p:nvGrpSpPr>
@@ -1389,91 +3406,192 @@
       </p:grpSpPr>
       <p:sp>
         <p:nvSpPr>
-          <p:cNvPr id="2" name="Заголовок 1"/>
-          <p:cNvSpPr>
-            <a:spLocks noGrp="1"/>
-          </p:cNvSpPr>
-          <p:nvPr>
-            <p:ph type="title"/>
-          </p:nvPr>
-        </p:nvSpPr>
-        <p:spPr/>
-        <p:txBody>
-          <a:bodyPr/>
-          <a:lstStyle>
-            <a:lvl1pPr>
-              <a:defRPr/>
-            </a:lvl1pPr>
-          </a:lstStyle>
-          <a:p>
-            <a:r>
-              <a:rPr lang="ru-RU" smtClean="0"/>
-              <a:t>Образец заголовка</a:t>
-            </a:r>
-            <a:endParaRPr lang="ru-RU"/>
-          </a:p>
-        </p:txBody>
-      </p:sp>
-      <p:sp>
-        <p:nvSpPr>
-          <p:cNvPr id="3" name="Текст 2"/>
-          <p:cNvSpPr>
-            <a:spLocks noGrp="1"/>
-          </p:cNvSpPr>
-          <p:nvPr>
-            <p:ph type="body" idx="1"/>
-          </p:nvPr>
+          <p:cNvPr id="25" name="Прямоугольник 24"/>
+          <p:cNvSpPr/>
+          <p:nvPr/>
         </p:nvSpPr>
         <p:spPr>
           <a:xfrm>
-            <a:off x="457200" y="1535113"/>
+            <a:off x="0" y="402265"/>
+            <a:ext cx="8867080" cy="886265"/>
+          </a:xfrm>
+          <a:prstGeom prst="rect">
+            <a:avLst/>
+          </a:prstGeom>
+          <a:solidFill>
+            <a:schemeClr val="bg2">
+              <a:tint val="95000"/>
+              <a:satMod val="180000"/>
+              <a:alpha val="40000"/>
+            </a:schemeClr>
+          </a:solidFill>
+          <a:ln w="50800" cap="rnd" cmpd="dbl" algn="ctr">
+            <a:noFill/>
+            <a:prstDash val="solid"/>
+          </a:ln>
+          <a:effectLst/>
+        </p:spPr>
+        <p:style>
+          <a:lnRef idx="3">
+            <a:schemeClr val="lt1"/>
+          </a:lnRef>
+          <a:fillRef idx="1">
+            <a:schemeClr val="accent1"/>
+          </a:fillRef>
+          <a:effectRef idx="1">
+            <a:schemeClr val="accent1"/>
+          </a:effectRef>
+          <a:fontRef idx="minor">
+            <a:schemeClr val="lt1"/>
+          </a:fontRef>
+        </p:style>
+        <p:txBody>
+          <a:bodyPr anchor="ctr"/>
+          <a:lstStyle>
+            <a:extLst/>
+          </a:lstStyle>
+          <a:p>
+            <a:pPr algn="ctr" eaLnBrk="1" latinLnBrk="0" hangingPunct="1"/>
+            <a:endParaRPr kumimoji="0" lang="en-US"/>
+          </a:p>
+        </p:txBody>
+      </p:sp>
+      <p:sp>
+        <p:nvSpPr>
+          <p:cNvPr id="2" name="Заголовок 1"/>
+          <p:cNvSpPr>
+            <a:spLocks noGrp="1"/>
+          </p:cNvSpPr>
+          <p:nvPr>
+            <p:ph type="title"/>
+          </p:nvPr>
+        </p:nvSpPr>
+        <p:spPr>
+          <a:xfrm>
+            <a:off x="504824" y="512064"/>
+            <a:ext cx="7772400" cy="914400"/>
+          </a:xfrm>
+        </p:spPr>
+        <p:txBody>
+          <a:bodyPr anchor="t"/>
+          <a:lstStyle>
+            <a:lvl1pPr>
+              <a:defRPr sz="4000"/>
+            </a:lvl1pPr>
+            <a:extLst/>
+          </a:lstStyle>
+          <a:p>
+            <a:r>
+              <a:rPr kumimoji="0" lang="ru-RU" smtClean="0"/>
+              <a:t>Образец заголовка</a:t>
+            </a:r>
+            <a:endParaRPr kumimoji="0" lang="en-US"/>
+          </a:p>
+        </p:txBody>
+      </p:sp>
+      <p:sp>
+        <p:nvSpPr>
+          <p:cNvPr id="3" name="Текст 2"/>
+          <p:cNvSpPr>
+            <a:spLocks noGrp="1"/>
+          </p:cNvSpPr>
+          <p:nvPr>
+            <p:ph type="body" idx="1"/>
+          </p:nvPr>
+        </p:nvSpPr>
+        <p:spPr>
+          <a:xfrm>
+            <a:off x="457200" y="1809750"/>
             <a:ext cx="4040188" cy="639762"/>
           </a:xfrm>
         </p:spPr>
         <p:txBody>
-          <a:bodyPr anchor="b"/>
-          <a:lstStyle>
-            <a:lvl1pPr marL="0" indent="0">
+          <a:bodyPr anchor="ctr"/>
+          <a:lstStyle>
+            <a:lvl1pPr marL="73152" indent="0" algn="l">
               <a:buNone/>
-              <a:defRPr sz="2400" b="1"/>
+              <a:defRPr sz="2400" b="1">
+                <a:solidFill>
+                  <a:schemeClr val="accent2"/>
+                </a:solidFill>
+              </a:defRPr>
             </a:lvl1pPr>
-            <a:lvl2pPr marL="457200" indent="0">
+            <a:lvl2pPr>
               <a:buNone/>
               <a:defRPr sz="2000" b="1"/>
             </a:lvl2pPr>
-            <a:lvl3pPr marL="914400" indent="0">
+            <a:lvl3pPr>
               <a:buNone/>
               <a:defRPr sz="1800" b="1"/>
             </a:lvl3pPr>
-            <a:lvl4pPr marL="1371600" indent="0">
+            <a:lvl4pPr>
               <a:buNone/>
               <a:defRPr sz="1600" b="1"/>
             </a:lvl4pPr>
-            <a:lvl5pPr marL="1828800" indent="0">
+            <a:lvl5pPr>
               <a:buNone/>
               <a:defRPr sz="1600" b="1"/>
             </a:lvl5pPr>
-            <a:lvl6pPr marL="2286000" indent="0">
+            <a:extLst/>
+          </a:lstStyle>
+          <a:p>
+            <a:pPr lvl="0" eaLnBrk="1" latinLnBrk="0" hangingPunct="1"/>
+            <a:r>
+              <a:rPr kumimoji="0" lang="ru-RU" smtClean="0"/>
+              <a:t>Образец текста</a:t>
+            </a:r>
+          </a:p>
+        </p:txBody>
+      </p:sp>
+      <p:sp>
+        <p:nvSpPr>
+          <p:cNvPr id="4" name="Текст 3"/>
+          <p:cNvSpPr>
+            <a:spLocks noGrp="1"/>
+          </p:cNvSpPr>
+          <p:nvPr>
+            <p:ph type="body" sz="half" idx="3"/>
+          </p:nvPr>
+        </p:nvSpPr>
+        <p:spPr>
+          <a:xfrm>
+            <a:off x="4645025" y="1809750"/>
+            <a:ext cx="4041775" cy="639762"/>
+          </a:xfrm>
+        </p:spPr>
+        <p:txBody>
+          <a:bodyPr anchor="ctr"/>
+          <a:lstStyle>
+            <a:lvl1pPr marL="73152" indent="0">
+              <a:buNone/>
+              <a:defRPr sz="2400" b="1">
+                <a:solidFill>
+                  <a:schemeClr val="accent2"/>
+                </a:solidFill>
+              </a:defRPr>
+            </a:lvl1pPr>
+            <a:lvl2pPr>
+              <a:buNone/>
+              <a:defRPr sz="2000" b="1"/>
+            </a:lvl2pPr>
+            <a:lvl3pPr>
+              <a:buNone/>
+              <a:defRPr sz="1800" b="1"/>
+            </a:lvl3pPr>
+            <a:lvl4pPr>
               <a:buNone/>
               <a:defRPr sz="1600" b="1"/>
-            </a:lvl6pPr>
-            <a:lvl7pPr marL="2743200" indent="0">
+            </a:lvl4pPr>
+            <a:lvl5pPr>
               <a:buNone/>
               <a:defRPr sz="1600" b="1"/>
-            </a:lvl7pPr>
-            <a:lvl8pPr marL="3200400" indent="0">
-              <a:buNone/>
-              <a:defRPr sz="1600" b="1"/>
-            </a:lvl8pPr>
-            <a:lvl9pPr marL="3657600" indent="0">
-              <a:buNone/>
-              <a:defRPr sz="1600" b="1"/>
-            </a:lvl9pPr>
-          </a:lstStyle>
-          <a:p>
-            <a:pPr lvl="0"/>
-            <a:r>
-              <a:rPr lang="ru-RU" smtClean="0"/>
+            </a:lvl5pPr>
+            <a:extLst/>
+          </a:lstStyle>
+          <a:p>
+            <a:pPr lvl="0" eaLnBrk="1" latinLnBrk="0" hangingPunct="1"/>
+            <a:r>
+              <a:rPr kumimoji="0" lang="ru-RU" smtClean="0"/>
               <a:t>Образец текста</a:t>
             </a:r>
           </a:p>
@@ -1481,18 +3599,18 @@
       </p:sp>
       <p:sp>
         <p:nvSpPr>
-          <p:cNvPr id="4" name="Содержимое 3"/>
-          <p:cNvSpPr>
-            <a:spLocks noGrp="1"/>
-          </p:cNvSpPr>
-          <p:nvPr>
-            <p:ph sz="half" idx="2"/>
+          <p:cNvPr id="5" name="Содержимое 4"/>
+          <p:cNvSpPr>
+            <a:spLocks noGrp="1"/>
+          </p:cNvSpPr>
+          <p:nvPr>
+            <p:ph sz="quarter" idx="2"/>
           </p:nvPr>
         </p:nvSpPr>
         <p:spPr>
           <a:xfrm>
-            <a:off x="457200" y="2174875"/>
-            <a:ext cx="4040188" cy="3951288"/>
+            <a:off x="457200" y="2459037"/>
+            <a:ext cx="4040188" cy="3959352"/>
           </a:xfrm>
         </p:spPr>
         <p:txBody>
@@ -1513,136 +3631,60 @@
             <a:lvl5pPr>
               <a:defRPr sz="1600"/>
             </a:lvl5pPr>
-            <a:lvl6pPr>
-              <a:defRPr sz="1600"/>
-            </a:lvl6pPr>
-            <a:lvl7pPr>
-              <a:defRPr sz="1600"/>
-            </a:lvl7pPr>
-            <a:lvl8pPr>
-              <a:defRPr sz="1600"/>
-            </a:lvl8pPr>
-            <a:lvl9pPr>
-              <a:defRPr sz="1600"/>
-            </a:lvl9pPr>
-          </a:lstStyle>
-          <a:p>
-            <a:pPr lvl="0"/>
+            <a:extLst/>
+          </a:lstStyle>
+          <a:p>
+            <a:pPr lvl="0" eaLnBrk="1" latinLnBrk="0" hangingPunct="1"/>
             <a:r>
               <a:rPr lang="ru-RU" smtClean="0"/>
               <a:t>Образец текста</a:t>
             </a:r>
           </a:p>
           <a:p>
-            <a:pPr lvl="1"/>
+            <a:pPr lvl="1" eaLnBrk="1" latinLnBrk="0" hangingPunct="1"/>
             <a:r>
               <a:rPr lang="ru-RU" smtClean="0"/>
               <a:t>Второй уровень</a:t>
             </a:r>
           </a:p>
           <a:p>
-            <a:pPr lvl="2"/>
+            <a:pPr lvl="2" eaLnBrk="1" latinLnBrk="0" hangingPunct="1"/>
             <a:r>
               <a:rPr lang="ru-RU" smtClean="0"/>
               <a:t>Третий уровень</a:t>
             </a:r>
           </a:p>
           <a:p>
-            <a:pPr lvl="3"/>
+            <a:pPr lvl="3" eaLnBrk="1" latinLnBrk="0" hangingPunct="1"/>
             <a:r>
               <a:rPr lang="ru-RU" smtClean="0"/>
               <a:t>Четвертый уровень</a:t>
             </a:r>
           </a:p>
           <a:p>
-            <a:pPr lvl="4"/>
+            <a:pPr lvl="4" eaLnBrk="1" latinLnBrk="0" hangingPunct="1"/>
             <a:r>
               <a:rPr lang="ru-RU" smtClean="0"/>
               <a:t>Пятый уровень</a:t>
             </a:r>
-            <a:endParaRPr lang="ru-RU"/>
-          </a:p>
-        </p:txBody>
-      </p:sp>
-      <p:sp>
-        <p:nvSpPr>
-          <p:cNvPr id="5" name="Текст 4"/>
-          <p:cNvSpPr>
-            <a:spLocks noGrp="1"/>
-          </p:cNvSpPr>
-          <p:nvPr>
-            <p:ph type="body" sz="quarter" idx="3"/>
+            <a:endParaRPr kumimoji="0" lang="en-US"/>
+          </a:p>
+        </p:txBody>
+      </p:sp>
+      <p:sp>
+        <p:nvSpPr>
+          <p:cNvPr id="6" name="Содержимое 5"/>
+          <p:cNvSpPr>
+            <a:spLocks noGrp="1"/>
+          </p:cNvSpPr>
+          <p:nvPr>
+            <p:ph sz="quarter" idx="4"/>
           </p:nvPr>
         </p:nvSpPr>
         <p:spPr>
           <a:xfrm>
-            <a:off x="4645025" y="1535113"/>
-            <a:ext cx="4041775" cy="639762"/>
-          </a:xfrm>
-        </p:spPr>
-        <p:txBody>
-          <a:bodyPr anchor="b"/>
-          <a:lstStyle>
-            <a:lvl1pPr marL="0" indent="0">
-              <a:buNone/>
-              <a:defRPr sz="2400" b="1"/>
-            </a:lvl1pPr>
-            <a:lvl2pPr marL="457200" indent="0">
-              <a:buNone/>
-              <a:defRPr sz="2000" b="1"/>
-            </a:lvl2pPr>
-            <a:lvl3pPr marL="914400" indent="0">
-              <a:buNone/>
-              <a:defRPr sz="1800" b="1"/>
-            </a:lvl3pPr>
-            <a:lvl4pPr marL="1371600" indent="0">
-              <a:buNone/>
-              <a:defRPr sz="1600" b="1"/>
-            </a:lvl4pPr>
-            <a:lvl5pPr marL="1828800" indent="0">
-              <a:buNone/>
-              <a:defRPr sz="1600" b="1"/>
-            </a:lvl5pPr>
-            <a:lvl6pPr marL="2286000" indent="0">
-              <a:buNone/>
-              <a:defRPr sz="1600" b="1"/>
-            </a:lvl6pPr>
-            <a:lvl7pPr marL="2743200" indent="0">
-              <a:buNone/>
-              <a:defRPr sz="1600" b="1"/>
-            </a:lvl7pPr>
-            <a:lvl8pPr marL="3200400" indent="0">
-              <a:buNone/>
-              <a:defRPr sz="1600" b="1"/>
-            </a:lvl8pPr>
-            <a:lvl9pPr marL="3657600" indent="0">
-              <a:buNone/>
-              <a:defRPr sz="1600" b="1"/>
-            </a:lvl9pPr>
-          </a:lstStyle>
-          <a:p>
-            <a:pPr lvl="0"/>
-            <a:r>
-              <a:rPr lang="ru-RU" smtClean="0"/>
-              <a:t>Образец текста</a:t>
-            </a:r>
-          </a:p>
-        </p:txBody>
-      </p:sp>
-      <p:sp>
-        <p:nvSpPr>
-          <p:cNvPr id="6" name="Содержимое 5"/>
-          <p:cNvSpPr>
-            <a:spLocks noGrp="1"/>
-          </p:cNvSpPr>
-          <p:nvPr>
-            <p:ph sz="quarter" idx="4"/>
-          </p:nvPr>
-        </p:nvSpPr>
-        <p:spPr>
-          <a:xfrm>
-            <a:off x="4645025" y="2174875"/>
-            <a:ext cx="4041775" cy="3951288"/>
+            <a:off x="4645025" y="2459037"/>
+            <a:ext cx="4041775" cy="3959352"/>
           </a:xfrm>
         </p:spPr>
         <p:txBody>
@@ -1663,54 +3705,43 @@
             <a:lvl5pPr>
               <a:defRPr sz="1600"/>
             </a:lvl5pPr>
-            <a:lvl6pPr>
-              <a:defRPr sz="1600"/>
-            </a:lvl6pPr>
-            <a:lvl7pPr>
-              <a:defRPr sz="1600"/>
-            </a:lvl7pPr>
-            <a:lvl8pPr>
-              <a:defRPr sz="1600"/>
-            </a:lvl8pPr>
-            <a:lvl9pPr>
-              <a:defRPr sz="1600"/>
-            </a:lvl9pPr>
-          </a:lstStyle>
-          <a:p>
-            <a:pPr lvl="0"/>
+            <a:extLst/>
+          </a:lstStyle>
+          <a:p>
+            <a:pPr lvl="0" eaLnBrk="1" latinLnBrk="0" hangingPunct="1"/>
             <a:r>
               <a:rPr lang="ru-RU" smtClean="0"/>
               <a:t>Образец текста</a:t>
             </a:r>
           </a:p>
           <a:p>
-            <a:pPr lvl="1"/>
+            <a:pPr lvl="1" eaLnBrk="1" latinLnBrk="0" hangingPunct="1"/>
             <a:r>
               <a:rPr lang="ru-RU" smtClean="0"/>
               <a:t>Второй уровень</a:t>
             </a:r>
           </a:p>
           <a:p>
-            <a:pPr lvl="2"/>
+            <a:pPr lvl="2" eaLnBrk="1" latinLnBrk="0" hangingPunct="1"/>
             <a:r>
               <a:rPr lang="ru-RU" smtClean="0"/>
               <a:t>Третий уровень</a:t>
             </a:r>
           </a:p>
           <a:p>
-            <a:pPr lvl="3"/>
+            <a:pPr lvl="3" eaLnBrk="1" latinLnBrk="0" hangingPunct="1"/>
             <a:r>
               <a:rPr lang="ru-RU" smtClean="0"/>
               <a:t>Четвертый уровень</a:t>
             </a:r>
           </a:p>
           <a:p>
-            <a:pPr lvl="4"/>
+            <a:pPr lvl="4" eaLnBrk="1" latinLnBrk="0" hangingPunct="1"/>
             <a:r>
               <a:rPr lang="ru-RU" smtClean="0"/>
               <a:t>Пятый уровень</a:t>
             </a:r>
-            <a:endParaRPr lang="ru-RU"/>
+            <a:endParaRPr kumimoji="0" lang="en-US"/>
           </a:p>
         </p:txBody>
       </p:sp>
@@ -1727,11 +3758,14 @@
         <p:spPr/>
         <p:txBody>
           <a:bodyPr/>
-          <a:lstStyle/>
+          <a:lstStyle>
+            <a:extLst/>
+          </a:lstStyle>
           <a:p>
             <a:fld id="{5B106E36-FD25-4E2D-B0AA-010F637433A0}" type="datetimeFigureOut">
               <a:rPr lang="ru-RU" smtClean="0"/>
-              <a:t>03.11.2006</a:t>
+              <a:pPr/>
+              <a:t>23.09.2019</a:t>
             </a:fld>
             <a:endParaRPr lang="ru-RU"/>
           </a:p>
@@ -1750,7 +3784,9 @@
         <p:spPr/>
         <p:txBody>
           <a:bodyPr/>
-          <a:lstStyle/>
+          <a:lstStyle>
+            <a:extLst/>
+          </a:lstStyle>
           <a:p>
             <a:endParaRPr lang="ru-RU"/>
           </a:p>
@@ -1769,13 +3805,448 @@
         <p:spPr/>
         <p:txBody>
           <a:bodyPr/>
-          <a:lstStyle/>
+          <a:lstStyle>
+            <a:extLst/>
+          </a:lstStyle>
           <a:p>
             <a:fld id="{725C68B6-61C2-468F-89AB-4B9F7531AA68}" type="slidenum">
               <a:rPr lang="ru-RU" smtClean="0"/>
+              <a:pPr/>
               <a:t>‹#›</a:t>
             </a:fld>
             <a:endParaRPr lang="ru-RU"/>
+          </a:p>
+        </p:txBody>
+      </p:sp>
+      <p:sp>
+        <p:nvSpPr>
+          <p:cNvPr id="16" name="Прямоугольник 15"/>
+          <p:cNvSpPr/>
+          <p:nvPr/>
+        </p:nvSpPr>
+        <p:spPr>
+          <a:xfrm>
+            <a:off x="87790" y="680477"/>
+            <a:ext cx="45720" cy="365760"/>
+          </a:xfrm>
+          <a:prstGeom prst="rect">
+            <a:avLst/>
+          </a:prstGeom>
+          <a:solidFill>
+            <a:schemeClr val="bg2"/>
+          </a:solidFill>
+          <a:ln w="50800" cap="rnd" cmpd="thickThin" algn="ctr">
+            <a:noFill/>
+            <a:prstDash val="solid"/>
+          </a:ln>
+          <a:effectLst/>
+        </p:spPr>
+        <p:style>
+          <a:lnRef idx="3">
+            <a:schemeClr val="lt1"/>
+          </a:lnRef>
+          <a:fillRef idx="1">
+            <a:schemeClr val="accent1"/>
+          </a:fillRef>
+          <a:effectRef idx="1">
+            <a:schemeClr val="accent1"/>
+          </a:effectRef>
+          <a:fontRef idx="minor">
+            <a:schemeClr val="lt1"/>
+          </a:fontRef>
+        </p:style>
+        <p:txBody>
+          <a:bodyPr anchor="ctr"/>
+          <a:lstStyle>
+            <a:extLst/>
+          </a:lstStyle>
+          <a:p>
+            <a:pPr algn="ctr" eaLnBrk="1" latinLnBrk="0" hangingPunct="1"/>
+            <a:endParaRPr kumimoji="0" lang="en-US" dirty="0"/>
+          </a:p>
+        </p:txBody>
+      </p:sp>
+      <p:sp>
+        <p:nvSpPr>
+          <p:cNvPr id="17" name="Прямоугольник 16"/>
+          <p:cNvSpPr/>
+          <p:nvPr/>
+        </p:nvSpPr>
+        <p:spPr>
+          <a:xfrm>
+            <a:off x="47305" y="680477"/>
+            <a:ext cx="27432" cy="365760"/>
+          </a:xfrm>
+          <a:prstGeom prst="rect">
+            <a:avLst/>
+          </a:prstGeom>
+          <a:solidFill>
+            <a:schemeClr val="bg2"/>
+          </a:solidFill>
+          <a:ln w="50800" cap="rnd" cmpd="thickThin" algn="ctr">
+            <a:noFill/>
+            <a:prstDash val="solid"/>
+          </a:ln>
+          <a:effectLst/>
+        </p:spPr>
+        <p:style>
+          <a:lnRef idx="3">
+            <a:schemeClr val="lt1"/>
+          </a:lnRef>
+          <a:fillRef idx="1">
+            <a:schemeClr val="accent1"/>
+          </a:fillRef>
+          <a:effectRef idx="1">
+            <a:schemeClr val="accent1"/>
+          </a:effectRef>
+          <a:fontRef idx="minor">
+            <a:schemeClr val="lt1"/>
+          </a:fontRef>
+        </p:style>
+        <p:txBody>
+          <a:bodyPr anchor="ctr"/>
+          <a:lstStyle>
+            <a:extLst/>
+          </a:lstStyle>
+          <a:p>
+            <a:pPr algn="ctr" eaLnBrk="1" latinLnBrk="0" hangingPunct="1"/>
+            <a:endParaRPr kumimoji="0" lang="en-US" dirty="0"/>
+          </a:p>
+        </p:txBody>
+      </p:sp>
+      <p:sp>
+        <p:nvSpPr>
+          <p:cNvPr id="18" name="Прямоугольник 17"/>
+          <p:cNvSpPr/>
+          <p:nvPr/>
+        </p:nvSpPr>
+        <p:spPr>
+          <a:xfrm>
+            <a:off x="28252" y="680477"/>
+            <a:ext cx="9144" cy="365760"/>
+          </a:xfrm>
+          <a:prstGeom prst="rect">
+            <a:avLst/>
+          </a:prstGeom>
+          <a:solidFill>
+            <a:schemeClr val="bg2"/>
+          </a:solidFill>
+          <a:ln w="50800" cap="rnd" cmpd="thickThin" algn="ctr">
+            <a:noFill/>
+            <a:prstDash val="solid"/>
+          </a:ln>
+          <a:effectLst/>
+        </p:spPr>
+        <p:style>
+          <a:lnRef idx="3">
+            <a:schemeClr val="lt1"/>
+          </a:lnRef>
+          <a:fillRef idx="1">
+            <a:schemeClr val="accent1"/>
+          </a:fillRef>
+          <a:effectRef idx="1">
+            <a:schemeClr val="accent1"/>
+          </a:effectRef>
+          <a:fontRef idx="minor">
+            <a:schemeClr val="lt1"/>
+          </a:fontRef>
+        </p:style>
+        <p:txBody>
+          <a:bodyPr anchor="ctr"/>
+          <a:lstStyle>
+            <a:extLst/>
+          </a:lstStyle>
+          <a:p>
+            <a:pPr algn="ctr" eaLnBrk="1" latinLnBrk="0" hangingPunct="1"/>
+            <a:endParaRPr kumimoji="0" lang="en-US"/>
+          </a:p>
+        </p:txBody>
+      </p:sp>
+      <p:sp>
+        <p:nvSpPr>
+          <p:cNvPr id="19" name="Прямоугольник 18"/>
+          <p:cNvSpPr/>
+          <p:nvPr/>
+        </p:nvSpPr>
+        <p:spPr>
+          <a:xfrm>
+            <a:off x="0" y="680477"/>
+            <a:ext cx="9144" cy="365760"/>
+          </a:xfrm>
+          <a:prstGeom prst="rect">
+            <a:avLst/>
+          </a:prstGeom>
+          <a:solidFill>
+            <a:schemeClr val="bg2"/>
+          </a:solidFill>
+          <a:ln w="50800" cap="rnd" cmpd="thickThin" algn="ctr">
+            <a:noFill/>
+            <a:prstDash val="solid"/>
+          </a:ln>
+          <a:effectLst/>
+        </p:spPr>
+        <p:style>
+          <a:lnRef idx="3">
+            <a:schemeClr val="lt1"/>
+          </a:lnRef>
+          <a:fillRef idx="1">
+            <a:schemeClr val="accent1"/>
+          </a:fillRef>
+          <a:effectRef idx="1">
+            <a:schemeClr val="accent1"/>
+          </a:effectRef>
+          <a:fontRef idx="minor">
+            <a:schemeClr val="lt1"/>
+          </a:fontRef>
+        </p:style>
+        <p:txBody>
+          <a:bodyPr anchor="ctr"/>
+          <a:lstStyle>
+            <a:extLst/>
+          </a:lstStyle>
+          <a:p>
+            <a:pPr algn="ctr" eaLnBrk="1" latinLnBrk="0" hangingPunct="1"/>
+            <a:endParaRPr kumimoji="0" lang="en-US" dirty="0"/>
+          </a:p>
+        </p:txBody>
+      </p:sp>
+      <p:sp>
+        <p:nvSpPr>
+          <p:cNvPr id="20" name="Прямоугольник 19"/>
+          <p:cNvSpPr/>
+          <p:nvPr/>
+        </p:nvSpPr>
+        <p:spPr>
+          <a:xfrm flipH="1">
+            <a:off x="149770" y="680477"/>
+            <a:ext cx="27432" cy="365760"/>
+          </a:xfrm>
+          <a:prstGeom prst="rect">
+            <a:avLst/>
+          </a:prstGeom>
+          <a:solidFill>
+            <a:schemeClr val="bg2"/>
+          </a:solidFill>
+          <a:ln w="50800" cap="rnd" cmpd="thickThin" algn="ctr">
+            <a:noFill/>
+            <a:prstDash val="solid"/>
+          </a:ln>
+          <a:effectLst/>
+        </p:spPr>
+        <p:style>
+          <a:lnRef idx="3">
+            <a:schemeClr val="lt1"/>
+          </a:lnRef>
+          <a:fillRef idx="1">
+            <a:schemeClr val="accent1"/>
+          </a:fillRef>
+          <a:effectRef idx="1">
+            <a:schemeClr val="accent1"/>
+          </a:effectRef>
+          <a:fontRef idx="minor">
+            <a:schemeClr val="lt1"/>
+          </a:fontRef>
+        </p:style>
+        <p:txBody>
+          <a:bodyPr anchor="ctr"/>
+          <a:lstStyle>
+            <a:extLst/>
+          </a:lstStyle>
+          <a:p>
+            <a:pPr algn="ctr" eaLnBrk="1" latinLnBrk="0" hangingPunct="1"/>
+            <a:endParaRPr kumimoji="0" lang="en-US" dirty="0"/>
+          </a:p>
+        </p:txBody>
+      </p:sp>
+      <p:sp>
+        <p:nvSpPr>
+          <p:cNvPr id="21" name="Прямоугольник 20"/>
+          <p:cNvSpPr/>
+          <p:nvPr/>
+        </p:nvSpPr>
+        <p:spPr>
+          <a:xfrm flipH="1">
+            <a:off x="189341" y="680477"/>
+            <a:ext cx="27432" cy="365760"/>
+          </a:xfrm>
+          <a:prstGeom prst="rect">
+            <a:avLst/>
+          </a:prstGeom>
+          <a:solidFill>
+            <a:schemeClr val="bg2"/>
+          </a:solidFill>
+          <a:ln w="50800" cap="rnd" cmpd="thickThin" algn="ctr">
+            <a:noFill/>
+            <a:prstDash val="solid"/>
+          </a:ln>
+          <a:effectLst/>
+        </p:spPr>
+        <p:style>
+          <a:lnRef idx="3">
+            <a:schemeClr val="lt1"/>
+          </a:lnRef>
+          <a:fillRef idx="1">
+            <a:schemeClr val="accent1"/>
+          </a:fillRef>
+          <a:effectRef idx="1">
+            <a:schemeClr val="accent1"/>
+          </a:effectRef>
+          <a:fontRef idx="minor">
+            <a:schemeClr val="lt1"/>
+          </a:fontRef>
+        </p:style>
+        <p:txBody>
+          <a:bodyPr anchor="ctr"/>
+          <a:lstStyle>
+            <a:extLst/>
+          </a:lstStyle>
+          <a:p>
+            <a:pPr algn="ctr" eaLnBrk="1" latinLnBrk="0" hangingPunct="1"/>
+            <a:endParaRPr kumimoji="0" lang="en-US" dirty="0"/>
+          </a:p>
+        </p:txBody>
+      </p:sp>
+      <p:sp>
+        <p:nvSpPr>
+          <p:cNvPr id="22" name="Прямоугольник 21"/>
+          <p:cNvSpPr/>
+          <p:nvPr/>
+        </p:nvSpPr>
+        <p:spPr>
+          <a:xfrm flipH="1">
+            <a:off x="226682" y="680477"/>
+            <a:ext cx="9144" cy="365760"/>
+          </a:xfrm>
+          <a:prstGeom prst="rect">
+            <a:avLst/>
+          </a:prstGeom>
+          <a:solidFill>
+            <a:schemeClr val="bg2"/>
+          </a:solidFill>
+          <a:ln w="50800" cap="rnd" cmpd="thickThin" algn="ctr">
+            <a:noFill/>
+            <a:prstDash val="solid"/>
+          </a:ln>
+          <a:effectLst/>
+        </p:spPr>
+        <p:style>
+          <a:lnRef idx="3">
+            <a:schemeClr val="lt1"/>
+          </a:lnRef>
+          <a:fillRef idx="1">
+            <a:schemeClr val="accent1"/>
+          </a:fillRef>
+          <a:effectRef idx="1">
+            <a:schemeClr val="accent1"/>
+          </a:effectRef>
+          <a:fontRef idx="minor">
+            <a:schemeClr val="lt1"/>
+          </a:fontRef>
+        </p:style>
+        <p:txBody>
+          <a:bodyPr anchor="ctr"/>
+          <a:lstStyle>
+            <a:extLst/>
+          </a:lstStyle>
+          <a:p>
+            <a:pPr algn="ctr" eaLnBrk="1" latinLnBrk="0" hangingPunct="1"/>
+            <a:endParaRPr kumimoji="0" lang="en-US"/>
+          </a:p>
+        </p:txBody>
+      </p:sp>
+      <p:sp>
+        <p:nvSpPr>
+          <p:cNvPr id="29" name="Прямоугольник 28"/>
+          <p:cNvSpPr/>
+          <p:nvPr/>
+        </p:nvSpPr>
+        <p:spPr>
+          <a:xfrm flipH="1">
+            <a:off x="254934" y="680477"/>
+            <a:ext cx="9144" cy="365760"/>
+          </a:xfrm>
+          <a:prstGeom prst="rect">
+            <a:avLst/>
+          </a:prstGeom>
+          <a:solidFill>
+            <a:schemeClr val="bg2"/>
+          </a:solidFill>
+          <a:ln w="50800" cap="rnd" cmpd="thickThin" algn="ctr">
+            <a:noFill/>
+            <a:prstDash val="solid"/>
+          </a:ln>
+          <a:effectLst/>
+        </p:spPr>
+        <p:style>
+          <a:lnRef idx="3">
+            <a:schemeClr val="lt1"/>
+          </a:lnRef>
+          <a:fillRef idx="1">
+            <a:schemeClr val="accent1"/>
+          </a:fillRef>
+          <a:effectRef idx="1">
+            <a:schemeClr val="accent1"/>
+          </a:effectRef>
+          <a:fontRef idx="minor">
+            <a:schemeClr val="lt1"/>
+          </a:fontRef>
+        </p:style>
+        <p:txBody>
+          <a:bodyPr anchor="ctr"/>
+          <a:lstStyle>
+            <a:extLst/>
+          </a:lstStyle>
+          <a:p>
+            <a:pPr algn="ctr" eaLnBrk="1" latinLnBrk="0" hangingPunct="1"/>
+            <a:endParaRPr kumimoji="0" lang="en-US" dirty="0"/>
+          </a:p>
+        </p:txBody>
+      </p:sp>
+      <p:sp>
+        <p:nvSpPr>
+          <p:cNvPr id="30" name="Прямоугольник 29"/>
+          <p:cNvSpPr/>
+          <p:nvPr/>
+        </p:nvSpPr>
+        <p:spPr>
+          <a:xfrm>
+            <a:off x="278710" y="680477"/>
+            <a:ext cx="36576" cy="365760"/>
+          </a:xfrm>
+          <a:prstGeom prst="rect">
+            <a:avLst/>
+          </a:prstGeom>
+          <a:solidFill>
+            <a:schemeClr val="bg2"/>
+          </a:solidFill>
+          <a:ln w="50800" cap="rnd" cmpd="thickThin" algn="ctr">
+            <a:noFill/>
+            <a:prstDash val="solid"/>
+          </a:ln>
+          <a:effectLst/>
+        </p:spPr>
+        <p:style>
+          <a:lnRef idx="3">
+            <a:schemeClr val="lt1"/>
+          </a:lnRef>
+          <a:fillRef idx="1">
+            <a:schemeClr val="accent1"/>
+          </a:fillRef>
+          <a:effectRef idx="1">
+            <a:schemeClr val="accent1"/>
+          </a:effectRef>
+          <a:fontRef idx="minor">
+            <a:schemeClr val="lt1"/>
+          </a:fontRef>
+        </p:style>
+        <p:txBody>
+          <a:bodyPr anchor="ctr"/>
+          <a:lstStyle>
+            <a:extLst/>
+          </a:lstStyle>
+          <a:p>
+            <a:pPr algn="ctr" eaLnBrk="1" latinLnBrk="0" hangingPunct="1"/>
+            <a:endParaRPr kumimoji="0" lang="en-US" dirty="0"/>
           </a:p>
         </p:txBody>
       </p:sp>
@@ -1814,37 +4285,50 @@
             <p:ph type="title"/>
           </p:nvPr>
         </p:nvSpPr>
+        <p:spPr>
+          <a:xfrm>
+            <a:off x="914400" y="512064"/>
+            <a:ext cx="7772400" cy="914400"/>
+          </a:xfrm>
+        </p:spPr>
+        <p:txBody>
+          <a:bodyPr/>
+          <a:lstStyle>
+            <a:lvl1pPr>
+              <a:defRPr sz="4000" cap="none" baseline="0"/>
+            </a:lvl1pPr>
+            <a:extLst/>
+          </a:lstStyle>
+          <a:p>
+            <a:r>
+              <a:rPr kumimoji="0" lang="ru-RU" smtClean="0"/>
+              <a:t>Образец заголовка</a:t>
+            </a:r>
+            <a:endParaRPr kumimoji="0" lang="en-US"/>
+          </a:p>
+        </p:txBody>
+      </p:sp>
+      <p:sp>
+        <p:nvSpPr>
+          <p:cNvPr id="3" name="Дата 2"/>
+          <p:cNvSpPr>
+            <a:spLocks noGrp="1"/>
+          </p:cNvSpPr>
+          <p:nvPr>
+            <p:ph type="dt" sz="half" idx="10"/>
+          </p:nvPr>
+        </p:nvSpPr>
         <p:spPr/>
         <p:txBody>
           <a:bodyPr/>
-          <a:lstStyle/>
-          <a:p>
-            <a:r>
-              <a:rPr lang="ru-RU" smtClean="0"/>
-              <a:t>Образец заголовка</a:t>
-            </a:r>
-            <a:endParaRPr lang="ru-RU"/>
-          </a:p>
-        </p:txBody>
-      </p:sp>
-      <p:sp>
-        <p:nvSpPr>
-          <p:cNvPr id="3" name="Дата 2"/>
-          <p:cNvSpPr>
-            <a:spLocks noGrp="1"/>
-          </p:cNvSpPr>
-          <p:nvPr>
-            <p:ph type="dt" sz="half" idx="10"/>
-          </p:nvPr>
-        </p:nvSpPr>
-        <p:spPr/>
-        <p:txBody>
-          <a:bodyPr/>
-          <a:lstStyle/>
+          <a:lstStyle>
+            <a:extLst/>
+          </a:lstStyle>
           <a:p>
             <a:fld id="{5B106E36-FD25-4E2D-B0AA-010F637433A0}" type="datetimeFigureOut">
               <a:rPr lang="ru-RU" smtClean="0"/>
-              <a:t>03.11.2006</a:t>
+              <a:pPr/>
+              <a:t>23.09.2019</a:t>
             </a:fld>
             <a:endParaRPr lang="ru-RU"/>
           </a:p>
@@ -1863,7 +4347,9 @@
         <p:spPr/>
         <p:txBody>
           <a:bodyPr/>
-          <a:lstStyle/>
+          <a:lstStyle>
+            <a:extLst/>
+          </a:lstStyle>
           <a:p>
             <a:endParaRPr lang="ru-RU"/>
           </a:p>
@@ -1882,10 +4368,13 @@
         <p:spPr/>
         <p:txBody>
           <a:bodyPr/>
-          <a:lstStyle/>
+          <a:lstStyle>
+            <a:extLst/>
+          </a:lstStyle>
           <a:p>
             <a:fld id="{725C68B6-61C2-468F-89AB-4B9F7531AA68}" type="slidenum">
               <a:rPr lang="ru-RU" smtClean="0"/>
+              <a:pPr/>
               <a:t>‹#›</a:t>
             </a:fld>
             <a:endParaRPr lang="ru-RU"/>
@@ -1901,7 +4390,7 @@
 </file>
 
 <file path=ppt/slideLayouts/slideLayout7.xml><?xml version="1.0" encoding="utf-8"?>
-<p:sldLayout xmlns:a="http://schemas.openxmlformats.org/drawingml/2006/main" xmlns:r="http://schemas.openxmlformats.org/officeDocument/2006/relationships" xmlns:p="http://schemas.openxmlformats.org/presentationml/2006/main" type="blank" preserve="1">
+<p:sldLayout xmlns:a="http://schemas.openxmlformats.org/drawingml/2006/main" xmlns:r="http://schemas.openxmlformats.org/officeDocument/2006/relationships" xmlns:p="http://schemas.openxmlformats.org/presentationml/2006/main" showMasterSp="0" type="blank" preserve="1">
   <p:cSld name="Пустой слайд">
     <p:spTree>
       <p:nvGrpSpPr>
@@ -1930,11 +4419,14 @@
         <p:spPr/>
         <p:txBody>
           <a:bodyPr/>
-          <a:lstStyle/>
+          <a:lstStyle>
+            <a:extLst/>
+          </a:lstStyle>
           <a:p>
             <a:fld id="{5B106E36-FD25-4E2D-B0AA-010F637433A0}" type="datetimeFigureOut">
               <a:rPr lang="ru-RU" smtClean="0"/>
-              <a:t>03.11.2006</a:t>
+              <a:pPr/>
+              <a:t>23.09.2019</a:t>
             </a:fld>
             <a:endParaRPr lang="ru-RU"/>
           </a:p>
@@ -1953,7 +4445,9 @@
         <p:spPr/>
         <p:txBody>
           <a:bodyPr/>
-          <a:lstStyle/>
+          <a:lstStyle>
+            <a:extLst/>
+          </a:lstStyle>
           <a:p>
             <a:endParaRPr lang="ru-RU"/>
           </a:p>
@@ -1972,10 +4466,13 @@
         <p:spPr/>
         <p:txBody>
           <a:bodyPr/>
-          <a:lstStyle/>
+          <a:lstStyle>
+            <a:extLst/>
+          </a:lstStyle>
           <a:p>
             <a:fld id="{725C68B6-61C2-468F-89AB-4B9F7531AA68}" type="slidenum">
               <a:rPr lang="ru-RU" smtClean="0"/>
+              <a:pPr/>
               <a:t>‹#›</a:t>
             </a:fld>
             <a:endParaRPr lang="ru-RU"/>
@@ -2019,40 +4516,92 @@
         </p:nvSpPr>
         <p:spPr>
           <a:xfrm>
-            <a:off x="457200" y="273050"/>
-            <a:ext cx="3008313" cy="1162050"/>
-          </a:xfrm>
-        </p:spPr>
-        <p:txBody>
-          <a:bodyPr anchor="b"/>
+            <a:off x="685800" y="273050"/>
+            <a:ext cx="8229600" cy="1162050"/>
+          </a:xfrm>
+        </p:spPr>
+        <p:txBody>
+          <a:bodyPr anchor="ctr"/>
           <a:lstStyle>
             <a:lvl1pPr algn="l">
-              <a:defRPr sz="2000" b="1"/>
+              <a:buNone/>
+              <a:defRPr sz="3600" b="0"/>
             </a:lvl1pPr>
-          </a:lstStyle>
-          <a:p>
-            <a:r>
-              <a:rPr lang="ru-RU" smtClean="0"/>
+            <a:extLst/>
+          </a:lstStyle>
+          <a:p>
+            <a:r>
+              <a:rPr kumimoji="0" lang="ru-RU" smtClean="0"/>
               <a:t>Образец заголовка</a:t>
             </a:r>
-            <a:endParaRPr lang="ru-RU"/>
-          </a:p>
-        </p:txBody>
-      </p:sp>
-      <p:sp>
-        <p:nvSpPr>
-          <p:cNvPr id="3" name="Содержимое 2"/>
-          <p:cNvSpPr>
-            <a:spLocks noGrp="1"/>
-          </p:cNvSpPr>
-          <p:nvPr>
-            <p:ph idx="1"/>
+            <a:endParaRPr kumimoji="0" lang="en-US"/>
+          </a:p>
+        </p:txBody>
+      </p:sp>
+      <p:sp>
+        <p:nvSpPr>
+          <p:cNvPr id="3" name="Текст 2"/>
+          <p:cNvSpPr>
+            <a:spLocks noGrp="1"/>
+          </p:cNvSpPr>
+          <p:nvPr>
+            <p:ph type="body" idx="2"/>
           </p:nvPr>
         </p:nvSpPr>
         <p:spPr>
           <a:xfrm>
-            <a:off x="3575050" y="273050"/>
-            <a:ext cx="5111750" cy="5853113"/>
+            <a:off x="685800" y="1435100"/>
+            <a:ext cx="2514600" cy="4572000"/>
+          </a:xfrm>
+        </p:spPr>
+        <p:txBody>
+          <a:bodyPr/>
+          <a:lstStyle>
+            <a:lvl1pPr marL="54864" indent="0">
+              <a:buNone/>
+              <a:defRPr sz="1800"/>
+            </a:lvl1pPr>
+            <a:lvl2pPr>
+              <a:buNone/>
+              <a:defRPr sz="1200"/>
+            </a:lvl2pPr>
+            <a:lvl3pPr>
+              <a:buNone/>
+              <a:defRPr sz="1000"/>
+            </a:lvl3pPr>
+            <a:lvl4pPr>
+              <a:buNone/>
+              <a:defRPr sz="900"/>
+            </a:lvl4pPr>
+            <a:lvl5pPr>
+              <a:buNone/>
+              <a:defRPr sz="900"/>
+            </a:lvl5pPr>
+            <a:extLst/>
+          </a:lstStyle>
+          <a:p>
+            <a:pPr lvl="0" eaLnBrk="1" latinLnBrk="0" hangingPunct="1"/>
+            <a:r>
+              <a:rPr kumimoji="0" lang="ru-RU" smtClean="0"/>
+              <a:t>Образец текста</a:t>
+            </a:r>
+          </a:p>
+        </p:txBody>
+      </p:sp>
+      <p:sp>
+        <p:nvSpPr>
+          <p:cNvPr id="4" name="Содержимое 3"/>
+          <p:cNvSpPr>
+            <a:spLocks noGrp="1"/>
+          </p:cNvSpPr>
+          <p:nvPr>
+            <p:ph sz="half" idx="1"/>
+          </p:nvPr>
+        </p:nvSpPr>
+        <p:spPr>
+          <a:xfrm>
+            <a:off x="3429000" y="1435100"/>
+            <a:ext cx="5486400" cy="4572000"/>
           </a:xfrm>
         </p:spPr>
         <p:txBody>
@@ -2073,140 +4622,67 @@
             <a:lvl5pPr>
               <a:defRPr sz="2000"/>
             </a:lvl5pPr>
-            <a:lvl6pPr>
-              <a:defRPr sz="2000"/>
-            </a:lvl6pPr>
-            <a:lvl7pPr>
-              <a:defRPr sz="2000"/>
-            </a:lvl7pPr>
-            <a:lvl8pPr>
-              <a:defRPr sz="2000"/>
-            </a:lvl8pPr>
-            <a:lvl9pPr>
-              <a:defRPr sz="2000"/>
-            </a:lvl9pPr>
-          </a:lstStyle>
-          <a:p>
-            <a:pPr lvl="0"/>
+            <a:extLst/>
+          </a:lstStyle>
+          <a:p>
+            <a:pPr lvl="0" eaLnBrk="1" latinLnBrk="0" hangingPunct="1"/>
             <a:r>
               <a:rPr lang="ru-RU" smtClean="0"/>
               <a:t>Образец текста</a:t>
             </a:r>
           </a:p>
           <a:p>
-            <a:pPr lvl="1"/>
+            <a:pPr lvl="1" eaLnBrk="1" latinLnBrk="0" hangingPunct="1"/>
             <a:r>
               <a:rPr lang="ru-RU" smtClean="0"/>
               <a:t>Второй уровень</a:t>
             </a:r>
           </a:p>
           <a:p>
-            <a:pPr lvl="2"/>
+            <a:pPr lvl="2" eaLnBrk="1" latinLnBrk="0" hangingPunct="1"/>
             <a:r>
               <a:rPr lang="ru-RU" smtClean="0"/>
               <a:t>Третий уровень</a:t>
             </a:r>
           </a:p>
           <a:p>
-            <a:pPr lvl="3"/>
+            <a:pPr lvl="3" eaLnBrk="1" latinLnBrk="0" hangingPunct="1"/>
             <a:r>
               <a:rPr lang="ru-RU" smtClean="0"/>
               <a:t>Четвертый уровень</a:t>
             </a:r>
           </a:p>
           <a:p>
-            <a:pPr lvl="4"/>
+            <a:pPr lvl="4" eaLnBrk="1" latinLnBrk="0" hangingPunct="1"/>
             <a:r>
               <a:rPr lang="ru-RU" smtClean="0"/>
               <a:t>Пятый уровень</a:t>
             </a:r>
-            <a:endParaRPr lang="ru-RU"/>
-          </a:p>
-        </p:txBody>
-      </p:sp>
-      <p:sp>
-        <p:nvSpPr>
-          <p:cNvPr id="4" name="Текст 3"/>
-          <p:cNvSpPr>
-            <a:spLocks noGrp="1"/>
-          </p:cNvSpPr>
-          <p:nvPr>
-            <p:ph type="body" sz="half" idx="2"/>
-          </p:nvPr>
-        </p:nvSpPr>
-        <p:spPr>
-          <a:xfrm>
-            <a:off x="457200" y="1435100"/>
-            <a:ext cx="3008313" cy="4691063"/>
-          </a:xfrm>
-        </p:spPr>
+            <a:endParaRPr kumimoji="0" lang="en-US"/>
+          </a:p>
+        </p:txBody>
+      </p:sp>
+      <p:sp>
+        <p:nvSpPr>
+          <p:cNvPr id="5" name="Дата 4"/>
+          <p:cNvSpPr>
+            <a:spLocks noGrp="1"/>
+          </p:cNvSpPr>
+          <p:nvPr>
+            <p:ph type="dt" sz="half" idx="10"/>
+          </p:nvPr>
+        </p:nvSpPr>
+        <p:spPr/>
         <p:txBody>
           <a:bodyPr/>
           <a:lstStyle>
-            <a:lvl1pPr marL="0" indent="0">
-              <a:buNone/>
-              <a:defRPr sz="1400"/>
-            </a:lvl1pPr>
-            <a:lvl2pPr marL="457200" indent="0">
-              <a:buNone/>
-              <a:defRPr sz="1200"/>
-            </a:lvl2pPr>
-            <a:lvl3pPr marL="914400" indent="0">
-              <a:buNone/>
-              <a:defRPr sz="1000"/>
-            </a:lvl3pPr>
-            <a:lvl4pPr marL="1371600" indent="0">
-              <a:buNone/>
-              <a:defRPr sz="900"/>
-            </a:lvl4pPr>
-            <a:lvl5pPr marL="1828800" indent="0">
-              <a:buNone/>
-              <a:defRPr sz="900"/>
-            </a:lvl5pPr>
-            <a:lvl6pPr marL="2286000" indent="0">
-              <a:buNone/>
-              <a:defRPr sz="900"/>
-            </a:lvl6pPr>
-            <a:lvl7pPr marL="2743200" indent="0">
-              <a:buNone/>
-              <a:defRPr sz="900"/>
-            </a:lvl7pPr>
-            <a:lvl8pPr marL="3200400" indent="0">
-              <a:buNone/>
-              <a:defRPr sz="900"/>
-            </a:lvl8pPr>
-            <a:lvl9pPr marL="3657600" indent="0">
-              <a:buNone/>
-              <a:defRPr sz="900"/>
-            </a:lvl9pPr>
-          </a:lstStyle>
-          <a:p>
-            <a:pPr lvl="0"/>
-            <a:r>
-              <a:rPr lang="ru-RU" smtClean="0"/>
-              <a:t>Образец текста</a:t>
-            </a:r>
-          </a:p>
-        </p:txBody>
-      </p:sp>
-      <p:sp>
-        <p:nvSpPr>
-          <p:cNvPr id="5" name="Дата 4"/>
-          <p:cNvSpPr>
-            <a:spLocks noGrp="1"/>
-          </p:cNvSpPr>
-          <p:nvPr>
-            <p:ph type="dt" sz="half" idx="10"/>
-          </p:nvPr>
-        </p:nvSpPr>
-        <p:spPr/>
-        <p:txBody>
-          <a:bodyPr/>
-          <a:lstStyle/>
+            <a:extLst/>
+          </a:lstStyle>
           <a:p>
             <a:fld id="{5B106E36-FD25-4E2D-B0AA-010F637433A0}" type="datetimeFigureOut">
               <a:rPr lang="ru-RU" smtClean="0"/>
-              <a:t>03.11.2006</a:t>
+              <a:pPr/>
+              <a:t>23.09.2019</a:t>
             </a:fld>
             <a:endParaRPr lang="ru-RU"/>
           </a:p>
@@ -2225,7 +4701,9 @@
         <p:spPr/>
         <p:txBody>
           <a:bodyPr/>
-          <a:lstStyle/>
+          <a:lstStyle>
+            <a:extLst/>
+          </a:lstStyle>
           <a:p>
             <a:endParaRPr lang="ru-RU"/>
           </a:p>
@@ -2244,10 +4722,13 @@
         <p:spPr/>
         <p:txBody>
           <a:bodyPr/>
-          <a:lstStyle/>
+          <a:lstStyle>
+            <a:extLst/>
+          </a:lstStyle>
           <a:p>
             <a:fld id="{725C68B6-61C2-468F-89AB-4B9F7531AA68}" type="slidenum">
               <a:rPr lang="ru-RU" smtClean="0"/>
+              <a:pPr/>
               <a:t>‹#›</a:t>
             </a:fld>
             <a:endParaRPr lang="ru-RU"/>
@@ -2281,33 +4762,261 @@
       </p:grpSpPr>
       <p:sp>
         <p:nvSpPr>
-          <p:cNvPr id="2" name="Заголовок 1"/>
-          <p:cNvSpPr>
-            <a:spLocks noGrp="1"/>
-          </p:cNvSpPr>
-          <p:nvPr>
-            <p:ph type="title"/>
-          </p:nvPr>
+          <p:cNvPr id="8" name="Прямоугольник 7"/>
+          <p:cNvSpPr/>
+          <p:nvPr/>
         </p:nvSpPr>
         <p:spPr>
           <a:xfrm>
-            <a:off x="1792288" y="4800600"/>
-            <a:ext cx="5486400" cy="566738"/>
+            <a:off x="368032" y="0"/>
+            <a:ext cx="8778240" cy="1878037"/>
+          </a:xfrm>
+          <a:prstGeom prst="rect">
+            <a:avLst/>
+          </a:prstGeom>
+          <a:solidFill>
+            <a:srgbClr val="000000">
+              <a:alpha val="100000"/>
+            </a:srgbClr>
+          </a:solidFill>
+          <a:ln w="50800" cap="rnd" cmpd="dbl" algn="ctr">
+            <a:noFill/>
+            <a:prstDash val="solid"/>
+          </a:ln>
+          <a:effectLst/>
+        </p:spPr>
+        <p:style>
+          <a:lnRef idx="3">
+            <a:schemeClr val="lt1"/>
+          </a:lnRef>
+          <a:fillRef idx="1">
+            <a:schemeClr val="accent1"/>
+          </a:fillRef>
+          <a:effectRef idx="1">
+            <a:schemeClr val="accent1"/>
+          </a:effectRef>
+          <a:fontRef idx="minor">
+            <a:schemeClr val="lt1"/>
+          </a:fontRef>
+        </p:style>
+        <p:txBody>
+          <a:bodyPr anchor="ctr"/>
+          <a:lstStyle>
+            <a:extLst/>
+          </a:lstStyle>
+          <a:p>
+            <a:pPr algn="ctr" eaLnBrk="1" latinLnBrk="0" hangingPunct="1"/>
+            <a:endParaRPr kumimoji="0" lang="en-US"/>
+          </a:p>
+        </p:txBody>
+      </p:sp>
+      <p:cxnSp>
+        <p:nvCxnSpPr>
+          <p:cNvPr id="9" name="Прямая соединительная линия 8"/>
+          <p:cNvCxnSpPr/>
+          <p:nvPr/>
+        </p:nvCxnSpPr>
+        <p:spPr>
+          <a:xfrm flipV="1">
+            <a:off x="363195" y="1885028"/>
+            <a:ext cx="8782622" cy="0"/>
+          </a:xfrm>
+          <a:prstGeom prst="line">
+            <a:avLst/>
+          </a:prstGeom>
+          <a:noFill/>
+          <a:ln w="19050" cap="flat" cmpd="sng" algn="ctr">
+            <a:solidFill>
+              <a:srgbClr val="FFFFFF">
+                <a:alpha val="100000"/>
+              </a:srgbClr>
+            </a:solidFill>
+            <a:prstDash val="solid"/>
+            <a:miter lim="800000"/>
+          </a:ln>
+          <a:effectLst/>
+        </p:spPr>
+        <p:style>
+          <a:lnRef idx="2">
+            <a:schemeClr val="accent1"/>
+          </a:lnRef>
+          <a:fillRef idx="0">
+            <a:schemeClr val="accent1"/>
+          </a:fillRef>
+          <a:effectRef idx="1">
+            <a:schemeClr val="accent1"/>
+          </a:effectRef>
+          <a:fontRef idx="minor">
+            <a:schemeClr val="tx1"/>
+          </a:fontRef>
+        </p:style>
+      </p:cxnSp>
+      <p:grpSp>
+        <p:nvGrpSpPr>
+          <p:cNvPr id="10" name="Группа 9"/>
+          <p:cNvGrpSpPr/>
+          <p:nvPr/>
+        </p:nvGrpSpPr>
+        <p:grpSpPr>
+          <a:xfrm rot="5400000">
+            <a:off x="8514581" y="1219200"/>
+            <a:ext cx="132763" cy="128466"/>
+            <a:chOff x="6668087" y="1297746"/>
+            <a:chExt cx="161840" cy="156602"/>
+          </a:xfrm>
+        </p:grpSpPr>
+        <p:cxnSp>
+          <p:nvCxnSpPr>
+            <p:cNvPr id="15" name="Прямая соединительная линия 14"/>
+            <p:cNvCxnSpPr/>
+            <p:nvPr/>
+          </p:nvCxnSpPr>
+          <p:spPr>
+            <a:xfrm rot="16200000">
+              <a:off x="6664064" y="1301769"/>
+              <a:ext cx="88509" cy="80463"/>
+            </a:xfrm>
+            <a:prstGeom prst="line">
+              <a:avLst/>
+            </a:prstGeom>
+            <a:noFill/>
+            <a:ln w="25400" cap="rnd" cmpd="sng" algn="ctr">
+              <a:solidFill>
+                <a:srgbClr val="FFFFFF">
+                  <a:alpha val="100000"/>
+                </a:srgbClr>
+              </a:solidFill>
+              <a:prstDash val="solid"/>
+            </a:ln>
+            <a:effectLst/>
+          </p:spPr>
+          <p:style>
+            <a:lnRef idx="2">
+              <a:schemeClr val="accent1"/>
+            </a:lnRef>
+            <a:fillRef idx="0">
+              <a:schemeClr val="accent1"/>
+            </a:fillRef>
+            <a:effectRef idx="1">
+              <a:schemeClr val="accent1"/>
+            </a:effectRef>
+            <a:fontRef idx="minor">
+              <a:schemeClr val="tx1"/>
+            </a:fontRef>
+          </p:style>
+        </p:cxnSp>
+        <p:cxnSp>
+          <p:nvCxnSpPr>
+            <p:cNvPr id="16" name="Прямая соединительная линия 15"/>
+            <p:cNvCxnSpPr/>
+            <p:nvPr/>
+          </p:nvCxnSpPr>
+          <p:spPr>
+            <a:xfrm rot="16200000" flipV="1">
+              <a:off x="6685888" y="1391257"/>
+              <a:ext cx="125755" cy="427"/>
+            </a:xfrm>
+            <a:prstGeom prst="line">
+              <a:avLst/>
+            </a:prstGeom>
+            <a:noFill/>
+            <a:ln w="25400" cap="rnd" cmpd="sng" algn="ctr">
+              <a:solidFill>
+                <a:srgbClr val="FFFFFF">
+                  <a:alpha val="100000"/>
+                </a:srgbClr>
+              </a:solidFill>
+              <a:prstDash val="solid"/>
+            </a:ln>
+            <a:effectLst/>
+          </p:spPr>
+          <p:style>
+            <a:lnRef idx="2">
+              <a:schemeClr val="accent1"/>
+            </a:lnRef>
+            <a:fillRef idx="0">
+              <a:schemeClr val="accent1"/>
+            </a:fillRef>
+            <a:effectRef idx="1">
+              <a:schemeClr val="accent1"/>
+            </a:effectRef>
+            <a:fontRef idx="minor">
+              <a:schemeClr val="tx1"/>
+            </a:fontRef>
+          </p:style>
+        </p:cxnSp>
+        <p:cxnSp>
+          <p:nvCxnSpPr>
+            <p:cNvPr id="17" name="Прямая соединительная линия 16"/>
+            <p:cNvCxnSpPr/>
+            <p:nvPr/>
+          </p:nvCxnSpPr>
+          <p:spPr>
+            <a:xfrm rot="5400000" flipH="1">
+              <a:off x="6744524" y="1300853"/>
+              <a:ext cx="88509" cy="82296"/>
+            </a:xfrm>
+            <a:prstGeom prst="line">
+              <a:avLst/>
+            </a:prstGeom>
+            <a:noFill/>
+            <a:ln w="25400" cap="rnd" cmpd="sng" algn="ctr">
+              <a:solidFill>
+                <a:srgbClr val="FFFFFF">
+                  <a:alpha val="100000"/>
+                </a:srgbClr>
+              </a:solidFill>
+              <a:prstDash val="solid"/>
+            </a:ln>
+            <a:effectLst/>
+          </p:spPr>
+          <p:style>
+            <a:lnRef idx="2">
+              <a:schemeClr val="accent1"/>
+            </a:lnRef>
+            <a:fillRef idx="0">
+              <a:schemeClr val="accent1"/>
+            </a:fillRef>
+            <a:effectRef idx="1">
+              <a:schemeClr val="accent1"/>
+            </a:effectRef>
+            <a:fontRef idx="minor">
+              <a:schemeClr val="tx1"/>
+            </a:fontRef>
+          </p:style>
+        </p:cxnSp>
+      </p:grpSp>
+      <p:sp>
+        <p:nvSpPr>
+          <p:cNvPr id="2" name="Заголовок 1"/>
+          <p:cNvSpPr>
+            <a:spLocks noGrp="1"/>
+          </p:cNvSpPr>
+          <p:nvPr>
+            <p:ph type="title"/>
+          </p:nvPr>
+        </p:nvSpPr>
+        <p:spPr bwMode="grayWhite">
+          <a:xfrm>
+            <a:off x="914400" y="441251"/>
+            <a:ext cx="6858000" cy="701749"/>
           </a:xfrm>
         </p:spPr>
         <p:txBody>
           <a:bodyPr anchor="b"/>
           <a:lstStyle>
             <a:lvl1pPr algn="l">
-              <a:defRPr sz="2000" b="1"/>
+              <a:buNone/>
+              <a:defRPr sz="2100" b="0"/>
             </a:lvl1pPr>
-          </a:lstStyle>
-          <a:p>
-            <a:r>
-              <a:rPr lang="ru-RU" smtClean="0"/>
+            <a:extLst/>
+          </a:lstStyle>
+          <a:p>
+            <a:r>
+              <a:rPr kumimoji="0" lang="ru-RU" smtClean="0"/>
               <a:t>Образец заголовка</a:t>
             </a:r>
-            <a:endParaRPr lang="ru-RU"/>
+            <a:endParaRPr kumimoji="0" lang="en-US"/>
           </a:p>
         </p:txBody>
       </p:sp>
@@ -2323,9 +5032,12 @@
         </p:nvSpPr>
         <p:spPr>
           <a:xfrm>
-            <a:off x="1792288" y="612775"/>
-            <a:ext cx="5486400" cy="4114800"/>
-          </a:xfrm>
+            <a:off x="368032" y="1893781"/>
+            <a:ext cx="8778240" cy="4960144"/>
+          </a:xfrm>
+          <a:solidFill>
+            <a:schemeClr val="bg2"/>
+          </a:solidFill>
         </p:spPr>
         <p:txBody>
           <a:bodyPr/>
@@ -2334,127 +5046,366 @@
               <a:buNone/>
               <a:defRPr sz="3200"/>
             </a:lvl1pPr>
-            <a:lvl2pPr marL="457200" indent="0">
+            <a:extLst/>
+          </a:lstStyle>
+          <a:p>
+            <a:r>
+              <a:rPr kumimoji="0" lang="ru-RU" smtClean="0"/>
+              <a:t>Вставка рисунка</a:t>
+            </a:r>
+            <a:endParaRPr kumimoji="0" lang="en-US"/>
+          </a:p>
+        </p:txBody>
+      </p:sp>
+      <p:sp>
+        <p:nvSpPr>
+          <p:cNvPr id="4" name="Текст 3"/>
+          <p:cNvSpPr>
+            <a:spLocks noGrp="1"/>
+          </p:cNvSpPr>
+          <p:nvPr>
+            <p:ph type="body" sz="half" idx="2"/>
+          </p:nvPr>
+        </p:nvSpPr>
+        <p:spPr bwMode="grayWhite">
+          <a:xfrm>
+            <a:off x="914400" y="1150144"/>
+            <a:ext cx="6858000" cy="685800"/>
+          </a:xfrm>
+        </p:spPr>
+        <p:txBody>
+          <a:bodyPr/>
+          <a:lstStyle>
+            <a:lvl1pPr marL="27432" indent="0">
+              <a:spcBef>
+                <a:spcPts val="0"/>
+              </a:spcBef>
               <a:buNone/>
-              <a:defRPr sz="2800"/>
+              <a:defRPr sz="1400">
+                <a:solidFill>
+                  <a:srgbClr val="FFFFFF"/>
+                </a:solidFill>
+              </a:defRPr>
+            </a:lvl1pPr>
+            <a:lvl2pPr>
+              <a:defRPr sz="1200"/>
             </a:lvl2pPr>
-            <a:lvl3pPr marL="914400" indent="0">
-              <a:buNone/>
-              <a:defRPr sz="2400"/>
+            <a:lvl3pPr>
+              <a:defRPr sz="1000"/>
             </a:lvl3pPr>
-            <a:lvl4pPr marL="1371600" indent="0">
-              <a:buNone/>
-              <a:defRPr sz="2000"/>
+            <a:lvl4pPr>
+              <a:defRPr sz="900"/>
             </a:lvl4pPr>
-            <a:lvl5pPr marL="1828800" indent="0">
-              <a:buNone/>
-              <a:defRPr sz="2000"/>
+            <a:lvl5pPr>
+              <a:defRPr sz="900"/>
             </a:lvl5pPr>
-            <a:lvl6pPr marL="2286000" indent="0">
-              <a:buNone/>
-              <a:defRPr sz="2000"/>
-            </a:lvl6pPr>
-            <a:lvl7pPr marL="2743200" indent="0">
-              <a:buNone/>
-              <a:defRPr sz="2000"/>
-            </a:lvl7pPr>
-            <a:lvl8pPr marL="3200400" indent="0">
-              <a:buNone/>
-              <a:defRPr sz="2000"/>
-            </a:lvl8pPr>
-            <a:lvl9pPr marL="3657600" indent="0">
-              <a:buNone/>
-              <a:defRPr sz="2000"/>
-            </a:lvl9pPr>
-          </a:lstStyle>
-          <a:p>
-            <a:endParaRPr lang="ru-RU"/>
-          </a:p>
-        </p:txBody>
-      </p:sp>
-      <p:sp>
-        <p:nvSpPr>
-          <p:cNvPr id="4" name="Текст 3"/>
-          <p:cNvSpPr>
-            <a:spLocks noGrp="1"/>
-          </p:cNvSpPr>
-          <p:nvPr>
-            <p:ph type="body" sz="half" idx="2"/>
+            <a:extLst/>
+          </a:lstStyle>
+          <a:p>
+            <a:pPr lvl="0" eaLnBrk="1" latinLnBrk="0" hangingPunct="1"/>
+            <a:r>
+              <a:rPr kumimoji="0" lang="ru-RU" smtClean="0"/>
+              <a:t>Образец текста</a:t>
+            </a:r>
+          </a:p>
+        </p:txBody>
+      </p:sp>
+      <p:grpSp>
+        <p:nvGrpSpPr>
+          <p:cNvPr id="14" name="Группа 13"/>
+          <p:cNvGrpSpPr/>
+          <p:nvPr/>
+        </p:nvGrpSpPr>
+        <p:grpSpPr>
+          <a:xfrm rot="5400000">
+            <a:off x="8666981" y="1371600"/>
+            <a:ext cx="132763" cy="128466"/>
+            <a:chOff x="6668087" y="1297746"/>
+            <a:chExt cx="161840" cy="156602"/>
+          </a:xfrm>
+        </p:grpSpPr>
+        <p:cxnSp>
+          <p:nvCxnSpPr>
+            <p:cNvPr id="11" name="Прямая соединительная линия 10"/>
+            <p:cNvCxnSpPr/>
+            <p:nvPr/>
+          </p:nvCxnSpPr>
+          <p:spPr>
+            <a:xfrm rot="16200000">
+              <a:off x="6664064" y="1301769"/>
+              <a:ext cx="88509" cy="80463"/>
+            </a:xfrm>
+            <a:prstGeom prst="line">
+              <a:avLst/>
+            </a:prstGeom>
+            <a:noFill/>
+            <a:ln w="25400" cap="rnd" cmpd="sng" algn="ctr">
+              <a:solidFill>
+                <a:srgbClr val="FFFFFF">
+                  <a:alpha val="100000"/>
+                </a:srgbClr>
+              </a:solidFill>
+              <a:prstDash val="solid"/>
+            </a:ln>
+            <a:effectLst/>
+          </p:spPr>
+          <p:style>
+            <a:lnRef idx="2">
+              <a:schemeClr val="accent1"/>
+            </a:lnRef>
+            <a:fillRef idx="0">
+              <a:schemeClr val="accent1"/>
+            </a:fillRef>
+            <a:effectRef idx="1">
+              <a:schemeClr val="accent1"/>
+            </a:effectRef>
+            <a:fontRef idx="minor">
+              <a:schemeClr val="tx1"/>
+            </a:fontRef>
+          </p:style>
+        </p:cxnSp>
+        <p:cxnSp>
+          <p:nvCxnSpPr>
+            <p:cNvPr id="12" name="Прямая соединительная линия 11"/>
+            <p:cNvCxnSpPr/>
+            <p:nvPr/>
+          </p:nvCxnSpPr>
+          <p:spPr>
+            <a:xfrm rot="16200000" flipV="1">
+              <a:off x="6685888" y="1391257"/>
+              <a:ext cx="125755" cy="427"/>
+            </a:xfrm>
+            <a:prstGeom prst="line">
+              <a:avLst/>
+            </a:prstGeom>
+            <a:noFill/>
+            <a:ln w="25400" cap="rnd" cmpd="sng" algn="ctr">
+              <a:solidFill>
+                <a:srgbClr val="FFFFFF">
+                  <a:alpha val="100000"/>
+                </a:srgbClr>
+              </a:solidFill>
+              <a:prstDash val="solid"/>
+            </a:ln>
+            <a:effectLst/>
+          </p:spPr>
+          <p:style>
+            <a:lnRef idx="2">
+              <a:schemeClr val="accent1"/>
+            </a:lnRef>
+            <a:fillRef idx="0">
+              <a:schemeClr val="accent1"/>
+            </a:fillRef>
+            <a:effectRef idx="1">
+              <a:schemeClr val="accent1"/>
+            </a:effectRef>
+            <a:fontRef idx="minor">
+              <a:schemeClr val="tx1"/>
+            </a:fontRef>
+          </p:style>
+        </p:cxnSp>
+        <p:cxnSp>
+          <p:nvCxnSpPr>
+            <p:cNvPr id="13" name="Прямая соединительная линия 12"/>
+            <p:cNvCxnSpPr/>
+            <p:nvPr/>
+          </p:nvCxnSpPr>
+          <p:spPr>
+            <a:xfrm rot="5400000" flipH="1">
+              <a:off x="6744524" y="1300853"/>
+              <a:ext cx="88509" cy="82296"/>
+            </a:xfrm>
+            <a:prstGeom prst="line">
+              <a:avLst/>
+            </a:prstGeom>
+            <a:noFill/>
+            <a:ln w="25400" cap="rnd" cmpd="sng" algn="ctr">
+              <a:solidFill>
+                <a:srgbClr val="FFFFFF">
+                  <a:alpha val="100000"/>
+                </a:srgbClr>
+              </a:solidFill>
+              <a:prstDash val="solid"/>
+            </a:ln>
+            <a:effectLst/>
+          </p:spPr>
+          <p:style>
+            <a:lnRef idx="2">
+              <a:schemeClr val="accent1"/>
+            </a:lnRef>
+            <a:fillRef idx="0">
+              <a:schemeClr val="accent1"/>
+            </a:fillRef>
+            <a:effectRef idx="1">
+              <a:schemeClr val="accent1"/>
+            </a:effectRef>
+            <a:fontRef idx="minor">
+              <a:schemeClr val="tx1"/>
+            </a:fontRef>
+          </p:style>
+        </p:cxnSp>
+      </p:grpSp>
+      <p:grpSp>
+        <p:nvGrpSpPr>
+          <p:cNvPr id="18" name="Группа 17"/>
+          <p:cNvGrpSpPr/>
+          <p:nvPr/>
+        </p:nvGrpSpPr>
+        <p:grpSpPr>
+          <a:xfrm rot="5400000">
+            <a:off x="8320088" y="1474763"/>
+            <a:ext cx="132763" cy="128466"/>
+            <a:chOff x="6668087" y="1297746"/>
+            <a:chExt cx="161840" cy="156602"/>
+          </a:xfrm>
+        </p:grpSpPr>
+        <p:cxnSp>
+          <p:nvCxnSpPr>
+            <p:cNvPr id="19" name="Прямая соединительная линия 18"/>
+            <p:cNvCxnSpPr/>
+            <p:nvPr/>
+          </p:nvCxnSpPr>
+          <p:spPr>
+            <a:xfrm rot="16200000">
+              <a:off x="6664064" y="1301769"/>
+              <a:ext cx="88509" cy="80463"/>
+            </a:xfrm>
+            <a:prstGeom prst="line">
+              <a:avLst/>
+            </a:prstGeom>
+            <a:noFill/>
+            <a:ln w="25400" cap="rnd" cmpd="sng" algn="ctr">
+              <a:solidFill>
+                <a:srgbClr val="FFFFFF">
+                  <a:alpha val="100000"/>
+                </a:srgbClr>
+              </a:solidFill>
+              <a:prstDash val="solid"/>
+            </a:ln>
+            <a:effectLst/>
+          </p:spPr>
+          <p:style>
+            <a:lnRef idx="2">
+              <a:schemeClr val="accent1"/>
+            </a:lnRef>
+            <a:fillRef idx="0">
+              <a:schemeClr val="accent1"/>
+            </a:fillRef>
+            <a:effectRef idx="1">
+              <a:schemeClr val="accent1"/>
+            </a:effectRef>
+            <a:fontRef idx="minor">
+              <a:schemeClr val="tx1"/>
+            </a:fontRef>
+          </p:style>
+        </p:cxnSp>
+        <p:cxnSp>
+          <p:nvCxnSpPr>
+            <p:cNvPr id="20" name="Прямая соединительная линия 19"/>
+            <p:cNvCxnSpPr/>
+            <p:nvPr/>
+          </p:nvCxnSpPr>
+          <p:spPr>
+            <a:xfrm rot="16200000" flipV="1">
+              <a:off x="6685888" y="1391257"/>
+              <a:ext cx="125755" cy="427"/>
+            </a:xfrm>
+            <a:prstGeom prst="line">
+              <a:avLst/>
+            </a:prstGeom>
+            <a:noFill/>
+            <a:ln w="25400" cap="rnd" cmpd="sng" algn="ctr">
+              <a:solidFill>
+                <a:srgbClr val="FFFFFF">
+                  <a:alpha val="100000"/>
+                </a:srgbClr>
+              </a:solidFill>
+              <a:prstDash val="solid"/>
+            </a:ln>
+            <a:effectLst/>
+          </p:spPr>
+          <p:style>
+            <a:lnRef idx="2">
+              <a:schemeClr val="accent1"/>
+            </a:lnRef>
+            <a:fillRef idx="0">
+              <a:schemeClr val="accent1"/>
+            </a:fillRef>
+            <a:effectRef idx="1">
+              <a:schemeClr val="accent1"/>
+            </a:effectRef>
+            <a:fontRef idx="minor">
+              <a:schemeClr val="tx1"/>
+            </a:fontRef>
+          </p:style>
+        </p:cxnSp>
+        <p:cxnSp>
+          <p:nvCxnSpPr>
+            <p:cNvPr id="21" name="Прямая соединительная линия 20"/>
+            <p:cNvCxnSpPr/>
+            <p:nvPr/>
+          </p:nvCxnSpPr>
+          <p:spPr>
+            <a:xfrm rot="5400000" flipH="1">
+              <a:off x="6744524" y="1300853"/>
+              <a:ext cx="88509" cy="82296"/>
+            </a:xfrm>
+            <a:prstGeom prst="line">
+              <a:avLst/>
+            </a:prstGeom>
+            <a:noFill/>
+            <a:ln w="25400" cap="rnd" cmpd="sng" algn="ctr">
+              <a:solidFill>
+                <a:srgbClr val="FFFFFF">
+                  <a:alpha val="100000"/>
+                </a:srgbClr>
+              </a:solidFill>
+              <a:prstDash val="solid"/>
+            </a:ln>
+            <a:effectLst/>
+          </p:spPr>
+          <p:style>
+            <a:lnRef idx="2">
+              <a:schemeClr val="accent1"/>
+            </a:lnRef>
+            <a:fillRef idx="0">
+              <a:schemeClr val="accent1"/>
+            </a:fillRef>
+            <a:effectRef idx="1">
+              <a:schemeClr val="accent1"/>
+            </a:effectRef>
+            <a:fontRef idx="minor">
+              <a:schemeClr val="tx1"/>
+            </a:fontRef>
+          </p:style>
+        </p:cxnSp>
+      </p:grpSp>
+      <p:sp>
+        <p:nvSpPr>
+          <p:cNvPr id="5" name="Дата 4"/>
+          <p:cNvSpPr>
+            <a:spLocks noGrp="1"/>
+          </p:cNvSpPr>
+          <p:nvPr>
+            <p:ph type="dt" sz="half" idx="10"/>
           </p:nvPr>
         </p:nvSpPr>
         <p:spPr>
           <a:xfrm>
-            <a:off x="1792288" y="5367338"/>
-            <a:ext cx="5486400" cy="804862"/>
+            <a:off x="6477000" y="55499"/>
+            <a:ext cx="2133600" cy="365125"/>
           </a:xfrm>
         </p:spPr>
         <p:txBody>
           <a:bodyPr/>
           <a:lstStyle>
-            <a:lvl1pPr marL="0" indent="0">
-              <a:buNone/>
-              <a:defRPr sz="1400"/>
-            </a:lvl1pPr>
-            <a:lvl2pPr marL="457200" indent="0">
-              <a:buNone/>
-              <a:defRPr sz="1200"/>
-            </a:lvl2pPr>
-            <a:lvl3pPr marL="914400" indent="0">
-              <a:buNone/>
-              <a:defRPr sz="1000"/>
-            </a:lvl3pPr>
-            <a:lvl4pPr marL="1371600" indent="0">
-              <a:buNone/>
-              <a:defRPr sz="900"/>
-            </a:lvl4pPr>
-            <a:lvl5pPr marL="1828800" indent="0">
-              <a:buNone/>
-              <a:defRPr sz="900"/>
-            </a:lvl5pPr>
-            <a:lvl6pPr marL="2286000" indent="0">
-              <a:buNone/>
-              <a:defRPr sz="900"/>
-            </a:lvl6pPr>
-            <a:lvl7pPr marL="2743200" indent="0">
-              <a:buNone/>
-              <a:defRPr sz="900"/>
-            </a:lvl7pPr>
-            <a:lvl8pPr marL="3200400" indent="0">
-              <a:buNone/>
-              <a:defRPr sz="900"/>
-            </a:lvl8pPr>
-            <a:lvl9pPr marL="3657600" indent="0">
-              <a:buNone/>
-              <a:defRPr sz="900"/>
-            </a:lvl9pPr>
-          </a:lstStyle>
-          <a:p>
-            <a:pPr lvl="0"/>
-            <a:r>
-              <a:rPr lang="ru-RU" smtClean="0"/>
-              <a:t>Образец текста</a:t>
-            </a:r>
-          </a:p>
-        </p:txBody>
-      </p:sp>
-      <p:sp>
-        <p:nvSpPr>
-          <p:cNvPr id="5" name="Дата 4"/>
-          <p:cNvSpPr>
-            <a:spLocks noGrp="1"/>
-          </p:cNvSpPr>
-          <p:nvPr>
-            <p:ph type="dt" sz="half" idx="10"/>
-          </p:nvPr>
-        </p:nvSpPr>
-        <p:spPr/>
-        <p:txBody>
-          <a:bodyPr/>
-          <a:lstStyle/>
+            <a:extLst/>
+          </a:lstStyle>
           <a:p>
             <a:fld id="{5B106E36-FD25-4E2D-B0AA-010F637433A0}" type="datetimeFigureOut">
               <a:rPr lang="ru-RU" smtClean="0"/>
-              <a:t>03.11.2006</a:t>
+              <a:pPr/>
+              <a:t>23.09.2019</a:t>
             </a:fld>
             <a:endParaRPr lang="ru-RU"/>
           </a:p>
@@ -2470,10 +5421,17 @@
             <p:ph type="ftr" sz="quarter" idx="11"/>
           </p:nvPr>
         </p:nvSpPr>
-        <p:spPr/>
+        <p:spPr>
+          <a:xfrm>
+            <a:off x="914400" y="55499"/>
+            <a:ext cx="5562600" cy="365125"/>
+          </a:xfrm>
+        </p:spPr>
         <p:txBody>
           <a:bodyPr/>
-          <a:lstStyle/>
+          <a:lstStyle>
+            <a:extLst/>
+          </a:lstStyle>
           <a:p>
             <a:endParaRPr lang="ru-RU"/>
           </a:p>
@@ -2489,13 +5447,21 @@
             <p:ph type="sldNum" sz="quarter" idx="12"/>
           </p:nvPr>
         </p:nvSpPr>
-        <p:spPr/>
+        <p:spPr>
+          <a:xfrm>
+            <a:off x="8610600" y="55499"/>
+            <a:ext cx="457200" cy="365125"/>
+          </a:xfrm>
+        </p:spPr>
         <p:txBody>
           <a:bodyPr/>
-          <a:lstStyle/>
+          <a:lstStyle>
+            <a:extLst/>
+          </a:lstStyle>
           <a:p>
             <a:fld id="{725C68B6-61C2-468F-89AB-4B9F7531AA68}" type="slidenum">
               <a:rPr lang="ru-RU" smtClean="0"/>
+              <a:pPr/>
               <a:t>‹#›</a:t>
             </a:fld>
             <a:endParaRPr lang="ru-RU"/>
@@ -2514,8 +5480,8 @@
 <p:sldMaster xmlns:a="http://schemas.openxmlformats.org/drawingml/2006/main" xmlns:r="http://schemas.openxmlformats.org/officeDocument/2006/relationships" xmlns:p="http://schemas.openxmlformats.org/presentationml/2006/main">
   <p:cSld>
     <p:bg>
-      <p:bgRef idx="1001">
-        <a:schemeClr val="bg1"/>
+      <p:bgRef idx="1002">
+        <a:schemeClr val="bg2"/>
       </p:bgRef>
     </p:bg>
     <p:spTree>
@@ -2534,135 +5500,587 @@
       </p:grpSpPr>
       <p:sp>
         <p:nvSpPr>
-          <p:cNvPr id="2" name="Заголовок 1"/>
-          <p:cNvSpPr>
-            <a:spLocks noGrp="1"/>
-          </p:cNvSpPr>
-          <p:nvPr>
-            <p:ph type="title"/>
-          </p:nvPr>
+          <p:cNvPr id="7" name="Прямоугольник 6"/>
+          <p:cNvSpPr/>
+          <p:nvPr/>
         </p:nvSpPr>
         <p:spPr>
           <a:xfrm>
-            <a:off x="457200" y="274638"/>
-            <a:ext cx="8229600" cy="1143000"/>
+            <a:off x="0" y="-1"/>
+            <a:ext cx="365760" cy="6854456"/>
           </a:xfrm>
           <a:prstGeom prst="rect">
             <a:avLst/>
           </a:prstGeom>
-        </p:spPr>
-        <p:txBody>
-          <a:bodyPr vert="horz" lIns="91440" tIns="45720" rIns="91440" bIns="45720" rtlCol="0" anchor="ctr">
-            <a:normAutofit/>
-          </a:bodyPr>
-          <a:lstStyle/>
-          <a:p>
-            <a:r>
-              <a:rPr lang="ru-RU" smtClean="0"/>
-              <a:t>Образец заголовка</a:t>
-            </a:r>
-            <a:endParaRPr lang="ru-RU"/>
-          </a:p>
-        </p:txBody>
-      </p:sp>
-      <p:sp>
-        <p:nvSpPr>
-          <p:cNvPr id="3" name="Текст 2"/>
-          <p:cNvSpPr>
-            <a:spLocks noGrp="1"/>
-          </p:cNvSpPr>
-          <p:nvPr>
-            <p:ph type="body" idx="1"/>
-          </p:nvPr>
+          <a:solidFill>
+            <a:srgbClr val="FFFFFF">
+              <a:alpha val="100000"/>
+            </a:srgbClr>
+          </a:solidFill>
+          <a:ln w="50800" cap="rnd" cmpd="dbl" algn="ctr">
+            <a:noFill/>
+            <a:prstDash val="solid"/>
+          </a:ln>
+          <a:effectLst/>
+        </p:spPr>
+        <p:style>
+          <a:lnRef idx="3">
+            <a:schemeClr val="lt1"/>
+          </a:lnRef>
+          <a:fillRef idx="1">
+            <a:schemeClr val="accent1"/>
+          </a:fillRef>
+          <a:effectRef idx="1">
+            <a:schemeClr val="accent1"/>
+          </a:effectRef>
+          <a:fontRef idx="minor">
+            <a:schemeClr val="lt1"/>
+          </a:fontRef>
+        </p:style>
+        <p:txBody>
+          <a:bodyPr anchor="ctr"/>
+          <a:lstStyle>
+            <a:extLst/>
+          </a:lstStyle>
+          <a:p>
+            <a:pPr algn="ctr" eaLnBrk="1" latinLnBrk="0" hangingPunct="1"/>
+            <a:endParaRPr kumimoji="0" lang="en-US"/>
+          </a:p>
+        </p:txBody>
+      </p:sp>
+      <p:sp>
+        <p:nvSpPr>
+          <p:cNvPr id="8" name="Прямоугольник 7"/>
+          <p:cNvSpPr/>
+          <p:nvPr/>
         </p:nvSpPr>
         <p:spPr>
           <a:xfrm>
-            <a:off x="457200" y="1600200"/>
-            <a:ext cx="8229600" cy="4525963"/>
+            <a:off x="255291" y="5047394"/>
+            <a:ext cx="73152" cy="1691640"/>
           </a:xfrm>
           <a:prstGeom prst="rect">
             <a:avLst/>
           </a:prstGeom>
-        </p:spPr>
-        <p:txBody>
-          <a:bodyPr vert="horz" lIns="91440" tIns="45720" rIns="91440" bIns="45720" rtlCol="0">
-            <a:normAutofit/>
-          </a:bodyPr>
-          <a:lstStyle/>
-          <a:p>
-            <a:pPr lvl="0"/>
-            <a:r>
-              <a:rPr lang="ru-RU" smtClean="0"/>
-              <a:t>Образец текста</a:t>
-            </a:r>
-          </a:p>
-          <a:p>
-            <a:pPr lvl="1"/>
-            <a:r>
-              <a:rPr lang="ru-RU" smtClean="0"/>
-              <a:t>Второй уровень</a:t>
-            </a:r>
-          </a:p>
-          <a:p>
-            <a:pPr lvl="2"/>
-            <a:r>
-              <a:rPr lang="ru-RU" smtClean="0"/>
-              <a:t>Третий уровень</a:t>
-            </a:r>
-          </a:p>
-          <a:p>
-            <a:pPr lvl="3"/>
-            <a:r>
-              <a:rPr lang="ru-RU" smtClean="0"/>
-              <a:t>Четвертый уровень</a:t>
-            </a:r>
-          </a:p>
-          <a:p>
-            <a:pPr lvl="4"/>
-            <a:r>
-              <a:rPr lang="ru-RU" smtClean="0"/>
-              <a:t>Пятый уровень</a:t>
-            </a:r>
-            <a:endParaRPr lang="ru-RU"/>
-          </a:p>
-        </p:txBody>
-      </p:sp>
-      <p:sp>
-        <p:nvSpPr>
-          <p:cNvPr id="4" name="Дата 3"/>
-          <p:cNvSpPr>
-            <a:spLocks noGrp="1"/>
-          </p:cNvSpPr>
-          <p:nvPr>
-            <p:ph type="dt" sz="half" idx="2"/>
-          </p:nvPr>
+          <a:solidFill>
+            <a:schemeClr val="accent2">
+              <a:alpha val="100000"/>
+            </a:schemeClr>
+          </a:solidFill>
+          <a:ln w="50800" cap="rnd" cmpd="dbl" algn="ctr">
+            <a:noFill/>
+            <a:prstDash val="solid"/>
+          </a:ln>
+          <a:effectLst/>
+        </p:spPr>
+        <p:style>
+          <a:lnRef idx="3">
+            <a:schemeClr val="lt1"/>
+          </a:lnRef>
+          <a:fillRef idx="1">
+            <a:schemeClr val="accent1"/>
+          </a:fillRef>
+          <a:effectRef idx="1">
+            <a:schemeClr val="accent1"/>
+          </a:effectRef>
+          <a:fontRef idx="minor">
+            <a:schemeClr val="lt1"/>
+          </a:fontRef>
+        </p:style>
+        <p:txBody>
+          <a:bodyPr anchor="ctr"/>
+          <a:lstStyle>
+            <a:extLst/>
+          </a:lstStyle>
+          <a:p>
+            <a:pPr algn="ctr" eaLnBrk="1" latinLnBrk="0" hangingPunct="1"/>
+            <a:endParaRPr kumimoji="0" lang="en-US"/>
+          </a:p>
+        </p:txBody>
+      </p:sp>
+      <p:sp>
+        <p:nvSpPr>
+          <p:cNvPr id="9" name="Прямоугольник 8"/>
+          <p:cNvSpPr/>
+          <p:nvPr/>
         </p:nvSpPr>
         <p:spPr>
           <a:xfrm>
-            <a:off x="457200" y="6356350"/>
-            <a:ext cx="2133600" cy="365125"/>
+            <a:off x="255291" y="4796819"/>
+            <a:ext cx="73152" cy="228600"/>
           </a:xfrm>
           <a:prstGeom prst="rect">
             <a:avLst/>
           </a:prstGeom>
-        </p:spPr>
-        <p:txBody>
-          <a:bodyPr vert="horz" lIns="91440" tIns="45720" rIns="91440" bIns="45720" rtlCol="0" anchor="ctr"/>
-          <a:lstStyle>
-            <a:lvl1pPr algn="l">
-              <a:defRPr sz="1200">
+          <a:solidFill>
+            <a:schemeClr val="accent3">
+              <a:alpha val="100000"/>
+            </a:schemeClr>
+          </a:solidFill>
+          <a:ln w="50800" cap="rnd" cmpd="dbl" algn="ctr">
+            <a:noFill/>
+            <a:prstDash val="solid"/>
+          </a:ln>
+          <a:effectLst/>
+        </p:spPr>
+        <p:style>
+          <a:lnRef idx="3">
+            <a:schemeClr val="lt1"/>
+          </a:lnRef>
+          <a:fillRef idx="1">
+            <a:schemeClr val="accent1"/>
+          </a:fillRef>
+          <a:effectRef idx="1">
+            <a:schemeClr val="accent1"/>
+          </a:effectRef>
+          <a:fontRef idx="minor">
+            <a:schemeClr val="lt1"/>
+          </a:fontRef>
+        </p:style>
+        <p:txBody>
+          <a:bodyPr anchor="ctr"/>
+          <a:lstStyle>
+            <a:extLst/>
+          </a:lstStyle>
+          <a:p>
+            <a:pPr algn="ctr" eaLnBrk="1" latinLnBrk="0" hangingPunct="1"/>
+            <a:endParaRPr kumimoji="0" lang="en-US"/>
+          </a:p>
+        </p:txBody>
+      </p:sp>
+      <p:sp>
+        <p:nvSpPr>
+          <p:cNvPr id="10" name="Прямоугольник 9"/>
+          <p:cNvSpPr/>
+          <p:nvPr/>
+        </p:nvSpPr>
+        <p:spPr>
+          <a:xfrm>
+            <a:off x="255291" y="4637685"/>
+            <a:ext cx="73152" cy="137160"/>
+          </a:xfrm>
+          <a:prstGeom prst="rect">
+            <a:avLst/>
+          </a:prstGeom>
+          <a:solidFill>
+            <a:schemeClr val="bg2"/>
+          </a:solidFill>
+          <a:ln w="50800" cap="rnd" cmpd="dbl" algn="ctr">
+            <a:noFill/>
+            <a:prstDash val="solid"/>
+          </a:ln>
+          <a:effectLst/>
+        </p:spPr>
+        <p:style>
+          <a:lnRef idx="3">
+            <a:schemeClr val="lt1"/>
+          </a:lnRef>
+          <a:fillRef idx="1">
+            <a:schemeClr val="accent1"/>
+          </a:fillRef>
+          <a:effectRef idx="1">
+            <a:schemeClr val="accent1"/>
+          </a:effectRef>
+          <a:fontRef idx="minor">
+            <a:schemeClr val="lt1"/>
+          </a:fontRef>
+        </p:style>
+        <p:txBody>
+          <a:bodyPr anchor="ctr"/>
+          <a:lstStyle>
+            <a:extLst/>
+          </a:lstStyle>
+          <a:p>
+            <a:pPr algn="ctr" eaLnBrk="1" latinLnBrk="0" hangingPunct="1"/>
+            <a:endParaRPr kumimoji="0" lang="en-US"/>
+          </a:p>
+        </p:txBody>
+      </p:sp>
+      <p:sp>
+        <p:nvSpPr>
+          <p:cNvPr id="11" name="Прямоугольник 10"/>
+          <p:cNvSpPr/>
+          <p:nvPr/>
+        </p:nvSpPr>
+        <p:spPr>
+          <a:xfrm>
+            <a:off x="255291" y="4542559"/>
+            <a:ext cx="73152" cy="73152"/>
+          </a:xfrm>
+          <a:prstGeom prst="rect">
+            <a:avLst/>
+          </a:prstGeom>
+          <a:solidFill>
+            <a:schemeClr val="accent2">
+              <a:alpha val="100000"/>
+            </a:schemeClr>
+          </a:solidFill>
+          <a:ln w="50800" cap="rnd" cmpd="dbl" algn="ctr">
+            <a:noFill/>
+            <a:prstDash val="solid"/>
+          </a:ln>
+          <a:effectLst/>
+        </p:spPr>
+        <p:style>
+          <a:lnRef idx="3">
+            <a:schemeClr val="lt1"/>
+          </a:lnRef>
+          <a:fillRef idx="1">
+            <a:schemeClr val="accent1"/>
+          </a:fillRef>
+          <a:effectRef idx="1">
+            <a:schemeClr val="accent1"/>
+          </a:effectRef>
+          <a:fontRef idx="minor">
+            <a:schemeClr val="lt1"/>
+          </a:fontRef>
+        </p:style>
+        <p:txBody>
+          <a:bodyPr anchor="ctr"/>
+          <a:lstStyle>
+            <a:extLst/>
+          </a:lstStyle>
+          <a:p>
+            <a:pPr algn="ctr" eaLnBrk="1" latinLnBrk="0" hangingPunct="1"/>
+            <a:endParaRPr kumimoji="0" lang="en-US" dirty="0"/>
+          </a:p>
+        </p:txBody>
+      </p:sp>
+      <p:sp>
+        <p:nvSpPr>
+          <p:cNvPr id="12" name="Прямоугольник 11"/>
+          <p:cNvSpPr/>
+          <p:nvPr/>
+        </p:nvSpPr>
+        <p:spPr>
+          <a:xfrm>
+            <a:off x="309558" y="680477"/>
+            <a:ext cx="45720" cy="365760"/>
+          </a:xfrm>
+          <a:prstGeom prst="rect">
+            <a:avLst/>
+          </a:prstGeom>
+          <a:solidFill>
+            <a:srgbClr val="000000">
+              <a:alpha val="100000"/>
+            </a:srgbClr>
+          </a:solidFill>
+          <a:ln w="50800" cap="rnd" cmpd="thickThin" algn="ctr">
+            <a:noFill/>
+            <a:prstDash val="solid"/>
+          </a:ln>
+          <a:effectLst/>
+        </p:spPr>
+        <p:style>
+          <a:lnRef idx="3">
+            <a:schemeClr val="lt1"/>
+          </a:lnRef>
+          <a:fillRef idx="1">
+            <a:schemeClr val="accent1"/>
+          </a:fillRef>
+          <a:effectRef idx="1">
+            <a:schemeClr val="accent1"/>
+          </a:effectRef>
+          <a:fontRef idx="minor">
+            <a:schemeClr val="lt1"/>
+          </a:fontRef>
+        </p:style>
+        <p:txBody>
+          <a:bodyPr anchor="ctr"/>
+          <a:lstStyle>
+            <a:extLst/>
+          </a:lstStyle>
+          <a:p>
+            <a:pPr algn="ctr" eaLnBrk="1" latinLnBrk="0" hangingPunct="1"/>
+            <a:endParaRPr kumimoji="0" lang="en-US" dirty="0"/>
+          </a:p>
+        </p:txBody>
+      </p:sp>
+      <p:sp>
+        <p:nvSpPr>
+          <p:cNvPr id="15" name="Прямоугольник 14"/>
+          <p:cNvSpPr/>
+          <p:nvPr/>
+        </p:nvSpPr>
+        <p:spPr>
+          <a:xfrm>
+            <a:off x="269073" y="680477"/>
+            <a:ext cx="27432" cy="365760"/>
+          </a:xfrm>
+          <a:prstGeom prst="rect">
+            <a:avLst/>
+          </a:prstGeom>
+          <a:solidFill>
+            <a:srgbClr val="000000">
+              <a:alpha val="100000"/>
+            </a:srgbClr>
+          </a:solidFill>
+          <a:ln w="50800" cap="rnd" cmpd="thickThin" algn="ctr">
+            <a:noFill/>
+            <a:prstDash val="solid"/>
+          </a:ln>
+          <a:effectLst/>
+        </p:spPr>
+        <p:style>
+          <a:lnRef idx="3">
+            <a:schemeClr val="lt1"/>
+          </a:lnRef>
+          <a:fillRef idx="1">
+            <a:schemeClr val="accent1"/>
+          </a:fillRef>
+          <a:effectRef idx="1">
+            <a:schemeClr val="accent1"/>
+          </a:effectRef>
+          <a:fontRef idx="minor">
+            <a:schemeClr val="lt1"/>
+          </a:fontRef>
+        </p:style>
+        <p:txBody>
+          <a:bodyPr anchor="ctr"/>
+          <a:lstStyle>
+            <a:extLst/>
+          </a:lstStyle>
+          <a:p>
+            <a:pPr algn="ctr" eaLnBrk="1" latinLnBrk="0" hangingPunct="1"/>
+            <a:endParaRPr kumimoji="0" lang="en-US" dirty="0"/>
+          </a:p>
+        </p:txBody>
+      </p:sp>
+      <p:sp>
+        <p:nvSpPr>
+          <p:cNvPr id="16" name="Прямоугольник 15"/>
+          <p:cNvSpPr/>
+          <p:nvPr/>
+        </p:nvSpPr>
+        <p:spPr>
+          <a:xfrm>
+            <a:off x="250020" y="680477"/>
+            <a:ext cx="9144" cy="365760"/>
+          </a:xfrm>
+          <a:prstGeom prst="rect">
+            <a:avLst/>
+          </a:prstGeom>
+          <a:solidFill>
+            <a:srgbClr val="000000">
+              <a:alpha val="100000"/>
+            </a:srgbClr>
+          </a:solidFill>
+          <a:ln w="50800" cap="rnd" cmpd="thickThin" algn="ctr">
+            <a:noFill/>
+            <a:prstDash val="solid"/>
+          </a:ln>
+          <a:effectLst/>
+        </p:spPr>
+        <p:style>
+          <a:lnRef idx="3">
+            <a:schemeClr val="lt1"/>
+          </a:lnRef>
+          <a:fillRef idx="1">
+            <a:schemeClr val="accent1"/>
+          </a:fillRef>
+          <a:effectRef idx="1">
+            <a:schemeClr val="accent1"/>
+          </a:effectRef>
+          <a:fontRef idx="minor">
+            <a:schemeClr val="lt1"/>
+          </a:fontRef>
+        </p:style>
+        <p:txBody>
+          <a:bodyPr anchor="ctr"/>
+          <a:lstStyle>
+            <a:extLst/>
+          </a:lstStyle>
+          <a:p>
+            <a:pPr algn="ctr" eaLnBrk="1" latinLnBrk="0" hangingPunct="1"/>
+            <a:endParaRPr kumimoji="0" lang="en-US"/>
+          </a:p>
+        </p:txBody>
+      </p:sp>
+      <p:sp>
+        <p:nvSpPr>
+          <p:cNvPr id="17" name="Прямоугольник 16"/>
+          <p:cNvSpPr/>
+          <p:nvPr/>
+        </p:nvSpPr>
+        <p:spPr>
+          <a:xfrm>
+            <a:off x="221768" y="680477"/>
+            <a:ext cx="9144" cy="365760"/>
+          </a:xfrm>
+          <a:prstGeom prst="rect">
+            <a:avLst/>
+          </a:prstGeom>
+          <a:solidFill>
+            <a:srgbClr val="000000">
+              <a:alpha val="100000"/>
+            </a:srgbClr>
+          </a:solidFill>
+          <a:ln w="50800" cap="rnd" cmpd="thickThin" algn="ctr">
+            <a:noFill/>
+            <a:prstDash val="solid"/>
+          </a:ln>
+          <a:effectLst/>
+        </p:spPr>
+        <p:style>
+          <a:lnRef idx="3">
+            <a:schemeClr val="lt1"/>
+          </a:lnRef>
+          <a:fillRef idx="1">
+            <a:schemeClr val="accent1"/>
+          </a:fillRef>
+          <a:effectRef idx="1">
+            <a:schemeClr val="accent1"/>
+          </a:effectRef>
+          <a:fontRef idx="minor">
+            <a:schemeClr val="lt1"/>
+          </a:fontRef>
+        </p:style>
+        <p:txBody>
+          <a:bodyPr anchor="ctr"/>
+          <a:lstStyle>
+            <a:extLst/>
+          </a:lstStyle>
+          <a:p>
+            <a:pPr algn="ctr" eaLnBrk="1" latinLnBrk="0" hangingPunct="1"/>
+            <a:endParaRPr kumimoji="0" lang="en-US" dirty="0"/>
+          </a:p>
+        </p:txBody>
+      </p:sp>
+      <p:sp>
+        <p:nvSpPr>
+          <p:cNvPr id="22" name="Заголовок 21"/>
+          <p:cNvSpPr>
+            <a:spLocks noGrp="1"/>
+          </p:cNvSpPr>
+          <p:nvPr>
+            <p:ph type="title"/>
+          </p:nvPr>
+        </p:nvSpPr>
+        <p:spPr>
+          <a:xfrm>
+            <a:off x="914400" y="512064"/>
+            <a:ext cx="7772400" cy="914400"/>
+          </a:xfrm>
+          <a:prstGeom prst="rect">
+            <a:avLst/>
+          </a:prstGeom>
+        </p:spPr>
+        <p:txBody>
+          <a:bodyPr vert="horz" anchor="t">
+            <a:noAutofit/>
+          </a:bodyPr>
+          <a:lstStyle>
+            <a:extLst/>
+          </a:lstStyle>
+          <a:p>
+            <a:r>
+              <a:rPr kumimoji="0" lang="ru-RU" smtClean="0"/>
+              <a:t>Образец заголовка</a:t>
+            </a:r>
+            <a:endParaRPr kumimoji="0" lang="en-US"/>
+          </a:p>
+        </p:txBody>
+      </p:sp>
+      <p:sp>
+        <p:nvSpPr>
+          <p:cNvPr id="13" name="Текст 12"/>
+          <p:cNvSpPr>
+            <a:spLocks noGrp="1"/>
+          </p:cNvSpPr>
+          <p:nvPr>
+            <p:ph type="body" idx="1"/>
+          </p:nvPr>
+        </p:nvSpPr>
+        <p:spPr>
+          <a:xfrm>
+            <a:off x="914400" y="1783560"/>
+            <a:ext cx="7772400" cy="4572000"/>
+          </a:xfrm>
+          <a:prstGeom prst="rect">
+            <a:avLst/>
+          </a:prstGeom>
+        </p:spPr>
+        <p:txBody>
+          <a:bodyPr vert="horz">
+            <a:normAutofit/>
+          </a:bodyPr>
+          <a:lstStyle>
+            <a:extLst/>
+          </a:lstStyle>
+          <a:p>
+            <a:pPr lvl="0" eaLnBrk="1" latinLnBrk="0" hangingPunct="1"/>
+            <a:r>
+              <a:rPr kumimoji="0" lang="ru-RU" smtClean="0"/>
+              <a:t>Образец текста</a:t>
+            </a:r>
+          </a:p>
+          <a:p>
+            <a:pPr lvl="1" eaLnBrk="1" latinLnBrk="0" hangingPunct="1"/>
+            <a:r>
+              <a:rPr kumimoji="0" lang="ru-RU" smtClean="0"/>
+              <a:t>Второй уровень</a:t>
+            </a:r>
+          </a:p>
+          <a:p>
+            <a:pPr lvl="2" eaLnBrk="1" latinLnBrk="0" hangingPunct="1"/>
+            <a:r>
+              <a:rPr kumimoji="0" lang="ru-RU" smtClean="0"/>
+              <a:t>Третий уровень</a:t>
+            </a:r>
+          </a:p>
+          <a:p>
+            <a:pPr lvl="3" eaLnBrk="1" latinLnBrk="0" hangingPunct="1"/>
+            <a:r>
+              <a:rPr kumimoji="0" lang="ru-RU" smtClean="0"/>
+              <a:t>Четвертый уровень</a:t>
+            </a:r>
+          </a:p>
+          <a:p>
+            <a:pPr lvl="4" eaLnBrk="1" latinLnBrk="0" hangingPunct="1"/>
+            <a:r>
+              <a:rPr kumimoji="0" lang="ru-RU" smtClean="0"/>
+              <a:t>Пятый уровень</a:t>
+            </a:r>
+            <a:endParaRPr kumimoji="0" lang="en-US"/>
+          </a:p>
+        </p:txBody>
+      </p:sp>
+      <p:sp>
+        <p:nvSpPr>
+          <p:cNvPr id="14" name="Дата 13"/>
+          <p:cNvSpPr>
+            <a:spLocks noGrp="1"/>
+          </p:cNvSpPr>
+          <p:nvPr>
+            <p:ph type="dt" sz="half" idx="2"/>
+          </p:nvPr>
+        </p:nvSpPr>
+        <p:spPr>
+          <a:xfrm>
+            <a:off x="6477000" y="6416675"/>
+            <a:ext cx="2133600" cy="365125"/>
+          </a:xfrm>
+          <a:prstGeom prst="rect">
+            <a:avLst/>
+          </a:prstGeom>
+        </p:spPr>
+        <p:txBody>
+          <a:bodyPr vert="horz" anchor="b"/>
+          <a:lstStyle>
+            <a:lvl1pPr algn="l" eaLnBrk="1" latinLnBrk="0" hangingPunct="1">
+              <a:defRPr kumimoji="0" sz="1100">
                 <a:solidFill>
-                  <a:schemeClr val="tx1">
-                    <a:tint val="75000"/>
-                  </a:schemeClr>
+                  <a:schemeClr val="tx2"/>
                 </a:solidFill>
               </a:defRPr>
             </a:lvl1pPr>
+            <a:extLst/>
           </a:lstStyle>
           <a:p>
             <a:fld id="{5B106E36-FD25-4E2D-B0AA-010F637433A0}" type="datetimeFigureOut">
               <a:rPr lang="ru-RU" smtClean="0"/>
-              <a:t>03.11.2006</a:t>
+              <a:pPr/>
+              <a:t>23.09.2019</a:t>
             </a:fld>
             <a:endParaRPr lang="ru-RU"/>
           </a:p>
@@ -2670,7 +6088,7 @@
       </p:sp>
       <p:sp>
         <p:nvSpPr>
-          <p:cNvPr id="5" name="Нижний колонтитул 4"/>
+          <p:cNvPr id="3" name="Нижний колонтитул 2"/>
           <p:cNvSpPr>
             <a:spLocks noGrp="1"/>
           </p:cNvSpPr>
@@ -2680,25 +6098,24 @@
         </p:nvSpPr>
         <p:spPr>
           <a:xfrm>
-            <a:off x="3124200" y="6356350"/>
-            <a:ext cx="2895600" cy="365125"/>
+            <a:off x="914400" y="6416675"/>
+            <a:ext cx="5562600" cy="365125"/>
           </a:xfrm>
           <a:prstGeom prst="rect">
             <a:avLst/>
           </a:prstGeom>
         </p:spPr>
         <p:txBody>
-          <a:bodyPr vert="horz" lIns="91440" tIns="45720" rIns="91440" bIns="45720" rtlCol="0" anchor="ctr"/>
-          <a:lstStyle>
-            <a:lvl1pPr algn="ctr">
-              <a:defRPr sz="1200">
+          <a:bodyPr vert="horz" anchor="b"/>
+          <a:lstStyle>
+            <a:lvl1pPr algn="r" eaLnBrk="1" latinLnBrk="0" hangingPunct="1">
+              <a:defRPr kumimoji="0" sz="1100">
                 <a:solidFill>
-                  <a:schemeClr val="tx1">
-                    <a:tint val="75000"/>
-                  </a:schemeClr>
+                  <a:schemeClr val="tx2"/>
                 </a:solidFill>
               </a:defRPr>
             </a:lvl1pPr>
+            <a:extLst/>
           </a:lstStyle>
           <a:p>
             <a:endParaRPr lang="ru-RU"/>
@@ -2707,7 +6124,7 @@
       </p:sp>
       <p:sp>
         <p:nvSpPr>
-          <p:cNvPr id="6" name="Номер слайда 5"/>
+          <p:cNvPr id="23" name="Номер слайда 22"/>
           <p:cNvSpPr>
             <a:spLocks noGrp="1"/>
           </p:cNvSpPr>
@@ -2717,29 +6134,29 @@
         </p:nvSpPr>
         <p:spPr>
           <a:xfrm>
-            <a:off x="6553200" y="6356350"/>
-            <a:ext cx="2133600" cy="365125"/>
+            <a:off x="8610600" y="6416675"/>
+            <a:ext cx="457200" cy="365125"/>
           </a:xfrm>
           <a:prstGeom prst="rect">
             <a:avLst/>
           </a:prstGeom>
         </p:spPr>
         <p:txBody>
-          <a:bodyPr vert="horz" lIns="91440" tIns="45720" rIns="91440" bIns="45720" rtlCol="0" anchor="ctr"/>
-          <a:lstStyle>
-            <a:lvl1pPr algn="r">
-              <a:defRPr sz="1200">
+          <a:bodyPr vert="horz" anchor="b"/>
+          <a:lstStyle>
+            <a:lvl1pPr algn="l" eaLnBrk="1" latinLnBrk="0" hangingPunct="1">
+              <a:defRPr kumimoji="0" sz="1200">
                 <a:solidFill>
-                  <a:schemeClr val="tx1">
-                    <a:tint val="75000"/>
-                  </a:schemeClr>
+                  <a:schemeClr val="tx2"/>
                 </a:solidFill>
               </a:defRPr>
             </a:lvl1pPr>
+            <a:extLst/>
           </a:lstStyle>
           <a:p>
             <a:fld id="{725C68B6-61C2-468F-89AB-4B9F7531AA68}" type="slidenum">
               <a:rPr lang="ru-RU" smtClean="0"/>
+              <a:pPr/>
               <a:t>‹#›</a:t>
             </a:fld>
             <a:endParaRPr lang="ru-RU"/>
@@ -2748,45 +6165,52 @@
       </p:sp>
     </p:spTree>
   </p:cSld>
-  <p:clrMap bg1="lt1" tx1="dk1" bg2="lt2" tx2="dk2" accent1="accent1" accent2="accent2" accent3="accent3" accent4="accent4" accent5="accent5" accent6="accent6" hlink="hlink" folHlink="folHlink"/>
+  <p:clrMap bg1="dk1" tx1="lt1" bg2="dk2" tx2="lt2" accent1="accent1" accent2="accent2" accent3="accent3" accent4="accent4" accent5="accent5" accent6="accent6" hlink="hlink" folHlink="folHlink"/>
   <p:sldLayoutIdLst>
-    <p:sldLayoutId id="2147483649" r:id="rId1"/>
-    <p:sldLayoutId id="2147483650" r:id="rId2"/>
-    <p:sldLayoutId id="2147483651" r:id="rId3"/>
-    <p:sldLayoutId id="2147483652" r:id="rId4"/>
-    <p:sldLayoutId id="2147483653" r:id="rId5"/>
-    <p:sldLayoutId id="2147483654" r:id="rId6"/>
-    <p:sldLayoutId id="2147483655" r:id="rId7"/>
-    <p:sldLayoutId id="2147483656" r:id="rId8"/>
-    <p:sldLayoutId id="2147483657" r:id="rId9"/>
-    <p:sldLayoutId id="2147483658" r:id="rId10"/>
-    <p:sldLayoutId id="2147483659" r:id="rId11"/>
+    <p:sldLayoutId id="2147483673" r:id="rId1"/>
+    <p:sldLayoutId id="2147483674" r:id="rId2"/>
+    <p:sldLayoutId id="2147483675" r:id="rId3"/>
+    <p:sldLayoutId id="2147483676" r:id="rId4"/>
+    <p:sldLayoutId id="2147483677" r:id="rId5"/>
+    <p:sldLayoutId id="2147483678" r:id="rId6"/>
+    <p:sldLayoutId id="2147483679" r:id="rId7"/>
+    <p:sldLayoutId id="2147483680" r:id="rId8"/>
+    <p:sldLayoutId id="2147483681" r:id="rId9"/>
+    <p:sldLayoutId id="2147483682" r:id="rId10"/>
+    <p:sldLayoutId id="2147483683" r:id="rId11"/>
   </p:sldLayoutIdLst>
   <p:txStyles>
     <p:titleStyle>
-      <a:lvl1pPr algn="ctr" defTabSz="914400" rtl="0" eaLnBrk="1" latinLnBrk="0" hangingPunct="1">
+      <a:lvl1pPr algn="l" rtl="0" eaLnBrk="1" latinLnBrk="0" hangingPunct="1">
         <a:spcBef>
           <a:spcPct val="0"/>
         </a:spcBef>
         <a:buNone/>
-        <a:defRPr sz="4400" kern="1200">
+        <a:defRPr kumimoji="0" sz="4000" kern="1200" spc="-100" baseline="0">
           <a:solidFill>
-            <a:schemeClr val="tx1"/>
+            <a:schemeClr val="tx2">
+              <a:satMod val="200000"/>
+            </a:schemeClr>
           </a:solidFill>
           <a:latin typeface="+mj-lt"/>
           <a:ea typeface="+mj-ea"/>
           <a:cs typeface="+mj-cs"/>
         </a:defRPr>
       </a:lvl1pPr>
+      <a:extLst/>
     </p:titleStyle>
     <p:bodyStyle>
-      <a:lvl1pPr marL="342900" indent="-342900" algn="l" defTabSz="914400" rtl="0" eaLnBrk="1" latinLnBrk="0" hangingPunct="1">
+      <a:lvl1pPr marL="411480" indent="-342900" algn="l" rtl="0" eaLnBrk="1" latinLnBrk="0" hangingPunct="1">
         <a:spcBef>
-          <a:spcPct val="20000"/>
+          <a:spcPts val="700"/>
         </a:spcBef>
-        <a:buFont typeface="Arial" pitchFamily="34" charset="0"/>
-        <a:buChar char="•"/>
-        <a:defRPr sz="3200" kern="1200">
+        <a:buClr>
+          <a:schemeClr val="tx2"/>
+        </a:buClr>
+        <a:buSzPct val="95000"/>
+        <a:buFont typeface="Wingdings"/>
+        <a:buChar char=""/>
+        <a:defRPr kumimoji="0" sz="3000" kern="1200">
           <a:solidFill>
             <a:schemeClr val="tx1"/>
           </a:solidFill>
@@ -2795,13 +6219,17 @@
           <a:cs typeface="+mn-cs"/>
         </a:defRPr>
       </a:lvl1pPr>
-      <a:lvl2pPr marL="742950" indent="-285750" algn="l" defTabSz="914400" rtl="0" eaLnBrk="1" latinLnBrk="0" hangingPunct="1">
+      <a:lvl2pPr marL="740664" indent="-285750" algn="l" rtl="0" eaLnBrk="1" latinLnBrk="0" hangingPunct="1">
         <a:spcBef>
           <a:spcPct val="20000"/>
         </a:spcBef>
-        <a:buFont typeface="Arial" pitchFamily="34" charset="0"/>
-        <a:buChar char="–"/>
-        <a:defRPr sz="2800" kern="1200">
+        <a:buClr>
+          <a:schemeClr val="accent2"/>
+        </a:buClr>
+        <a:buSzPct val="90000"/>
+        <a:buFont typeface="Wingdings"/>
+        <a:buChar char=""/>
+        <a:defRPr kumimoji="0" sz="2600" kern="1200">
           <a:solidFill>
             <a:schemeClr val="tx1"/>
           </a:solidFill>
@@ -2810,13 +6238,16 @@
           <a:cs typeface="+mn-cs"/>
         </a:defRPr>
       </a:lvl2pPr>
-      <a:lvl3pPr marL="1143000" indent="-228600" algn="l" defTabSz="914400" rtl="0" eaLnBrk="1" latinLnBrk="0" hangingPunct="1">
+      <a:lvl3pPr marL="996696" indent="-228600" algn="l" rtl="0" eaLnBrk="1" latinLnBrk="0" hangingPunct="1">
         <a:spcBef>
           <a:spcPct val="20000"/>
         </a:spcBef>
-        <a:buFont typeface="Arial" pitchFamily="34" charset="0"/>
-        <a:buChar char="•"/>
-        <a:defRPr sz="2400" kern="1200">
+        <a:buClr>
+          <a:schemeClr val="accent2"/>
+        </a:buClr>
+        <a:buFont typeface="Wingdings 2"/>
+        <a:buChar char=""/>
+        <a:defRPr kumimoji="0" sz="2400" kern="1200">
           <a:solidFill>
             <a:schemeClr val="tx1"/>
           </a:solidFill>
@@ -2825,13 +6256,16 @@
           <a:cs typeface="+mn-cs"/>
         </a:defRPr>
       </a:lvl3pPr>
-      <a:lvl4pPr marL="1600200" indent="-228600" algn="l" defTabSz="914400" rtl="0" eaLnBrk="1" latinLnBrk="0" hangingPunct="1">
+      <a:lvl4pPr marL="1261872" indent="-228600" algn="l" rtl="0" eaLnBrk="1" latinLnBrk="0" hangingPunct="1">
         <a:spcBef>
           <a:spcPct val="20000"/>
         </a:spcBef>
-        <a:buFont typeface="Arial" pitchFamily="34" charset="0"/>
-        <a:buChar char="–"/>
-        <a:defRPr sz="2000" kern="1200">
+        <a:buClr>
+          <a:schemeClr val="accent3"/>
+        </a:buClr>
+        <a:buFont typeface="Wingdings 3"/>
+        <a:buChar char=""/>
+        <a:defRPr kumimoji="0" sz="2200" kern="1200">
           <a:solidFill>
             <a:schemeClr val="tx1"/>
           </a:solidFill>
@@ -2840,13 +6274,16 @@
           <a:cs typeface="+mn-cs"/>
         </a:defRPr>
       </a:lvl4pPr>
-      <a:lvl5pPr marL="2057400" indent="-228600" algn="l" defTabSz="914400" rtl="0" eaLnBrk="1" latinLnBrk="0" hangingPunct="1">
+      <a:lvl5pPr marL="1481328" indent="-210312" algn="l" rtl="0" eaLnBrk="1" latinLnBrk="0" hangingPunct="1">
         <a:spcBef>
           <a:spcPct val="20000"/>
         </a:spcBef>
-        <a:buFont typeface="Arial" pitchFamily="34" charset="0"/>
-        <a:buChar char="»"/>
-        <a:defRPr sz="2000" kern="1200">
+        <a:buClr>
+          <a:schemeClr val="accent3"/>
+        </a:buClr>
+        <a:buFont typeface="Wingdings 2"/>
+        <a:buChar char=""/>
+        <a:defRPr kumimoji="0" sz="2000" kern="1200">
           <a:solidFill>
             <a:schemeClr val="tx1"/>
           </a:solidFill>
@@ -2855,13 +6292,16 @@
           <a:cs typeface="+mn-cs"/>
         </a:defRPr>
       </a:lvl5pPr>
-      <a:lvl6pPr marL="2514600" indent="-228600" algn="l" defTabSz="914400" rtl="0" eaLnBrk="1" latinLnBrk="0" hangingPunct="1">
+      <a:lvl6pPr marL="1709928" indent="-210312" algn="l" rtl="0" eaLnBrk="1" latinLnBrk="0" hangingPunct="1">
         <a:spcBef>
           <a:spcPct val="20000"/>
         </a:spcBef>
-        <a:buFont typeface="Arial" pitchFamily="34" charset="0"/>
-        <a:buChar char="•"/>
-        <a:defRPr sz="2000" kern="1200">
+        <a:buClr>
+          <a:schemeClr val="accent3"/>
+        </a:buClr>
+        <a:buFont typeface="Wingdings 2"/>
+        <a:buChar char=""/>
+        <a:defRPr kumimoji="0" sz="1800" kern="1200">
           <a:solidFill>
             <a:schemeClr val="tx1"/>
           </a:solidFill>
@@ -2870,13 +6310,16 @@
           <a:cs typeface="+mn-cs"/>
         </a:defRPr>
       </a:lvl6pPr>
-      <a:lvl7pPr marL="2971800" indent="-228600" algn="l" defTabSz="914400" rtl="0" eaLnBrk="1" latinLnBrk="0" hangingPunct="1">
+      <a:lvl7pPr marL="1901952" indent="-182880" algn="l" rtl="0" eaLnBrk="1" latinLnBrk="0" hangingPunct="1">
         <a:spcBef>
           <a:spcPct val="20000"/>
         </a:spcBef>
-        <a:buFont typeface="Arial" pitchFamily="34" charset="0"/>
-        <a:buChar char="•"/>
-        <a:defRPr sz="2000" kern="1200">
+        <a:buClr>
+          <a:schemeClr val="accent4"/>
+        </a:buClr>
+        <a:buFont typeface="Wingdings 2"/>
+        <a:buChar char=""/>
+        <a:defRPr kumimoji="0" sz="1600" kern="1200">
           <a:solidFill>
             <a:schemeClr val="tx1"/>
           </a:solidFill>
@@ -2885,13 +6328,16 @@
           <a:cs typeface="+mn-cs"/>
         </a:defRPr>
       </a:lvl7pPr>
-      <a:lvl8pPr marL="3429000" indent="-228600" algn="l" defTabSz="914400" rtl="0" eaLnBrk="1" latinLnBrk="0" hangingPunct="1">
+      <a:lvl8pPr marL="2093976" indent="-182880" algn="l" rtl="0" eaLnBrk="1" latinLnBrk="0" hangingPunct="1">
         <a:spcBef>
           <a:spcPct val="20000"/>
         </a:spcBef>
-        <a:buFont typeface="Arial" pitchFamily="34" charset="0"/>
-        <a:buChar char="•"/>
-        <a:defRPr sz="2000" kern="1200">
+        <a:buClr>
+          <a:schemeClr val="accent4"/>
+        </a:buClr>
+        <a:buFont typeface="Wingdings 2"/>
+        <a:buChar char=""/>
+        <a:defRPr kumimoji="0" sz="1600" kern="1200">
           <a:solidFill>
             <a:schemeClr val="tx1"/>
           </a:solidFill>
@@ -2900,13 +6346,16 @@
           <a:cs typeface="+mn-cs"/>
         </a:defRPr>
       </a:lvl8pPr>
-      <a:lvl9pPr marL="3886200" indent="-228600" algn="l" defTabSz="914400" rtl="0" eaLnBrk="1" latinLnBrk="0" hangingPunct="1">
+      <a:lvl9pPr marL="2286000" indent="-182880" algn="l" rtl="0" eaLnBrk="1" latinLnBrk="0" hangingPunct="1">
         <a:spcBef>
           <a:spcPct val="20000"/>
         </a:spcBef>
-        <a:buFont typeface="Arial" pitchFamily="34" charset="0"/>
-        <a:buChar char="•"/>
-        <a:defRPr sz="2000" kern="1200">
+        <a:buClr>
+          <a:schemeClr val="accent4"/>
+        </a:buClr>
+        <a:buFont typeface="Wingdings 2"/>
+        <a:buChar char=""/>
+        <a:defRPr kumimoji="0" sz="1600" kern="1200">
           <a:solidFill>
             <a:schemeClr val="tx1"/>
           </a:solidFill>
@@ -2915,13 +6364,11 @@
           <a:cs typeface="+mn-cs"/>
         </a:defRPr>
       </a:lvl9pPr>
+      <a:extLst/>
     </p:bodyStyle>
     <p:otherStyle>
-      <a:defPPr>
-        <a:defRPr lang="ru-RU"/>
-      </a:defPPr>
-      <a:lvl1pPr marL="0" algn="l" defTabSz="914400" rtl="0" eaLnBrk="1" latinLnBrk="0" hangingPunct="1">
-        <a:defRPr sz="1800" kern="1200">
+      <a:lvl1pPr marL="0" algn="l" rtl="0" eaLnBrk="1" latinLnBrk="0" hangingPunct="1">
+        <a:defRPr kumimoji="0" kern="1200">
           <a:solidFill>
             <a:schemeClr val="tx1"/>
           </a:solidFill>
@@ -2930,8 +6377,8 @@
           <a:cs typeface="+mn-cs"/>
         </a:defRPr>
       </a:lvl1pPr>
-      <a:lvl2pPr marL="457200" algn="l" defTabSz="914400" rtl="0" eaLnBrk="1" latinLnBrk="0" hangingPunct="1">
-        <a:defRPr sz="1800" kern="1200">
+      <a:lvl2pPr marL="457200" algn="l" rtl="0" eaLnBrk="1" latinLnBrk="0" hangingPunct="1">
+        <a:defRPr kumimoji="0" kern="1200">
           <a:solidFill>
             <a:schemeClr val="tx1"/>
           </a:solidFill>
@@ -2940,8 +6387,8 @@
           <a:cs typeface="+mn-cs"/>
         </a:defRPr>
       </a:lvl2pPr>
-      <a:lvl3pPr marL="914400" algn="l" defTabSz="914400" rtl="0" eaLnBrk="1" latinLnBrk="0" hangingPunct="1">
-        <a:defRPr sz="1800" kern="1200">
+      <a:lvl3pPr marL="914400" algn="l" rtl="0" eaLnBrk="1" latinLnBrk="0" hangingPunct="1">
+        <a:defRPr kumimoji="0" kern="1200">
           <a:solidFill>
             <a:schemeClr val="tx1"/>
           </a:solidFill>
@@ -2950,8 +6397,8 @@
           <a:cs typeface="+mn-cs"/>
         </a:defRPr>
       </a:lvl3pPr>
-      <a:lvl4pPr marL="1371600" algn="l" defTabSz="914400" rtl="0" eaLnBrk="1" latinLnBrk="0" hangingPunct="1">
-        <a:defRPr sz="1800" kern="1200">
+      <a:lvl4pPr marL="1371600" algn="l" rtl="0" eaLnBrk="1" latinLnBrk="0" hangingPunct="1">
+        <a:defRPr kumimoji="0" kern="1200">
           <a:solidFill>
             <a:schemeClr val="tx1"/>
           </a:solidFill>
@@ -2960,8 +6407,8 @@
           <a:cs typeface="+mn-cs"/>
         </a:defRPr>
       </a:lvl4pPr>
-      <a:lvl5pPr marL="1828800" algn="l" defTabSz="914400" rtl="0" eaLnBrk="1" latinLnBrk="0" hangingPunct="1">
-        <a:defRPr sz="1800" kern="1200">
+      <a:lvl5pPr marL="1828800" algn="l" rtl="0" eaLnBrk="1" latinLnBrk="0" hangingPunct="1">
+        <a:defRPr kumimoji="0" kern="1200">
           <a:solidFill>
             <a:schemeClr val="tx1"/>
           </a:solidFill>
@@ -2970,8 +6417,8 @@
           <a:cs typeface="+mn-cs"/>
         </a:defRPr>
       </a:lvl5pPr>
-      <a:lvl6pPr marL="2286000" algn="l" defTabSz="914400" rtl="0" eaLnBrk="1" latinLnBrk="0" hangingPunct="1">
-        <a:defRPr sz="1800" kern="1200">
+      <a:lvl6pPr marL="2286000" algn="l" rtl="0" eaLnBrk="1" latinLnBrk="0" hangingPunct="1">
+        <a:defRPr kumimoji="0" kern="1200">
           <a:solidFill>
             <a:schemeClr val="tx1"/>
           </a:solidFill>
@@ -2980,8 +6427,8 @@
           <a:cs typeface="+mn-cs"/>
         </a:defRPr>
       </a:lvl6pPr>
-      <a:lvl7pPr marL="2743200" algn="l" defTabSz="914400" rtl="0" eaLnBrk="1" latinLnBrk="0" hangingPunct="1">
-        <a:defRPr sz="1800" kern="1200">
+      <a:lvl7pPr marL="2743200" algn="l" rtl="0" eaLnBrk="1" latinLnBrk="0" hangingPunct="1">
+        <a:defRPr kumimoji="0" kern="1200">
           <a:solidFill>
             <a:schemeClr val="tx1"/>
           </a:solidFill>
@@ -2990,8 +6437,8 @@
           <a:cs typeface="+mn-cs"/>
         </a:defRPr>
       </a:lvl7pPr>
-      <a:lvl8pPr marL="3200400" algn="l" defTabSz="914400" rtl="0" eaLnBrk="1" latinLnBrk="0" hangingPunct="1">
-        <a:defRPr sz="1800" kern="1200">
+      <a:lvl8pPr marL="3200400" algn="l" rtl="0" eaLnBrk="1" latinLnBrk="0" hangingPunct="1">
+        <a:defRPr kumimoji="0" kern="1200">
           <a:solidFill>
             <a:schemeClr val="tx1"/>
           </a:solidFill>
@@ -3000,8 +6447,8 @@
           <a:cs typeface="+mn-cs"/>
         </a:defRPr>
       </a:lvl8pPr>
-      <a:lvl9pPr marL="3657600" algn="l" defTabSz="914400" rtl="0" eaLnBrk="1" latinLnBrk="0" hangingPunct="1">
-        <a:defRPr sz="1800" kern="1200">
+      <a:lvl9pPr marL="3657600" algn="l" rtl="0" eaLnBrk="1" latinLnBrk="0" hangingPunct="1">
+        <a:defRPr kumimoji="0" kern="1200">
           <a:solidFill>
             <a:schemeClr val="tx1"/>
           </a:solidFill>
@@ -3010,15 +6457,1712 @@
           <a:cs typeface="+mn-cs"/>
         </a:defRPr>
       </a:lvl9pPr>
+      <a:extLst/>
     </p:otherStyle>
   </p:txStyles>
 </p:sldMaster>
 </file>
 
+<file path=ppt/slides/slide1.xml><?xml version="1.0" encoding="utf-8"?>
+<p:sld xmlns:a="http://schemas.openxmlformats.org/drawingml/2006/main" xmlns:r="http://schemas.openxmlformats.org/officeDocument/2006/relationships" xmlns:p="http://schemas.openxmlformats.org/presentationml/2006/main">
+  <p:cSld>
+    <p:spTree>
+      <p:nvGrpSpPr>
+        <p:cNvPr id="1" name=""/>
+        <p:cNvGrpSpPr/>
+        <p:nvPr/>
+      </p:nvGrpSpPr>
+      <p:grpSpPr>
+        <a:xfrm>
+          <a:off x="0" y="0"/>
+          <a:ext cx="0" cy="0"/>
+          <a:chOff x="0" y="0"/>
+          <a:chExt cx="0" cy="0"/>
+        </a:xfrm>
+      </p:grpSpPr>
+      <p:sp>
+        <p:nvSpPr>
+          <p:cNvPr id="2" name="Заголовок 1"/>
+          <p:cNvSpPr>
+            <a:spLocks noGrp="1"/>
+          </p:cNvSpPr>
+          <p:nvPr>
+            <p:ph type="ctrTitle"/>
+          </p:nvPr>
+        </p:nvSpPr>
+        <p:spPr/>
+        <p:txBody>
+          <a:bodyPr/>
+          <a:lstStyle/>
+          <a:p>
+            <a:r>
+              <a:rPr lang="en-US" dirty="0" err="1" smtClean="0">
+                <a:latin typeface="Times New Roman" pitchFamily="18" charset="0"/>
+                <a:cs typeface="Times New Roman" pitchFamily="18" charset="0"/>
+              </a:rPr>
+              <a:t>Abilympics</a:t>
+            </a:r>
+            <a:r>
+              <a:rPr lang="en-US" dirty="0" smtClean="0">
+                <a:latin typeface="Times New Roman" pitchFamily="18" charset="0"/>
+                <a:cs typeface="Times New Roman" pitchFamily="18" charset="0"/>
+              </a:rPr>
+              <a:t>-Final 2019</a:t>
+            </a:r>
+            <a:endParaRPr lang="ru-RU" dirty="0">
+              <a:latin typeface="Times New Roman" pitchFamily="18" charset="0"/>
+              <a:cs typeface="Times New Roman" pitchFamily="18" charset="0"/>
+            </a:endParaRPr>
+          </a:p>
+        </p:txBody>
+      </p:sp>
+      <p:sp>
+        <p:nvSpPr>
+          <p:cNvPr id="3" name="Подзаголовок 2"/>
+          <p:cNvSpPr>
+            <a:spLocks noGrp="1"/>
+          </p:cNvSpPr>
+          <p:nvPr>
+            <p:ph type="subTitle" idx="1"/>
+          </p:nvPr>
+        </p:nvSpPr>
+        <p:spPr/>
+        <p:txBody>
+          <a:bodyPr/>
+          <a:lstStyle/>
+          <a:p>
+            <a:r>
+              <a:rPr lang="ru-RU" dirty="0" smtClean="0">
+                <a:latin typeface="Times New Roman" pitchFamily="18" charset="0"/>
+                <a:cs typeface="Times New Roman" pitchFamily="18" charset="0"/>
+              </a:rPr>
+              <a:t>Выполнил участник чемпионата </a:t>
+            </a:r>
+            <a:r>
+              <a:rPr lang="en-US" dirty="0" err="1" smtClean="0">
+                <a:latin typeface="Times New Roman" pitchFamily="18" charset="0"/>
+                <a:cs typeface="Times New Roman" pitchFamily="18" charset="0"/>
+              </a:rPr>
+              <a:t>Abilympics</a:t>
+            </a:r>
+            <a:r>
+              <a:rPr lang="en-US" dirty="0" smtClean="0">
+                <a:latin typeface="Times New Roman" pitchFamily="18" charset="0"/>
+                <a:cs typeface="Times New Roman" pitchFamily="18" charset="0"/>
+              </a:rPr>
+              <a:t>: </a:t>
+            </a:r>
+            <a:r>
+              <a:rPr lang="ru-RU" dirty="0" err="1" smtClean="0">
+                <a:latin typeface="Times New Roman" pitchFamily="18" charset="0"/>
+                <a:cs typeface="Times New Roman" pitchFamily="18" charset="0"/>
+              </a:rPr>
+              <a:t>Мамыкин</a:t>
+            </a:r>
+            <a:r>
+              <a:rPr lang="ru-RU" dirty="0" smtClean="0">
+                <a:latin typeface="Times New Roman" pitchFamily="18" charset="0"/>
+                <a:cs typeface="Times New Roman" pitchFamily="18" charset="0"/>
+              </a:rPr>
+              <a:t> Г.П.</a:t>
+            </a:r>
+            <a:endParaRPr lang="ru-RU" dirty="0">
+              <a:latin typeface="Times New Roman" pitchFamily="18" charset="0"/>
+              <a:cs typeface="Times New Roman" pitchFamily="18" charset="0"/>
+            </a:endParaRPr>
+          </a:p>
+        </p:txBody>
+      </p:sp>
+    </p:spTree>
+  </p:cSld>
+  <p:clrMapOvr>
+    <a:masterClrMapping/>
+  </p:clrMapOvr>
+  <p:transition>
+    <p:wedge/>
+  </p:transition>
+</p:sld>
+</file>
+
+<file path=ppt/slides/slide10.xml><?xml version="1.0" encoding="utf-8"?>
+<p:sld xmlns:a="http://schemas.openxmlformats.org/drawingml/2006/main" xmlns:r="http://schemas.openxmlformats.org/officeDocument/2006/relationships" xmlns:p="http://schemas.openxmlformats.org/presentationml/2006/main">
+  <p:cSld>
+    <p:spTree>
+      <p:nvGrpSpPr>
+        <p:cNvPr id="1" name=""/>
+        <p:cNvGrpSpPr/>
+        <p:nvPr/>
+      </p:nvGrpSpPr>
+      <p:grpSpPr>
+        <a:xfrm>
+          <a:off x="0" y="0"/>
+          <a:ext cx="0" cy="0"/>
+          <a:chOff x="0" y="0"/>
+          <a:chExt cx="0" cy="0"/>
+        </a:xfrm>
+      </p:grpSpPr>
+      <p:sp>
+        <p:nvSpPr>
+          <p:cNvPr id="2" name="Заголовок 1"/>
+          <p:cNvSpPr>
+            <a:spLocks noGrp="1"/>
+          </p:cNvSpPr>
+          <p:nvPr>
+            <p:ph type="title"/>
+          </p:nvPr>
+        </p:nvSpPr>
+        <p:spPr/>
+        <p:txBody>
+          <a:bodyPr/>
+          <a:lstStyle/>
+          <a:p>
+            <a:r>
+              <a:rPr lang="ru-RU" dirty="0" smtClean="0">
+                <a:latin typeface="Times New Roman" pitchFamily="18" charset="0"/>
+                <a:cs typeface="Times New Roman" pitchFamily="18" charset="0"/>
+              </a:rPr>
+              <a:t>Демонстрация работы приложения</a:t>
+            </a:r>
+            <a:endParaRPr lang="ru-RU" dirty="0">
+              <a:latin typeface="Times New Roman" pitchFamily="18" charset="0"/>
+              <a:cs typeface="Times New Roman" pitchFamily="18" charset="0"/>
+            </a:endParaRPr>
+          </a:p>
+        </p:txBody>
+      </p:sp>
+      <p:sp>
+        <p:nvSpPr>
+          <p:cNvPr id="3" name="Содержимое 2"/>
+          <p:cNvSpPr>
+            <a:spLocks noGrp="1"/>
+          </p:cNvSpPr>
+          <p:nvPr>
+            <p:ph idx="1"/>
+          </p:nvPr>
+        </p:nvSpPr>
+        <p:spPr/>
+        <p:txBody>
+          <a:bodyPr/>
+          <a:lstStyle/>
+          <a:p>
+            <a:pPr marL="0" indent="268288">
+              <a:buNone/>
+            </a:pPr>
+            <a:r>
+              <a:rPr lang="ru-RU" dirty="0" smtClean="0">
+                <a:latin typeface="Times New Roman" pitchFamily="18" charset="0"/>
+                <a:cs typeface="Times New Roman" pitchFamily="18" charset="0"/>
+              </a:rPr>
+              <a:t>Форма меню специалиста:</a:t>
+            </a:r>
+            <a:endParaRPr lang="ru-RU" dirty="0">
+              <a:latin typeface="Times New Roman" pitchFamily="18" charset="0"/>
+              <a:cs typeface="Times New Roman" pitchFamily="18" charset="0"/>
+            </a:endParaRPr>
+          </a:p>
+        </p:txBody>
+      </p:sp>
+      <p:pic>
+        <p:nvPicPr>
+          <p:cNvPr id="6146" name="Picture 2"/>
+          <p:cNvPicPr>
+            <a:picLocks noChangeAspect="1" noChangeArrowheads="1"/>
+          </p:cNvPicPr>
+          <p:nvPr/>
+        </p:nvPicPr>
+        <p:blipFill>
+          <a:blip r:embed="rId2" cstate="print"/>
+          <a:srcRect/>
+          <a:stretch>
+            <a:fillRect/>
+          </a:stretch>
+        </p:blipFill>
+        <p:spPr bwMode="auto">
+          <a:xfrm>
+            <a:off x="500034" y="2500306"/>
+            <a:ext cx="4143403" cy="2701797"/>
+          </a:xfrm>
+          <a:prstGeom prst="rect">
+            <a:avLst/>
+          </a:prstGeom>
+          <a:noFill/>
+          <a:ln w="9525">
+            <a:noFill/>
+            <a:miter lim="800000"/>
+            <a:headEnd/>
+            <a:tailEnd/>
+          </a:ln>
+          <a:effectLst/>
+        </p:spPr>
+      </p:pic>
+      <p:pic>
+        <p:nvPicPr>
+          <p:cNvPr id="6147" name="Picture 3"/>
+          <p:cNvPicPr>
+            <a:picLocks noChangeAspect="1" noChangeArrowheads="1"/>
+          </p:cNvPicPr>
+          <p:nvPr/>
+        </p:nvPicPr>
+        <p:blipFill>
+          <a:blip r:embed="rId3" cstate="print"/>
+          <a:srcRect/>
+          <a:stretch>
+            <a:fillRect/>
+          </a:stretch>
+        </p:blipFill>
+        <p:spPr bwMode="auto">
+          <a:xfrm>
+            <a:off x="4786314" y="2500306"/>
+            <a:ext cx="4230511" cy="2719379"/>
+          </a:xfrm>
+          <a:prstGeom prst="rect">
+            <a:avLst/>
+          </a:prstGeom>
+          <a:noFill/>
+          <a:ln w="9525">
+            <a:noFill/>
+            <a:miter lim="800000"/>
+            <a:headEnd/>
+            <a:tailEnd/>
+          </a:ln>
+          <a:effectLst/>
+        </p:spPr>
+      </p:pic>
+    </p:spTree>
+  </p:cSld>
+  <p:clrMapOvr>
+    <a:masterClrMapping/>
+  </p:clrMapOvr>
+</p:sld>
+</file>
+
+<file path=ppt/slides/slide11.xml><?xml version="1.0" encoding="utf-8"?>
+<p:sld xmlns:a="http://schemas.openxmlformats.org/drawingml/2006/main" xmlns:r="http://schemas.openxmlformats.org/officeDocument/2006/relationships" xmlns:p="http://schemas.openxmlformats.org/presentationml/2006/main">
+  <p:cSld>
+    <p:spTree>
+      <p:nvGrpSpPr>
+        <p:cNvPr id="1" name=""/>
+        <p:cNvGrpSpPr/>
+        <p:nvPr/>
+      </p:nvGrpSpPr>
+      <p:grpSpPr>
+        <a:xfrm>
+          <a:off x="0" y="0"/>
+          <a:ext cx="0" cy="0"/>
+          <a:chOff x="0" y="0"/>
+          <a:chExt cx="0" cy="0"/>
+        </a:xfrm>
+      </p:grpSpPr>
+      <p:sp>
+        <p:nvSpPr>
+          <p:cNvPr id="2" name="Заголовок 1"/>
+          <p:cNvSpPr>
+            <a:spLocks noGrp="1"/>
+          </p:cNvSpPr>
+          <p:nvPr>
+            <p:ph type="title"/>
+          </p:nvPr>
+        </p:nvSpPr>
+        <p:spPr/>
+        <p:txBody>
+          <a:bodyPr/>
+          <a:lstStyle/>
+          <a:p>
+            <a:r>
+              <a:rPr lang="ru-RU" dirty="0" smtClean="0">
+                <a:latin typeface="Times New Roman" pitchFamily="18" charset="0"/>
+                <a:cs typeface="Times New Roman" pitchFamily="18" charset="0"/>
+              </a:rPr>
+              <a:t>Демонстрация работы приложения</a:t>
+            </a:r>
+            <a:endParaRPr lang="ru-RU" dirty="0">
+              <a:latin typeface="Times New Roman" pitchFamily="18" charset="0"/>
+              <a:cs typeface="Times New Roman" pitchFamily="18" charset="0"/>
+            </a:endParaRPr>
+          </a:p>
+        </p:txBody>
+      </p:sp>
+      <p:sp>
+        <p:nvSpPr>
+          <p:cNvPr id="3" name="Содержимое 2"/>
+          <p:cNvSpPr>
+            <a:spLocks noGrp="1"/>
+          </p:cNvSpPr>
+          <p:nvPr>
+            <p:ph idx="1"/>
+          </p:nvPr>
+        </p:nvSpPr>
+        <p:spPr/>
+        <p:txBody>
+          <a:bodyPr/>
+          <a:lstStyle/>
+          <a:p>
+            <a:pPr marL="0" indent="268288">
+              <a:buNone/>
+            </a:pPr>
+            <a:r>
+              <a:rPr lang="ru-RU" dirty="0" smtClean="0">
+                <a:latin typeface="Times New Roman" pitchFamily="18" charset="0"/>
+                <a:cs typeface="Times New Roman" pitchFamily="18" charset="0"/>
+              </a:rPr>
+              <a:t>Форма меню специалиста:</a:t>
+            </a:r>
+            <a:endParaRPr lang="ru-RU" dirty="0">
+              <a:latin typeface="Times New Roman" pitchFamily="18" charset="0"/>
+              <a:cs typeface="Times New Roman" pitchFamily="18" charset="0"/>
+            </a:endParaRPr>
+          </a:p>
+        </p:txBody>
+      </p:sp>
+      <p:pic>
+        <p:nvPicPr>
+          <p:cNvPr id="7170" name="Picture 2"/>
+          <p:cNvPicPr>
+            <a:picLocks noChangeAspect="1" noChangeArrowheads="1"/>
+          </p:cNvPicPr>
+          <p:nvPr/>
+        </p:nvPicPr>
+        <p:blipFill>
+          <a:blip r:embed="rId2" cstate="print"/>
+          <a:srcRect/>
+          <a:stretch>
+            <a:fillRect/>
+          </a:stretch>
+        </p:blipFill>
+        <p:spPr bwMode="auto">
+          <a:xfrm>
+            <a:off x="571472" y="2428868"/>
+            <a:ext cx="4043765" cy="2618018"/>
+          </a:xfrm>
+          <a:prstGeom prst="rect">
+            <a:avLst/>
+          </a:prstGeom>
+          <a:noFill/>
+          <a:ln w="9525">
+            <a:noFill/>
+            <a:miter lim="800000"/>
+            <a:headEnd/>
+            <a:tailEnd/>
+          </a:ln>
+          <a:effectLst/>
+        </p:spPr>
+      </p:pic>
+      <p:pic>
+        <p:nvPicPr>
+          <p:cNvPr id="7171" name="Picture 3"/>
+          <p:cNvPicPr>
+            <a:picLocks noChangeAspect="1" noChangeArrowheads="1"/>
+          </p:cNvPicPr>
+          <p:nvPr/>
+        </p:nvPicPr>
+        <p:blipFill>
+          <a:blip r:embed="rId3" cstate="print"/>
+          <a:srcRect/>
+          <a:stretch>
+            <a:fillRect/>
+          </a:stretch>
+        </p:blipFill>
+        <p:spPr bwMode="auto">
+          <a:xfrm>
+            <a:off x="4714876" y="2428868"/>
+            <a:ext cx="3921095" cy="2571768"/>
+          </a:xfrm>
+          <a:prstGeom prst="rect">
+            <a:avLst/>
+          </a:prstGeom>
+          <a:noFill/>
+          <a:ln w="9525">
+            <a:noFill/>
+            <a:miter lim="800000"/>
+            <a:headEnd/>
+            <a:tailEnd/>
+          </a:ln>
+          <a:effectLst/>
+        </p:spPr>
+      </p:pic>
+    </p:spTree>
+  </p:cSld>
+  <p:clrMapOvr>
+    <a:masterClrMapping/>
+  </p:clrMapOvr>
+</p:sld>
+</file>
+
+<file path=ppt/slides/slide12.xml><?xml version="1.0" encoding="utf-8"?>
+<p:sld xmlns:a="http://schemas.openxmlformats.org/drawingml/2006/main" xmlns:r="http://schemas.openxmlformats.org/officeDocument/2006/relationships" xmlns:p="http://schemas.openxmlformats.org/presentationml/2006/main">
+  <p:cSld>
+    <p:spTree>
+      <p:nvGrpSpPr>
+        <p:cNvPr id="1" name=""/>
+        <p:cNvGrpSpPr/>
+        <p:nvPr/>
+      </p:nvGrpSpPr>
+      <p:grpSpPr>
+        <a:xfrm>
+          <a:off x="0" y="0"/>
+          <a:ext cx="0" cy="0"/>
+          <a:chOff x="0" y="0"/>
+          <a:chExt cx="0" cy="0"/>
+        </a:xfrm>
+      </p:grpSpPr>
+      <p:sp>
+        <p:nvSpPr>
+          <p:cNvPr id="2" name="Заголовок 1"/>
+          <p:cNvSpPr>
+            <a:spLocks noGrp="1"/>
+          </p:cNvSpPr>
+          <p:nvPr>
+            <p:ph type="title"/>
+          </p:nvPr>
+        </p:nvSpPr>
+        <p:spPr/>
+        <p:txBody>
+          <a:bodyPr/>
+          <a:lstStyle/>
+          <a:p>
+            <a:r>
+              <a:rPr lang="ru-RU" dirty="0" smtClean="0">
+                <a:latin typeface="Times New Roman" pitchFamily="18" charset="0"/>
+                <a:cs typeface="Times New Roman" pitchFamily="18" charset="0"/>
+              </a:rPr>
+              <a:t>Демонстрация работы приложения</a:t>
+            </a:r>
+            <a:endParaRPr lang="ru-RU" dirty="0">
+              <a:latin typeface="Times New Roman" pitchFamily="18" charset="0"/>
+              <a:cs typeface="Times New Roman" pitchFamily="18" charset="0"/>
+            </a:endParaRPr>
+          </a:p>
+        </p:txBody>
+      </p:sp>
+      <p:sp>
+        <p:nvSpPr>
+          <p:cNvPr id="3" name="Содержимое 2"/>
+          <p:cNvSpPr>
+            <a:spLocks noGrp="1"/>
+          </p:cNvSpPr>
+          <p:nvPr>
+            <p:ph idx="1"/>
+          </p:nvPr>
+        </p:nvSpPr>
+        <p:spPr/>
+        <p:txBody>
+          <a:bodyPr/>
+          <a:lstStyle/>
+          <a:p>
+            <a:pPr marL="0" indent="268288">
+              <a:buNone/>
+            </a:pPr>
+            <a:r>
+              <a:rPr lang="ru-RU" dirty="0" smtClean="0">
+                <a:latin typeface="Times New Roman" pitchFamily="18" charset="0"/>
+                <a:cs typeface="Times New Roman" pitchFamily="18" charset="0"/>
+              </a:rPr>
+              <a:t>Код формы меню специалиста:</a:t>
+            </a:r>
+            <a:endParaRPr lang="ru-RU" dirty="0">
+              <a:latin typeface="Times New Roman" pitchFamily="18" charset="0"/>
+              <a:cs typeface="Times New Roman" pitchFamily="18" charset="0"/>
+            </a:endParaRPr>
+          </a:p>
+        </p:txBody>
+      </p:sp>
+      <p:pic>
+        <p:nvPicPr>
+          <p:cNvPr id="8194" name="Picture 2"/>
+          <p:cNvPicPr>
+            <a:picLocks noChangeAspect="1" noChangeArrowheads="1"/>
+          </p:cNvPicPr>
+          <p:nvPr/>
+        </p:nvPicPr>
+        <p:blipFill>
+          <a:blip r:embed="rId2"/>
+          <a:srcRect/>
+          <a:stretch>
+            <a:fillRect/>
+          </a:stretch>
+        </p:blipFill>
+        <p:spPr bwMode="auto">
+          <a:xfrm>
+            <a:off x="1142976" y="2571744"/>
+            <a:ext cx="5878170" cy="3786190"/>
+          </a:xfrm>
+          <a:prstGeom prst="rect">
+            <a:avLst/>
+          </a:prstGeom>
+          <a:noFill/>
+          <a:ln w="9525">
+            <a:noFill/>
+            <a:miter lim="800000"/>
+            <a:headEnd/>
+            <a:tailEnd/>
+          </a:ln>
+          <a:effectLst/>
+        </p:spPr>
+      </p:pic>
+    </p:spTree>
+  </p:cSld>
+  <p:clrMapOvr>
+    <a:masterClrMapping/>
+  </p:clrMapOvr>
+</p:sld>
+</file>
+
+<file path=ppt/slides/slide13.xml><?xml version="1.0" encoding="utf-8"?>
+<p:sld xmlns:a="http://schemas.openxmlformats.org/drawingml/2006/main" xmlns:r="http://schemas.openxmlformats.org/officeDocument/2006/relationships" xmlns:p="http://schemas.openxmlformats.org/presentationml/2006/main">
+  <p:cSld>
+    <p:spTree>
+      <p:nvGrpSpPr>
+        <p:cNvPr id="1" name=""/>
+        <p:cNvGrpSpPr/>
+        <p:nvPr/>
+      </p:nvGrpSpPr>
+      <p:grpSpPr>
+        <a:xfrm>
+          <a:off x="0" y="0"/>
+          <a:ext cx="0" cy="0"/>
+          <a:chOff x="0" y="0"/>
+          <a:chExt cx="0" cy="0"/>
+        </a:xfrm>
+      </p:grpSpPr>
+      <p:sp>
+        <p:nvSpPr>
+          <p:cNvPr id="2" name="Заголовок 1"/>
+          <p:cNvSpPr>
+            <a:spLocks noGrp="1"/>
+          </p:cNvSpPr>
+          <p:nvPr>
+            <p:ph type="title"/>
+          </p:nvPr>
+        </p:nvSpPr>
+        <p:spPr/>
+        <p:txBody>
+          <a:bodyPr/>
+          <a:lstStyle/>
+          <a:p>
+            <a:r>
+              <a:rPr lang="ru-RU" dirty="0" smtClean="0">
+                <a:latin typeface="Times New Roman" pitchFamily="18" charset="0"/>
+                <a:cs typeface="Times New Roman" pitchFamily="18" charset="0"/>
+              </a:rPr>
+              <a:t>Демонстрация работы приложения</a:t>
+            </a:r>
+            <a:endParaRPr lang="ru-RU" dirty="0">
+              <a:latin typeface="Times New Roman" pitchFamily="18" charset="0"/>
+              <a:cs typeface="Times New Roman" pitchFamily="18" charset="0"/>
+            </a:endParaRPr>
+          </a:p>
+        </p:txBody>
+      </p:sp>
+      <p:sp>
+        <p:nvSpPr>
+          <p:cNvPr id="3" name="Содержимое 2"/>
+          <p:cNvSpPr>
+            <a:spLocks noGrp="1"/>
+          </p:cNvSpPr>
+          <p:nvPr>
+            <p:ph idx="1"/>
+          </p:nvPr>
+        </p:nvSpPr>
+        <p:spPr/>
+        <p:txBody>
+          <a:bodyPr/>
+          <a:lstStyle/>
+          <a:p>
+            <a:pPr marL="0" indent="268288">
+              <a:buNone/>
+            </a:pPr>
+            <a:r>
+              <a:rPr lang="ru-RU" dirty="0" smtClean="0">
+                <a:latin typeface="Times New Roman" pitchFamily="18" charset="0"/>
+                <a:cs typeface="Times New Roman" pitchFamily="18" charset="0"/>
+              </a:rPr>
+              <a:t>Код класса </a:t>
+            </a:r>
+            <a:r>
+              <a:rPr lang="en-US" dirty="0" smtClean="0">
+                <a:latin typeface="Times New Roman" pitchFamily="18" charset="0"/>
+                <a:cs typeface="Times New Roman" pitchFamily="18" charset="0"/>
+              </a:rPr>
+              <a:t>Data:</a:t>
+            </a:r>
+            <a:endParaRPr lang="ru-RU" dirty="0">
+              <a:latin typeface="Times New Roman" pitchFamily="18" charset="0"/>
+              <a:cs typeface="Times New Roman" pitchFamily="18" charset="0"/>
+            </a:endParaRPr>
+          </a:p>
+        </p:txBody>
+      </p:sp>
+      <p:pic>
+        <p:nvPicPr>
+          <p:cNvPr id="9218" name="Picture 2"/>
+          <p:cNvPicPr>
+            <a:picLocks noChangeAspect="1" noChangeArrowheads="1"/>
+          </p:cNvPicPr>
+          <p:nvPr/>
+        </p:nvPicPr>
+        <p:blipFill>
+          <a:blip r:embed="rId2"/>
+          <a:srcRect/>
+          <a:stretch>
+            <a:fillRect/>
+          </a:stretch>
+        </p:blipFill>
+        <p:spPr bwMode="auto">
+          <a:xfrm>
+            <a:off x="1142976" y="2643182"/>
+            <a:ext cx="4602387" cy="2643206"/>
+          </a:xfrm>
+          <a:prstGeom prst="rect">
+            <a:avLst/>
+          </a:prstGeom>
+          <a:noFill/>
+          <a:ln w="9525">
+            <a:noFill/>
+            <a:miter lim="800000"/>
+            <a:headEnd/>
+            <a:tailEnd/>
+          </a:ln>
+          <a:effectLst/>
+        </p:spPr>
+      </p:pic>
+    </p:spTree>
+  </p:cSld>
+  <p:clrMapOvr>
+    <a:masterClrMapping/>
+  </p:clrMapOvr>
+</p:sld>
+</file>
+
+<file path=ppt/slides/slide2.xml><?xml version="1.0" encoding="utf-8"?>
+<p:sld xmlns:a="http://schemas.openxmlformats.org/drawingml/2006/main" xmlns:r="http://schemas.openxmlformats.org/officeDocument/2006/relationships" xmlns:p="http://schemas.openxmlformats.org/presentationml/2006/main">
+  <p:cSld>
+    <p:spTree>
+      <p:nvGrpSpPr>
+        <p:cNvPr id="1" name=""/>
+        <p:cNvGrpSpPr/>
+        <p:nvPr/>
+      </p:nvGrpSpPr>
+      <p:grpSpPr>
+        <a:xfrm>
+          <a:off x="0" y="0"/>
+          <a:ext cx="0" cy="0"/>
+          <a:chOff x="0" y="0"/>
+          <a:chExt cx="0" cy="0"/>
+        </a:xfrm>
+      </p:grpSpPr>
+      <p:sp>
+        <p:nvSpPr>
+          <p:cNvPr id="2" name="Заголовок 1"/>
+          <p:cNvSpPr>
+            <a:spLocks noGrp="1"/>
+          </p:cNvSpPr>
+          <p:nvPr>
+            <p:ph type="title"/>
+          </p:nvPr>
+        </p:nvSpPr>
+        <p:spPr/>
+        <p:txBody>
+          <a:bodyPr/>
+          <a:lstStyle/>
+          <a:p>
+            <a:r>
+              <a:rPr lang="ru-RU" dirty="0" smtClean="0">
+                <a:latin typeface="Times New Roman" pitchFamily="18" charset="0"/>
+                <a:cs typeface="Times New Roman" pitchFamily="18" charset="0"/>
+              </a:rPr>
+              <a:t>Содержание</a:t>
+            </a:r>
+            <a:endParaRPr lang="ru-RU" dirty="0">
+              <a:latin typeface="Times New Roman" pitchFamily="18" charset="0"/>
+              <a:cs typeface="Times New Roman" pitchFamily="18" charset="0"/>
+            </a:endParaRPr>
+          </a:p>
+        </p:txBody>
+      </p:sp>
+      <p:sp>
+        <p:nvSpPr>
+          <p:cNvPr id="3" name="Содержимое 2"/>
+          <p:cNvSpPr>
+            <a:spLocks noGrp="1"/>
+          </p:cNvSpPr>
+          <p:nvPr>
+            <p:ph idx="1"/>
+          </p:nvPr>
+        </p:nvSpPr>
+        <p:spPr/>
+        <p:txBody>
+          <a:bodyPr/>
+          <a:lstStyle/>
+          <a:p>
+            <a:pPr marL="582930" indent="-514350">
+              <a:buFont typeface="+mj-lt"/>
+              <a:buAutoNum type="arabicPeriod"/>
+            </a:pPr>
+            <a:r>
+              <a:rPr lang="ru-RU" dirty="0" smtClean="0">
+                <a:latin typeface="Times New Roman" pitchFamily="18" charset="0"/>
+                <a:cs typeface="Times New Roman" pitchFamily="18" charset="0"/>
+              </a:rPr>
+              <a:t>Используемые средства разработки,</a:t>
+            </a:r>
+          </a:p>
+          <a:p>
+            <a:pPr marL="582930" indent="-514350">
+              <a:buFont typeface="+mj-lt"/>
+              <a:buAutoNum type="arabicPeriod"/>
+            </a:pPr>
+            <a:r>
+              <a:rPr lang="ru-RU" dirty="0" smtClean="0">
+                <a:latin typeface="Times New Roman" pitchFamily="18" charset="0"/>
+                <a:cs typeface="Times New Roman" pitchFamily="18" charset="0"/>
+              </a:rPr>
+              <a:t>Описание приложения,</a:t>
+            </a:r>
+          </a:p>
+          <a:p>
+            <a:pPr marL="582930" indent="-514350">
+              <a:buFont typeface="+mj-lt"/>
+              <a:buAutoNum type="arabicPeriod"/>
+            </a:pPr>
+            <a:r>
+              <a:rPr lang="ru-RU" dirty="0" smtClean="0">
+                <a:latin typeface="Times New Roman" pitchFamily="18" charset="0"/>
+                <a:cs typeface="Times New Roman" pitchFamily="18" charset="0"/>
+              </a:rPr>
+              <a:t>Демонстрация баз данных,</a:t>
+            </a:r>
+          </a:p>
+          <a:p>
+            <a:pPr marL="582930" indent="-514350">
+              <a:buFont typeface="+mj-lt"/>
+              <a:buAutoNum type="arabicPeriod"/>
+            </a:pPr>
+            <a:r>
+              <a:rPr lang="ru-RU" dirty="0" smtClean="0">
+                <a:latin typeface="Times New Roman" pitchFamily="18" charset="0"/>
+                <a:cs typeface="Times New Roman" pitchFamily="18" charset="0"/>
+              </a:rPr>
+              <a:t>Демонстрация работы приложения.</a:t>
+            </a:r>
+          </a:p>
+          <a:p>
+            <a:pPr>
+              <a:buNone/>
+            </a:pPr>
+            <a:endParaRPr lang="ru-RU" dirty="0"/>
+          </a:p>
+        </p:txBody>
+      </p:sp>
+    </p:spTree>
+  </p:cSld>
+  <p:clrMapOvr>
+    <a:masterClrMapping/>
+  </p:clrMapOvr>
+</p:sld>
+</file>
+
+<file path=ppt/slides/slide3.xml><?xml version="1.0" encoding="utf-8"?>
+<p:sld xmlns:a="http://schemas.openxmlformats.org/drawingml/2006/main" xmlns:r="http://schemas.openxmlformats.org/officeDocument/2006/relationships" xmlns:p="http://schemas.openxmlformats.org/presentationml/2006/main">
+  <p:cSld>
+    <p:spTree>
+      <p:nvGrpSpPr>
+        <p:cNvPr id="1" name=""/>
+        <p:cNvGrpSpPr/>
+        <p:nvPr/>
+      </p:nvGrpSpPr>
+      <p:grpSpPr>
+        <a:xfrm>
+          <a:off x="0" y="0"/>
+          <a:ext cx="0" cy="0"/>
+          <a:chOff x="0" y="0"/>
+          <a:chExt cx="0" cy="0"/>
+        </a:xfrm>
+      </p:grpSpPr>
+      <p:sp>
+        <p:nvSpPr>
+          <p:cNvPr id="2" name="Заголовок 1"/>
+          <p:cNvSpPr>
+            <a:spLocks noGrp="1"/>
+          </p:cNvSpPr>
+          <p:nvPr>
+            <p:ph type="title"/>
+          </p:nvPr>
+        </p:nvSpPr>
+        <p:spPr/>
+        <p:txBody>
+          <a:bodyPr/>
+          <a:lstStyle/>
+          <a:p>
+            <a:r>
+              <a:rPr lang="ru-RU" dirty="0" smtClean="0">
+                <a:latin typeface="Times New Roman" pitchFamily="18" charset="0"/>
+                <a:cs typeface="Times New Roman" pitchFamily="18" charset="0"/>
+              </a:rPr>
+              <a:t>Используемые средства разработки</a:t>
+            </a:r>
+            <a:endParaRPr lang="ru-RU" dirty="0">
+              <a:latin typeface="Times New Roman" pitchFamily="18" charset="0"/>
+              <a:cs typeface="Times New Roman" pitchFamily="18" charset="0"/>
+            </a:endParaRPr>
+          </a:p>
+        </p:txBody>
+      </p:sp>
+      <p:sp>
+        <p:nvSpPr>
+          <p:cNvPr id="3" name="Содержимое 2"/>
+          <p:cNvSpPr>
+            <a:spLocks noGrp="1"/>
+          </p:cNvSpPr>
+          <p:nvPr>
+            <p:ph idx="1"/>
+          </p:nvPr>
+        </p:nvSpPr>
+        <p:spPr/>
+        <p:txBody>
+          <a:bodyPr/>
+          <a:lstStyle/>
+          <a:p>
+            <a:pPr marL="0" indent="268288">
+              <a:buNone/>
+            </a:pPr>
+            <a:r>
+              <a:rPr lang="ru-RU" dirty="0" smtClean="0">
+                <a:latin typeface="Times New Roman" pitchFamily="18" charset="0"/>
+                <a:cs typeface="Times New Roman" pitchFamily="18" charset="0"/>
+              </a:rPr>
+              <a:t>Для создания репозитория мной использовалась программа </a:t>
+            </a:r>
+            <a:r>
+              <a:rPr lang="en-US" dirty="0" smtClean="0">
+                <a:latin typeface="Times New Roman" pitchFamily="18" charset="0"/>
+                <a:cs typeface="Times New Roman" pitchFamily="18" charset="0"/>
+              </a:rPr>
+              <a:t>Git.</a:t>
+            </a:r>
+          </a:p>
+          <a:p>
+            <a:pPr marL="0" indent="268288">
+              <a:buNone/>
+            </a:pPr>
+            <a:r>
+              <a:rPr lang="ru-RU" dirty="0" smtClean="0">
+                <a:latin typeface="Times New Roman" pitchFamily="18" charset="0"/>
+                <a:cs typeface="Times New Roman" pitchFamily="18" charset="0"/>
+              </a:rPr>
+              <a:t>Для создания базы данных мной использовалась программа </a:t>
+            </a:r>
+            <a:r>
+              <a:rPr lang="en-US" dirty="0" smtClean="0">
+                <a:latin typeface="Times New Roman" pitchFamily="18" charset="0"/>
+                <a:cs typeface="Times New Roman" pitchFamily="18" charset="0"/>
+              </a:rPr>
+              <a:t>Microsoft SQL Server 2014.</a:t>
+            </a:r>
+          </a:p>
+          <a:p>
+            <a:pPr marL="0" indent="268288">
+              <a:buNone/>
+            </a:pPr>
+            <a:r>
+              <a:rPr lang="ru-RU" dirty="0" smtClean="0">
+                <a:latin typeface="Times New Roman" pitchFamily="18" charset="0"/>
+                <a:cs typeface="Times New Roman" pitchFamily="18" charset="0"/>
+              </a:rPr>
+              <a:t>Для разработки приложения мной использовалась программа </a:t>
+            </a:r>
+            <a:r>
+              <a:rPr lang="en-US" dirty="0" smtClean="0">
+                <a:latin typeface="Times New Roman" pitchFamily="18" charset="0"/>
+                <a:cs typeface="Times New Roman" pitchFamily="18" charset="0"/>
+              </a:rPr>
+              <a:t>Microsoft Visual Studio 2019</a:t>
+            </a:r>
+            <a:r>
+              <a:rPr lang="ru-RU" dirty="0" smtClean="0">
+                <a:latin typeface="Times New Roman" pitchFamily="18" charset="0"/>
+                <a:cs typeface="Times New Roman" pitchFamily="18" charset="0"/>
+              </a:rPr>
+              <a:t> и язык программирования </a:t>
+            </a:r>
+            <a:r>
+              <a:rPr lang="en-US" dirty="0" smtClean="0">
+                <a:latin typeface="Times New Roman" pitchFamily="18" charset="0"/>
+                <a:cs typeface="Times New Roman" pitchFamily="18" charset="0"/>
+              </a:rPr>
+              <a:t>C#.</a:t>
+            </a:r>
+            <a:endParaRPr lang="ru-RU" dirty="0">
+              <a:latin typeface="Times New Roman" pitchFamily="18" charset="0"/>
+              <a:cs typeface="Times New Roman" pitchFamily="18" charset="0"/>
+            </a:endParaRPr>
+          </a:p>
+        </p:txBody>
+      </p:sp>
+    </p:spTree>
+  </p:cSld>
+  <p:clrMapOvr>
+    <a:masterClrMapping/>
+  </p:clrMapOvr>
+</p:sld>
+</file>
+
+<file path=ppt/slides/slide4.xml><?xml version="1.0" encoding="utf-8"?>
+<p:sld xmlns:a="http://schemas.openxmlformats.org/drawingml/2006/main" xmlns:r="http://schemas.openxmlformats.org/officeDocument/2006/relationships" xmlns:p="http://schemas.openxmlformats.org/presentationml/2006/main">
+  <p:cSld>
+    <p:spTree>
+      <p:nvGrpSpPr>
+        <p:cNvPr id="1" name=""/>
+        <p:cNvGrpSpPr/>
+        <p:nvPr/>
+      </p:nvGrpSpPr>
+      <p:grpSpPr>
+        <a:xfrm>
+          <a:off x="0" y="0"/>
+          <a:ext cx="0" cy="0"/>
+          <a:chOff x="0" y="0"/>
+          <a:chExt cx="0" cy="0"/>
+        </a:xfrm>
+      </p:grpSpPr>
+      <p:sp>
+        <p:nvSpPr>
+          <p:cNvPr id="2" name="Заголовок 1"/>
+          <p:cNvSpPr>
+            <a:spLocks noGrp="1"/>
+          </p:cNvSpPr>
+          <p:nvPr>
+            <p:ph type="title"/>
+          </p:nvPr>
+        </p:nvSpPr>
+        <p:spPr/>
+        <p:txBody>
+          <a:bodyPr/>
+          <a:lstStyle/>
+          <a:p>
+            <a:r>
+              <a:rPr lang="ru-RU" dirty="0" smtClean="0"/>
+              <a:t>Описание приложения</a:t>
+            </a:r>
+            <a:endParaRPr lang="ru-RU" dirty="0"/>
+          </a:p>
+        </p:txBody>
+      </p:sp>
+      <p:sp>
+        <p:nvSpPr>
+          <p:cNvPr id="3" name="Содержимое 2"/>
+          <p:cNvSpPr>
+            <a:spLocks noGrp="1"/>
+          </p:cNvSpPr>
+          <p:nvPr>
+            <p:ph idx="1"/>
+          </p:nvPr>
+        </p:nvSpPr>
+        <p:spPr/>
+        <p:txBody>
+          <a:bodyPr>
+            <a:noAutofit/>
+          </a:bodyPr>
+          <a:lstStyle/>
+          <a:p>
+            <a:pPr marL="0" indent="268288">
+              <a:buNone/>
+            </a:pPr>
+            <a:r>
+              <a:rPr lang="ru-RU" sz="2800" dirty="0" smtClean="0">
+                <a:latin typeface="Times New Roman" pitchFamily="18" charset="0"/>
+                <a:cs typeface="Times New Roman" pitchFamily="18" charset="0"/>
+              </a:rPr>
+              <a:t>Приложение предназначено для автоматизации работы технической работы предприятия. В приложении 3 типа ролей пользователей: сотрудник, специалист технической поддержки и техник. Приложение разработано таким образом, что сотрудник организации может оставить заявку через форму на ремонт компьютера, установку ПО, замену оборудования и прочее, а специалист технической поддержки может обработать полученную </a:t>
+            </a:r>
+            <a:r>
+              <a:rPr lang="ru-RU" sz="2800" dirty="0" smtClean="0">
+                <a:latin typeface="Times New Roman" pitchFamily="18" charset="0"/>
+                <a:cs typeface="Times New Roman" pitchFamily="18" charset="0"/>
+              </a:rPr>
+              <a:t>заявку</a:t>
+            </a:r>
+            <a:r>
+              <a:rPr lang="ru-RU" sz="2800" dirty="0" smtClean="0">
+                <a:latin typeface="Times New Roman" pitchFamily="18" charset="0"/>
+                <a:cs typeface="Times New Roman" pitchFamily="18" charset="0"/>
+              </a:rPr>
+              <a:t>.</a:t>
+            </a:r>
+          </a:p>
+        </p:txBody>
+      </p:sp>
+    </p:spTree>
+  </p:cSld>
+  <p:clrMapOvr>
+    <a:masterClrMapping/>
+  </p:clrMapOvr>
+</p:sld>
+</file>
+
+<file path=ppt/slides/slide5.xml><?xml version="1.0" encoding="utf-8"?>
+<p:sld xmlns:a="http://schemas.openxmlformats.org/drawingml/2006/main" xmlns:r="http://schemas.openxmlformats.org/officeDocument/2006/relationships" xmlns:p="http://schemas.openxmlformats.org/presentationml/2006/main">
+  <p:cSld>
+    <p:spTree>
+      <p:nvGrpSpPr>
+        <p:cNvPr id="1" name=""/>
+        <p:cNvGrpSpPr/>
+        <p:nvPr/>
+      </p:nvGrpSpPr>
+      <p:grpSpPr>
+        <a:xfrm>
+          <a:off x="0" y="0"/>
+          <a:ext cx="0" cy="0"/>
+          <a:chOff x="0" y="0"/>
+          <a:chExt cx="0" cy="0"/>
+        </a:xfrm>
+      </p:grpSpPr>
+      <p:sp>
+        <p:nvSpPr>
+          <p:cNvPr id="2" name="Заголовок 1"/>
+          <p:cNvSpPr>
+            <a:spLocks noGrp="1"/>
+          </p:cNvSpPr>
+          <p:nvPr>
+            <p:ph type="title"/>
+          </p:nvPr>
+        </p:nvSpPr>
+        <p:spPr/>
+        <p:txBody>
+          <a:bodyPr/>
+          <a:lstStyle/>
+          <a:p>
+            <a:r>
+              <a:rPr lang="ru-RU" dirty="0" smtClean="0">
+                <a:latin typeface="Times New Roman" pitchFamily="18" charset="0"/>
+                <a:cs typeface="Times New Roman" pitchFamily="18" charset="0"/>
+              </a:rPr>
+              <a:t>Демонстрация баз данных</a:t>
+            </a:r>
+            <a:endParaRPr lang="ru-RU" dirty="0">
+              <a:latin typeface="Times New Roman" pitchFamily="18" charset="0"/>
+              <a:cs typeface="Times New Roman" pitchFamily="18" charset="0"/>
+            </a:endParaRPr>
+          </a:p>
+        </p:txBody>
+      </p:sp>
+      <p:sp>
+        <p:nvSpPr>
+          <p:cNvPr id="3" name="Содержимое 2"/>
+          <p:cNvSpPr>
+            <a:spLocks noGrp="1"/>
+          </p:cNvSpPr>
+          <p:nvPr>
+            <p:ph idx="1"/>
+          </p:nvPr>
+        </p:nvSpPr>
+        <p:spPr/>
+        <p:txBody>
+          <a:bodyPr/>
+          <a:lstStyle/>
+          <a:p>
+            <a:pPr marL="0" indent="268288">
+              <a:buNone/>
+            </a:pPr>
+            <a:r>
+              <a:rPr lang="ru-RU" dirty="0" smtClean="0">
+                <a:latin typeface="Times New Roman" pitchFamily="18" charset="0"/>
+                <a:cs typeface="Times New Roman" pitchFamily="18" charset="0"/>
+              </a:rPr>
+              <a:t>Схема базы данных:</a:t>
+            </a:r>
+            <a:endParaRPr lang="ru-RU" dirty="0">
+              <a:latin typeface="Times New Roman" pitchFamily="18" charset="0"/>
+              <a:cs typeface="Times New Roman" pitchFamily="18" charset="0"/>
+            </a:endParaRPr>
+          </a:p>
+        </p:txBody>
+      </p:sp>
+      <p:pic>
+        <p:nvPicPr>
+          <p:cNvPr id="1026" name="Picture 2"/>
+          <p:cNvPicPr>
+            <a:picLocks noChangeAspect="1" noChangeArrowheads="1"/>
+          </p:cNvPicPr>
+          <p:nvPr/>
+        </p:nvPicPr>
+        <p:blipFill>
+          <a:blip r:embed="rId2"/>
+          <a:srcRect/>
+          <a:stretch>
+            <a:fillRect/>
+          </a:stretch>
+        </p:blipFill>
+        <p:spPr bwMode="auto">
+          <a:xfrm>
+            <a:off x="1714480" y="2500306"/>
+            <a:ext cx="6286484" cy="3935886"/>
+          </a:xfrm>
+          <a:prstGeom prst="rect">
+            <a:avLst/>
+          </a:prstGeom>
+          <a:noFill/>
+          <a:ln w="9525">
+            <a:noFill/>
+            <a:miter lim="800000"/>
+            <a:headEnd/>
+            <a:tailEnd/>
+          </a:ln>
+          <a:effectLst/>
+        </p:spPr>
+      </p:pic>
+    </p:spTree>
+  </p:cSld>
+  <p:clrMapOvr>
+    <a:masterClrMapping/>
+  </p:clrMapOvr>
+</p:sld>
+</file>
+
+<file path=ppt/slides/slide6.xml><?xml version="1.0" encoding="utf-8"?>
+<p:sld xmlns:a="http://schemas.openxmlformats.org/drawingml/2006/main" xmlns:r="http://schemas.openxmlformats.org/officeDocument/2006/relationships" xmlns:p="http://schemas.openxmlformats.org/presentationml/2006/main">
+  <p:cSld>
+    <p:spTree>
+      <p:nvGrpSpPr>
+        <p:cNvPr id="1" name=""/>
+        <p:cNvGrpSpPr/>
+        <p:nvPr/>
+      </p:nvGrpSpPr>
+      <p:grpSpPr>
+        <a:xfrm>
+          <a:off x="0" y="0"/>
+          <a:ext cx="0" cy="0"/>
+          <a:chOff x="0" y="0"/>
+          <a:chExt cx="0" cy="0"/>
+        </a:xfrm>
+      </p:grpSpPr>
+      <p:sp>
+        <p:nvSpPr>
+          <p:cNvPr id="2" name="Заголовок 1"/>
+          <p:cNvSpPr>
+            <a:spLocks noGrp="1"/>
+          </p:cNvSpPr>
+          <p:nvPr>
+            <p:ph type="title"/>
+          </p:nvPr>
+        </p:nvSpPr>
+        <p:spPr/>
+        <p:txBody>
+          <a:bodyPr/>
+          <a:lstStyle/>
+          <a:p>
+            <a:r>
+              <a:rPr lang="ru-RU" dirty="0" smtClean="0">
+                <a:latin typeface="Times New Roman" pitchFamily="18" charset="0"/>
+                <a:cs typeface="Times New Roman" pitchFamily="18" charset="0"/>
+              </a:rPr>
+              <a:t>Демонстрация работы приложения</a:t>
+            </a:r>
+            <a:endParaRPr lang="ru-RU" dirty="0">
+              <a:latin typeface="Times New Roman" pitchFamily="18" charset="0"/>
+              <a:cs typeface="Times New Roman" pitchFamily="18" charset="0"/>
+            </a:endParaRPr>
+          </a:p>
+        </p:txBody>
+      </p:sp>
+      <p:sp>
+        <p:nvSpPr>
+          <p:cNvPr id="3" name="Содержимое 2"/>
+          <p:cNvSpPr>
+            <a:spLocks noGrp="1"/>
+          </p:cNvSpPr>
+          <p:nvPr>
+            <p:ph idx="1"/>
+          </p:nvPr>
+        </p:nvSpPr>
+        <p:spPr/>
+        <p:txBody>
+          <a:bodyPr/>
+          <a:lstStyle/>
+          <a:p>
+            <a:pPr marL="0" indent="268288">
+              <a:buNone/>
+            </a:pPr>
+            <a:r>
+              <a:rPr lang="ru-RU" dirty="0" smtClean="0">
+                <a:latin typeface="Times New Roman" pitchFamily="18" charset="0"/>
+                <a:cs typeface="Times New Roman" pitchFamily="18" charset="0"/>
+              </a:rPr>
+              <a:t>Форма авторизации:</a:t>
+            </a:r>
+            <a:endParaRPr lang="ru-RU" dirty="0">
+              <a:latin typeface="Times New Roman" pitchFamily="18" charset="0"/>
+              <a:cs typeface="Times New Roman" pitchFamily="18" charset="0"/>
+            </a:endParaRPr>
+          </a:p>
+        </p:txBody>
+      </p:sp>
+      <p:pic>
+        <p:nvPicPr>
+          <p:cNvPr id="2050" name="Picture 2"/>
+          <p:cNvPicPr>
+            <a:picLocks noChangeAspect="1" noChangeArrowheads="1"/>
+          </p:cNvPicPr>
+          <p:nvPr/>
+        </p:nvPicPr>
+        <p:blipFill>
+          <a:blip r:embed="rId2"/>
+          <a:srcRect/>
+          <a:stretch>
+            <a:fillRect/>
+          </a:stretch>
+        </p:blipFill>
+        <p:spPr bwMode="auto">
+          <a:xfrm>
+            <a:off x="2214546" y="2643182"/>
+            <a:ext cx="5424667" cy="3571876"/>
+          </a:xfrm>
+          <a:prstGeom prst="rect">
+            <a:avLst/>
+          </a:prstGeom>
+          <a:noFill/>
+          <a:ln w="9525">
+            <a:noFill/>
+            <a:miter lim="800000"/>
+            <a:headEnd/>
+            <a:tailEnd/>
+          </a:ln>
+          <a:effectLst/>
+        </p:spPr>
+      </p:pic>
+    </p:spTree>
+  </p:cSld>
+  <p:clrMapOvr>
+    <a:masterClrMapping/>
+  </p:clrMapOvr>
+</p:sld>
+</file>
+
+<file path=ppt/slides/slide7.xml><?xml version="1.0" encoding="utf-8"?>
+<p:sld xmlns:a="http://schemas.openxmlformats.org/drawingml/2006/main" xmlns:r="http://schemas.openxmlformats.org/officeDocument/2006/relationships" xmlns:p="http://schemas.openxmlformats.org/presentationml/2006/main">
+  <p:cSld>
+    <p:spTree>
+      <p:nvGrpSpPr>
+        <p:cNvPr id="1" name=""/>
+        <p:cNvGrpSpPr/>
+        <p:nvPr/>
+      </p:nvGrpSpPr>
+      <p:grpSpPr>
+        <a:xfrm>
+          <a:off x="0" y="0"/>
+          <a:ext cx="0" cy="0"/>
+          <a:chOff x="0" y="0"/>
+          <a:chExt cx="0" cy="0"/>
+        </a:xfrm>
+      </p:grpSpPr>
+      <p:sp>
+        <p:nvSpPr>
+          <p:cNvPr id="2" name="Заголовок 1"/>
+          <p:cNvSpPr>
+            <a:spLocks noGrp="1"/>
+          </p:cNvSpPr>
+          <p:nvPr>
+            <p:ph type="title"/>
+          </p:nvPr>
+        </p:nvSpPr>
+        <p:spPr/>
+        <p:txBody>
+          <a:bodyPr/>
+          <a:lstStyle/>
+          <a:p>
+            <a:r>
+              <a:rPr lang="ru-RU" dirty="0" smtClean="0">
+                <a:latin typeface="Times New Roman" pitchFamily="18" charset="0"/>
+                <a:cs typeface="Times New Roman" pitchFamily="18" charset="0"/>
+              </a:rPr>
+              <a:t>Демонстрация работы приложения</a:t>
+            </a:r>
+            <a:endParaRPr lang="ru-RU" dirty="0">
+              <a:latin typeface="Times New Roman" pitchFamily="18" charset="0"/>
+              <a:cs typeface="Times New Roman" pitchFamily="18" charset="0"/>
+            </a:endParaRPr>
+          </a:p>
+        </p:txBody>
+      </p:sp>
+      <p:sp>
+        <p:nvSpPr>
+          <p:cNvPr id="3" name="Содержимое 2"/>
+          <p:cNvSpPr>
+            <a:spLocks noGrp="1"/>
+          </p:cNvSpPr>
+          <p:nvPr>
+            <p:ph idx="1"/>
+          </p:nvPr>
+        </p:nvSpPr>
+        <p:spPr/>
+        <p:txBody>
+          <a:bodyPr/>
+          <a:lstStyle/>
+          <a:p>
+            <a:pPr marL="0" indent="268288">
+              <a:buNone/>
+            </a:pPr>
+            <a:r>
+              <a:rPr lang="ru-RU" dirty="0" smtClean="0">
+                <a:latin typeface="Times New Roman" pitchFamily="18" charset="0"/>
+                <a:cs typeface="Times New Roman" pitchFamily="18" charset="0"/>
+              </a:rPr>
+              <a:t>Код формы авторизации:</a:t>
+            </a:r>
+            <a:endParaRPr lang="ru-RU" dirty="0">
+              <a:latin typeface="Times New Roman" pitchFamily="18" charset="0"/>
+              <a:cs typeface="Times New Roman" pitchFamily="18" charset="0"/>
+            </a:endParaRPr>
+          </a:p>
+        </p:txBody>
+      </p:sp>
+      <p:pic>
+        <p:nvPicPr>
+          <p:cNvPr id="3074" name="Picture 2"/>
+          <p:cNvPicPr>
+            <a:picLocks noChangeAspect="1" noChangeArrowheads="1"/>
+          </p:cNvPicPr>
+          <p:nvPr/>
+        </p:nvPicPr>
+        <p:blipFill>
+          <a:blip r:embed="rId2"/>
+          <a:srcRect/>
+          <a:stretch>
+            <a:fillRect/>
+          </a:stretch>
+        </p:blipFill>
+        <p:spPr bwMode="auto">
+          <a:xfrm>
+            <a:off x="1285852" y="2500306"/>
+            <a:ext cx="3143272" cy="3827274"/>
+          </a:xfrm>
+          <a:prstGeom prst="rect">
+            <a:avLst/>
+          </a:prstGeom>
+          <a:noFill/>
+          <a:ln w="9525">
+            <a:noFill/>
+            <a:miter lim="800000"/>
+            <a:headEnd/>
+            <a:tailEnd/>
+          </a:ln>
+          <a:effectLst/>
+        </p:spPr>
+      </p:pic>
+    </p:spTree>
+  </p:cSld>
+  <p:clrMapOvr>
+    <a:masterClrMapping/>
+  </p:clrMapOvr>
+</p:sld>
+</file>
+
+<file path=ppt/slides/slide8.xml><?xml version="1.0" encoding="utf-8"?>
+<p:sld xmlns:a="http://schemas.openxmlformats.org/drawingml/2006/main" xmlns:r="http://schemas.openxmlformats.org/officeDocument/2006/relationships" xmlns:p="http://schemas.openxmlformats.org/presentationml/2006/main">
+  <p:cSld>
+    <p:spTree>
+      <p:nvGrpSpPr>
+        <p:cNvPr id="1" name=""/>
+        <p:cNvGrpSpPr/>
+        <p:nvPr/>
+      </p:nvGrpSpPr>
+      <p:grpSpPr>
+        <a:xfrm>
+          <a:off x="0" y="0"/>
+          <a:ext cx="0" cy="0"/>
+          <a:chOff x="0" y="0"/>
+          <a:chExt cx="0" cy="0"/>
+        </a:xfrm>
+      </p:grpSpPr>
+      <p:sp>
+        <p:nvSpPr>
+          <p:cNvPr id="2" name="Заголовок 1"/>
+          <p:cNvSpPr>
+            <a:spLocks noGrp="1"/>
+          </p:cNvSpPr>
+          <p:nvPr>
+            <p:ph type="title"/>
+          </p:nvPr>
+        </p:nvSpPr>
+        <p:spPr/>
+        <p:txBody>
+          <a:bodyPr/>
+          <a:lstStyle/>
+          <a:p>
+            <a:r>
+              <a:rPr lang="ru-RU" dirty="0" smtClean="0">
+                <a:latin typeface="Times New Roman" pitchFamily="18" charset="0"/>
+                <a:cs typeface="Times New Roman" pitchFamily="18" charset="0"/>
+              </a:rPr>
+              <a:t>Демонстрация работы приложения</a:t>
+            </a:r>
+            <a:endParaRPr lang="ru-RU" dirty="0">
+              <a:latin typeface="Times New Roman" pitchFamily="18" charset="0"/>
+              <a:cs typeface="Times New Roman" pitchFamily="18" charset="0"/>
+            </a:endParaRPr>
+          </a:p>
+        </p:txBody>
+      </p:sp>
+      <p:sp>
+        <p:nvSpPr>
+          <p:cNvPr id="3" name="Содержимое 2"/>
+          <p:cNvSpPr>
+            <a:spLocks noGrp="1"/>
+          </p:cNvSpPr>
+          <p:nvPr>
+            <p:ph idx="1"/>
+          </p:nvPr>
+        </p:nvSpPr>
+        <p:spPr/>
+        <p:txBody>
+          <a:bodyPr/>
+          <a:lstStyle/>
+          <a:p>
+            <a:pPr marL="0" indent="268288">
+              <a:buNone/>
+            </a:pPr>
+            <a:r>
+              <a:rPr lang="ru-RU" dirty="0" smtClean="0">
+                <a:latin typeface="Times New Roman" pitchFamily="18" charset="0"/>
+                <a:cs typeface="Times New Roman" pitchFamily="18" charset="0"/>
+              </a:rPr>
+              <a:t>Форма меню сотрудника:</a:t>
+            </a:r>
+            <a:endParaRPr lang="ru-RU" dirty="0">
+              <a:latin typeface="Times New Roman" pitchFamily="18" charset="0"/>
+              <a:cs typeface="Times New Roman" pitchFamily="18" charset="0"/>
+            </a:endParaRPr>
+          </a:p>
+        </p:txBody>
+      </p:sp>
+      <p:pic>
+        <p:nvPicPr>
+          <p:cNvPr id="4098" name="Picture 2"/>
+          <p:cNvPicPr>
+            <a:picLocks noChangeAspect="1" noChangeArrowheads="1"/>
+          </p:cNvPicPr>
+          <p:nvPr/>
+        </p:nvPicPr>
+        <p:blipFill>
+          <a:blip r:embed="rId2" cstate="print"/>
+          <a:srcRect/>
+          <a:stretch>
+            <a:fillRect/>
+          </a:stretch>
+        </p:blipFill>
+        <p:spPr bwMode="auto">
+          <a:xfrm>
+            <a:off x="714348" y="2571744"/>
+            <a:ext cx="3981478" cy="2714644"/>
+          </a:xfrm>
+          <a:prstGeom prst="rect">
+            <a:avLst/>
+          </a:prstGeom>
+          <a:noFill/>
+          <a:ln w="9525">
+            <a:noFill/>
+            <a:miter lim="800000"/>
+            <a:headEnd/>
+            <a:tailEnd/>
+          </a:ln>
+          <a:effectLst/>
+        </p:spPr>
+      </p:pic>
+      <p:pic>
+        <p:nvPicPr>
+          <p:cNvPr id="4099" name="Picture 3"/>
+          <p:cNvPicPr>
+            <a:picLocks noChangeAspect="1" noChangeArrowheads="1"/>
+          </p:cNvPicPr>
+          <p:nvPr/>
+        </p:nvPicPr>
+        <p:blipFill>
+          <a:blip r:embed="rId3"/>
+          <a:srcRect/>
+          <a:stretch>
+            <a:fillRect/>
+          </a:stretch>
+        </p:blipFill>
+        <p:spPr bwMode="auto">
+          <a:xfrm>
+            <a:off x="4857752" y="2571744"/>
+            <a:ext cx="4045738" cy="2714644"/>
+          </a:xfrm>
+          <a:prstGeom prst="rect">
+            <a:avLst/>
+          </a:prstGeom>
+          <a:noFill/>
+          <a:ln w="9525">
+            <a:noFill/>
+            <a:miter lim="800000"/>
+            <a:headEnd/>
+            <a:tailEnd/>
+          </a:ln>
+          <a:effectLst/>
+        </p:spPr>
+      </p:pic>
+    </p:spTree>
+  </p:cSld>
+  <p:clrMapOvr>
+    <a:masterClrMapping/>
+  </p:clrMapOvr>
+</p:sld>
+</file>
+
+<file path=ppt/slides/slide9.xml><?xml version="1.0" encoding="utf-8"?>
+<p:sld xmlns:a="http://schemas.openxmlformats.org/drawingml/2006/main" xmlns:r="http://schemas.openxmlformats.org/officeDocument/2006/relationships" xmlns:p="http://schemas.openxmlformats.org/presentationml/2006/main">
+  <p:cSld>
+    <p:spTree>
+      <p:nvGrpSpPr>
+        <p:cNvPr id="1" name=""/>
+        <p:cNvGrpSpPr/>
+        <p:nvPr/>
+      </p:nvGrpSpPr>
+      <p:grpSpPr>
+        <a:xfrm>
+          <a:off x="0" y="0"/>
+          <a:ext cx="0" cy="0"/>
+          <a:chOff x="0" y="0"/>
+          <a:chExt cx="0" cy="0"/>
+        </a:xfrm>
+      </p:grpSpPr>
+      <p:sp>
+        <p:nvSpPr>
+          <p:cNvPr id="2" name="Заголовок 1"/>
+          <p:cNvSpPr>
+            <a:spLocks noGrp="1"/>
+          </p:cNvSpPr>
+          <p:nvPr>
+            <p:ph type="title"/>
+          </p:nvPr>
+        </p:nvSpPr>
+        <p:spPr/>
+        <p:txBody>
+          <a:bodyPr/>
+          <a:lstStyle/>
+          <a:p>
+            <a:r>
+              <a:rPr lang="ru-RU" dirty="0" smtClean="0">
+                <a:latin typeface="Times New Roman" pitchFamily="18" charset="0"/>
+                <a:cs typeface="Times New Roman" pitchFamily="18" charset="0"/>
+              </a:rPr>
+              <a:t>Демонстрация работы приложения</a:t>
+            </a:r>
+            <a:endParaRPr lang="ru-RU" dirty="0">
+              <a:latin typeface="Times New Roman" pitchFamily="18" charset="0"/>
+              <a:cs typeface="Times New Roman" pitchFamily="18" charset="0"/>
+            </a:endParaRPr>
+          </a:p>
+        </p:txBody>
+      </p:sp>
+      <p:sp>
+        <p:nvSpPr>
+          <p:cNvPr id="3" name="Содержимое 2"/>
+          <p:cNvSpPr>
+            <a:spLocks noGrp="1"/>
+          </p:cNvSpPr>
+          <p:nvPr>
+            <p:ph idx="1"/>
+          </p:nvPr>
+        </p:nvSpPr>
+        <p:spPr/>
+        <p:txBody>
+          <a:bodyPr/>
+          <a:lstStyle/>
+          <a:p>
+            <a:pPr marL="0" indent="268288">
+              <a:buNone/>
+            </a:pPr>
+            <a:r>
+              <a:rPr lang="ru-RU" dirty="0" smtClean="0">
+                <a:latin typeface="Times New Roman" pitchFamily="18" charset="0"/>
+                <a:cs typeface="Times New Roman" pitchFamily="18" charset="0"/>
+              </a:rPr>
+              <a:t>Форма меню сотрудника и код формы:</a:t>
+            </a:r>
+            <a:endParaRPr lang="ru-RU" dirty="0">
+              <a:latin typeface="Times New Roman" pitchFamily="18" charset="0"/>
+              <a:cs typeface="Times New Roman" pitchFamily="18" charset="0"/>
+            </a:endParaRPr>
+          </a:p>
+        </p:txBody>
+      </p:sp>
+      <p:pic>
+        <p:nvPicPr>
+          <p:cNvPr id="5122" name="Picture 2"/>
+          <p:cNvPicPr>
+            <a:picLocks noChangeAspect="1" noChangeArrowheads="1"/>
+          </p:cNvPicPr>
+          <p:nvPr/>
+        </p:nvPicPr>
+        <p:blipFill>
+          <a:blip r:embed="rId2"/>
+          <a:srcRect/>
+          <a:stretch>
+            <a:fillRect/>
+          </a:stretch>
+        </p:blipFill>
+        <p:spPr bwMode="auto">
+          <a:xfrm>
+            <a:off x="500034" y="2786058"/>
+            <a:ext cx="4289682" cy="2857520"/>
+          </a:xfrm>
+          <a:prstGeom prst="rect">
+            <a:avLst/>
+          </a:prstGeom>
+          <a:noFill/>
+          <a:ln w="9525">
+            <a:noFill/>
+            <a:miter lim="800000"/>
+            <a:headEnd/>
+            <a:tailEnd/>
+          </a:ln>
+          <a:effectLst/>
+        </p:spPr>
+      </p:pic>
+      <p:pic>
+        <p:nvPicPr>
+          <p:cNvPr id="5123" name="Picture 3"/>
+          <p:cNvPicPr>
+            <a:picLocks noChangeAspect="1" noChangeArrowheads="1"/>
+          </p:cNvPicPr>
+          <p:nvPr/>
+        </p:nvPicPr>
+        <p:blipFill>
+          <a:blip r:embed="rId3"/>
+          <a:srcRect/>
+          <a:stretch>
+            <a:fillRect/>
+          </a:stretch>
+        </p:blipFill>
+        <p:spPr bwMode="auto">
+          <a:xfrm>
+            <a:off x="4857752" y="2786058"/>
+            <a:ext cx="4143404" cy="2805182"/>
+          </a:xfrm>
+          <a:prstGeom prst="rect">
+            <a:avLst/>
+          </a:prstGeom>
+          <a:noFill/>
+          <a:ln w="9525">
+            <a:noFill/>
+            <a:miter lim="800000"/>
+            <a:headEnd/>
+            <a:tailEnd/>
+          </a:ln>
+          <a:effectLst/>
+        </p:spPr>
+      </p:pic>
+    </p:spTree>
+  </p:cSld>
+  <p:clrMapOvr>
+    <a:masterClrMapping/>
+  </p:clrMapOvr>
+</p:sld>
+</file>
+
 <file path=ppt/theme/theme1.xml><?xml version="1.0" encoding="utf-8"?>
-<a:theme xmlns:a="http://schemas.openxmlformats.org/drawingml/2006/main" name="Тема Office">
+<a:theme xmlns:a="http://schemas.openxmlformats.org/drawingml/2006/main" name="Метро">
   <a:themeElements>
-    <a:clrScheme name="Стандартная">
+    <a:clrScheme name="Метро">
       <a:dk1>
         <a:sysClr val="windowText" lastClr="000000"/>
       </a:dk1>
@@ -3026,82 +8170,48 @@
         <a:sysClr val="window" lastClr="FFFFFF"/>
       </a:lt1>
       <a:dk2>
-        <a:srgbClr val="1F497D"/>
+        <a:srgbClr val="4E5B6F"/>
       </a:dk2>
       <a:lt2>
-        <a:srgbClr val="EEECE1"/>
+        <a:srgbClr val="D6ECFF"/>
       </a:lt2>
       <a:accent1>
-        <a:srgbClr val="4F81BD"/>
+        <a:srgbClr val="7FD13B"/>
       </a:accent1>
       <a:accent2>
-        <a:srgbClr val="C0504D"/>
+        <a:srgbClr val="EA157A"/>
       </a:accent2>
       <a:accent3>
-        <a:srgbClr val="9BBB59"/>
+        <a:srgbClr val="FEB80A"/>
       </a:accent3>
       <a:accent4>
-        <a:srgbClr val="8064A2"/>
+        <a:srgbClr val="00ADDC"/>
       </a:accent4>
       <a:accent5>
-        <a:srgbClr val="4BACC6"/>
+        <a:srgbClr val="738AC8"/>
       </a:accent5>
       <a:accent6>
-        <a:srgbClr val="F79646"/>
+        <a:srgbClr val="1AB39F"/>
       </a:accent6>
       <a:hlink>
-        <a:srgbClr val="0000FF"/>
+        <a:srgbClr val="EB8803"/>
       </a:hlink>
       <a:folHlink>
-        <a:srgbClr val="800080"/>
+        <a:srgbClr val="5F7791"/>
       </a:folHlink>
     </a:clrScheme>
-    <a:fontScheme name="Стандартная">
+    <a:fontScheme name="Метро">
       <a:majorFont>
-        <a:latin typeface="Calibri"/>
+        <a:latin typeface="Consolas"/>
         <a:ea typeface=""/>
         <a:cs typeface=""/>
-        <a:font script="Jpan" typeface="ＭＳ Ｐゴシック"/>
-        <a:font script="Hang" typeface="맑은 고딕"/>
-        <a:font script="Hans" typeface="宋体"/>
+        <a:font script="Jpan" typeface="HG丸ｺﾞｼｯｸM-PRO"/>
+        <a:font script="Hang" typeface="HY중고딕"/>
+        <a:font script="Hans" typeface="华文楷体"/>
         <a:font script="Hant" typeface="新細明體"/>
-        <a:font script="Arab" typeface="Times New Roman"/>
-        <a:font script="Hebr" typeface="Times New Roman"/>
-        <a:font script="Thai" typeface="Angsana New"/>
-        <a:font script="Ethi" typeface="Nyala"/>
-        <a:font script="Beng" typeface="Vrinda"/>
-        <a:font script="Gujr" typeface="Shruti"/>
-        <a:font script="Khmr" typeface="MoolBoran"/>
-        <a:font script="Knda" typeface="Tunga"/>
-        <a:font script="Guru" typeface="Raavi"/>
-        <a:font script="Cans" typeface="Euphemia"/>
-        <a:font script="Cher" typeface="Plantagenet Cherokee"/>
-        <a:font script="Yiii" typeface="Microsoft Yi Baiti"/>
-        <a:font script="Tibt" typeface="Microsoft Himalaya"/>
-        <a:font script="Thaa" typeface="MV Boli"/>
-        <a:font script="Deva" typeface="Mangal"/>
-        <a:font script="Telu" typeface="Gautami"/>
-        <a:font script="Taml" typeface="Latha"/>
-        <a:font script="Syrc" typeface="Estrangelo Edessa"/>
-        <a:font script="Orya" typeface="Kalinga"/>
-        <a:font script="Mlym" typeface="Kartika"/>
-        <a:font script="Laoo" typeface="DokChampa"/>
-        <a:font script="Sinh" typeface="Iskoola Pota"/>
-        <a:font script="Mong" typeface="Mongolian Baiti"/>
-        <a:font script="Viet" typeface="Times New Roman"/>
-        <a:font script="Uigh" typeface="Microsoft Uighur"/>
-      </a:majorFont>
-      <a:minorFont>
-        <a:latin typeface="Calibri"/>
-        <a:ea typeface=""/>
-        <a:cs typeface=""/>
-        <a:font script="Jpan" typeface="ＭＳ Ｐゴシック"/>
-        <a:font script="Hang" typeface="맑은 고딕"/>
-        <a:font script="Hans" typeface="宋体"/>
-        <a:font script="Hant" typeface="新細明體"/>
-        <a:font script="Arab" typeface="Arial"/>
-        <a:font script="Hebr" typeface="Arial"/>
-        <a:font script="Thai" typeface="Cordia New"/>
+        <a:font script="Arab" typeface="Tahoma"/>
+        <a:font script="Hebr" typeface="Levenim MT"/>
+        <a:font script="Thai" typeface="DilleniaUPC"/>
         <a:font script="Ethi" typeface="Nyala"/>
         <a:font script="Beng" typeface="Vrinda"/>
         <a:font script="Gujr" typeface="Shruti"/>
@@ -3122,11 +8232,45 @@
         <a:font script="Laoo" typeface="DokChampa"/>
         <a:font script="Sinh" typeface="Iskoola Pota"/>
         <a:font script="Mong" typeface="Mongolian Baiti"/>
-        <a:font script="Viet" typeface="Arial"/>
+        <a:font script="Viet" typeface="Tahoma"/>
+        <a:font script="Uigh" typeface="Microsoft Uighur"/>
+      </a:majorFont>
+      <a:minorFont>
+        <a:latin typeface="Corbel"/>
+        <a:ea typeface=""/>
+        <a:cs typeface=""/>
+        <a:font script="Jpan" typeface="HGｺﾞｼｯｸM"/>
+        <a:font script="Hang" typeface="맑은 고딕"/>
+        <a:font script="Hans" typeface="宋体"/>
+        <a:font script="Hant" typeface="新細明體"/>
+        <a:font script="Arab" typeface="Tahoma"/>
+        <a:font script="Hebr" typeface="Miriam"/>
+        <a:font script="Thai" typeface="DilleniaUPC"/>
+        <a:font script="Ethi" typeface="Nyala"/>
+        <a:font script="Beng" typeface="Vrinda"/>
+        <a:font script="Gujr" typeface="Shruti"/>
+        <a:font script="Khmr" typeface="DaunPenh"/>
+        <a:font script="Knda" typeface="Tunga"/>
+        <a:font script="Guru" typeface="Raavi"/>
+        <a:font script="Cans" typeface="Euphemia"/>
+        <a:font script="Cher" typeface="Plantagenet Cherokee"/>
+        <a:font script="Yiii" typeface="Microsoft Yi Baiti"/>
+        <a:font script="Tibt" typeface="Microsoft Himalaya"/>
+        <a:font script="Thaa" typeface="MV Boli"/>
+        <a:font script="Deva" typeface="Mangal"/>
+        <a:font script="Telu" typeface="Gautami"/>
+        <a:font script="Taml" typeface="Latha"/>
+        <a:font script="Syrc" typeface="Estrangelo Edessa"/>
+        <a:font script="Orya" typeface="Kalinga"/>
+        <a:font script="Mlym" typeface="Kartika"/>
+        <a:font script="Laoo" typeface="DokChampa"/>
+        <a:font script="Sinh" typeface="Iskoola Pota"/>
+        <a:font script="Mong" typeface="Mongolian Baiti"/>
+        <a:font script="Viet" typeface="Tahoma"/>
         <a:font script="Uigh" typeface="Microsoft Uighur"/>
       </a:minorFont>
     </a:fontScheme>
-    <a:fmtScheme name="Стандартная">
+    <a:fmtScheme name="Метро">
       <a:fillStyleLst>
         <a:solidFill>
           <a:schemeClr val="phClr"/>
@@ -3135,60 +8279,89 @@
           <a:gsLst>
             <a:gs pos="0">
               <a:schemeClr val="phClr">
-                <a:tint val="50000"/>
-                <a:satMod val="300000"/>
+                <a:tint val="25000"/>
+                <a:satMod val="125000"/>
               </a:schemeClr>
             </a:gs>
-            <a:gs pos="35000">
+            <a:gs pos="40000">
               <a:schemeClr val="phClr">
-                <a:tint val="37000"/>
-                <a:satMod val="300000"/>
+                <a:tint val="55000"/>
+                <a:satMod val="130000"/>
+              </a:schemeClr>
+            </a:gs>
+            <a:gs pos="50000">
+              <a:schemeClr val="phClr">
+                <a:tint val="59000"/>
+                <a:satMod val="130000"/>
+              </a:schemeClr>
+            </a:gs>
+            <a:gs pos="65000">
+              <a:schemeClr val="phClr">
+                <a:tint val="55000"/>
+                <a:satMod val="130000"/>
               </a:schemeClr>
             </a:gs>
             <a:gs pos="100000">
               <a:schemeClr val="phClr">
-                <a:tint val="15000"/>
-                <a:satMod val="350000"/>
+                <a:tint val="20000"/>
+                <a:satMod val="125000"/>
               </a:schemeClr>
             </a:gs>
           </a:gsLst>
-          <a:lin ang="16200000" scaled="1"/>
+          <a:lin ang="5400000" scaled="0"/>
         </a:gradFill>
         <a:gradFill rotWithShape="1">
           <a:gsLst>
             <a:gs pos="0">
               <a:schemeClr val="phClr">
-                <a:shade val="51000"/>
-                <a:satMod val="130000"/>
+                <a:tint val="48000"/>
+                <a:satMod val="138000"/>
               </a:schemeClr>
             </a:gs>
-            <a:gs pos="80000">
+            <a:gs pos="25000">
               <a:schemeClr val="phClr">
-                <a:shade val="93000"/>
-                <a:satMod val="130000"/>
+                <a:tint val="85000"/>
+              </a:schemeClr>
+            </a:gs>
+            <a:gs pos="40000">
+              <a:schemeClr val="phClr">
+                <a:tint val="92000"/>
+              </a:schemeClr>
+            </a:gs>
+            <a:gs pos="50000">
+              <a:schemeClr val="phClr">
+                <a:tint val="93000"/>
+              </a:schemeClr>
+            </a:gs>
+            <a:gs pos="60000">
+              <a:schemeClr val="phClr">
+                <a:tint val="92000"/>
+              </a:schemeClr>
+            </a:gs>
+            <a:gs pos="75000">
+              <a:schemeClr val="phClr">
+                <a:tint val="83000"/>
+                <a:satMod val="108000"/>
               </a:schemeClr>
             </a:gs>
             <a:gs pos="100000">
               <a:schemeClr val="phClr">
-                <a:shade val="94000"/>
-                <a:satMod val="135000"/>
+                <a:tint val="48000"/>
+                <a:satMod val="150000"/>
               </a:schemeClr>
             </a:gs>
           </a:gsLst>
-          <a:lin ang="16200000" scaled="0"/>
+          <a:lin ang="5400000" scaled="0"/>
         </a:gradFill>
       </a:fillStyleLst>
       <a:lnStyleLst>
-        <a:ln w="9525" cap="flat" cmpd="sng" algn="ctr">
+        <a:ln w="12000" cap="flat" cmpd="sng" algn="ctr">
           <a:solidFill>
-            <a:schemeClr val="phClr">
-              <a:shade val="95000"/>
-              <a:satMod val="105000"/>
-            </a:schemeClr>
+            <a:schemeClr val="phClr"/>
           </a:solidFill>
           <a:prstDash val="solid"/>
         </a:ln>
-        <a:ln w="25400" cap="flat" cmpd="sng" algn="ctr">
+        <a:ln w="19050" cap="flat" cmpd="sng" algn="ctr">
           <a:solidFill>
             <a:schemeClr val="phClr"/>
           </a:solidFill>
@@ -3204,40 +8377,62 @@
       <a:effectStyleLst>
         <a:effectStyle>
           <a:effectLst>
-            <a:outerShdw blurRad="40000" dist="20000" dir="5400000" rotWithShape="0">
-              <a:srgbClr val="000000">
-                <a:alpha val="38000"/>
-              </a:srgbClr>
-            </a:outerShdw>
+            <a:glow rad="63500">
+              <a:schemeClr val="phClr">
+                <a:alpha val="45000"/>
+                <a:satMod val="120000"/>
+              </a:schemeClr>
+            </a:glow>
           </a:effectLst>
         </a:effectStyle>
         <a:effectStyle>
           <a:effectLst>
-            <a:outerShdw blurRad="40000" dist="23000" dir="5400000" rotWithShape="0">
-              <a:srgbClr val="000000">
-                <a:alpha val="35000"/>
-              </a:srgbClr>
-            </a:outerShdw>
+            <a:glow rad="63500">
+              <a:schemeClr val="phClr">
+                <a:alpha val="45000"/>
+                <a:satMod val="120000"/>
+              </a:schemeClr>
+            </a:glow>
           </a:effectLst>
+          <a:scene3d>
+            <a:camera prst="orthographicFront" fov="0">
+              <a:rot lat="0" lon="0" rev="0"/>
+            </a:camera>
+            <a:lightRig rig="brightRoom" dir="tl">
+              <a:rot lat="0" lon="0" rev="8700000"/>
+            </a:lightRig>
+          </a:scene3d>
+          <a:sp3d>
+            <a:bevelT w="0" h="0"/>
+            <a:contourClr>
+              <a:schemeClr val="phClr">
+                <a:tint val="70000"/>
+              </a:schemeClr>
+            </a:contourClr>
+          </a:sp3d>
         </a:effectStyle>
         <a:effectStyle>
           <a:effectLst>
-            <a:outerShdw blurRad="40000" dist="23000" dir="5400000" rotWithShape="0">
-              <a:srgbClr val="000000">
-                <a:alpha val="35000"/>
-              </a:srgbClr>
-            </a:outerShdw>
+            <a:glow rad="101500">
+              <a:schemeClr val="phClr">
+                <a:alpha val="42000"/>
+                <a:satMod val="120000"/>
+              </a:schemeClr>
+            </a:glow>
           </a:effectLst>
           <a:scene3d>
-            <a:camera prst="orthographicFront">
+            <a:camera prst="orthographicFront" fov="0">
               <a:rot lat="0" lon="0" rev="0"/>
             </a:camera>
-            <a:lightRig rig="threePt" dir="t">
-              <a:rot lat="0" lon="0" rev="1200000"/>
+            <a:lightRig rig="glow" dir="t">
+              <a:rot lat="0" lon="0" rev="4800000"/>
             </a:lightRig>
           </a:scene3d>
-          <a:sp3d>
-            <a:bevelT w="63500" h="25400"/>
+          <a:sp3d prstMaterial="powder">
+            <a:bevelT w="50800" h="50800"/>
+            <a:contourClr>
+              <a:schemeClr val="phClr"/>
+            </a:contourClr>
           </a:sp3d>
         </a:effectStyle>
       </a:effectStyleLst>
@@ -3248,48 +8443,41 @@
         <a:gradFill rotWithShape="1">
           <a:gsLst>
             <a:gs pos="0">
-              <a:schemeClr val="phClr">
-                <a:tint val="40000"/>
-                <a:satMod val="350000"/>
+              <a:schemeClr val="bg1">
+                <a:shade val="100000"/>
+                <a:satMod val="150000"/>
               </a:schemeClr>
             </a:gs>
-            <a:gs pos="40000">
-              <a:schemeClr val="phClr">
-                <a:tint val="45000"/>
-                <a:shade val="99000"/>
-                <a:satMod val="350000"/>
+            <a:gs pos="65000">
+              <a:schemeClr val="bg1">
+                <a:shade val="90000"/>
+                <a:satMod val="375000"/>
               </a:schemeClr>
             </a:gs>
             <a:gs pos="100000">
               <a:schemeClr val="phClr">
-                <a:shade val="20000"/>
-                <a:satMod val="255000"/>
+                <a:tint val="88000"/>
+                <a:satMod val="400000"/>
               </a:schemeClr>
             </a:gs>
           </a:gsLst>
-          <a:path path="circle">
-            <a:fillToRect l="50000" t="-80000" r="50000" b="180000"/>
-          </a:path>
+          <a:lin ang="5400000" scaled="0"/>
         </a:gradFill>
-        <a:gradFill rotWithShape="1">
-          <a:gsLst>
-            <a:gs pos="0">
+        <a:blipFill>
+          <a:blip xmlns:r="http://schemas.openxmlformats.org/officeDocument/2006/relationships" r:embed="rId1">
+            <a:duotone>
               <a:schemeClr val="phClr">
-                <a:tint val="80000"/>
-                <a:satMod val="300000"/>
+                <a:shade val="40000"/>
+                <a:satMod val="180000"/>
               </a:schemeClr>
-            </a:gs>
-            <a:gs pos="100000">
               <a:schemeClr val="phClr">
-                <a:shade val="30000"/>
+                <a:tint val="90000"/>
                 <a:satMod val="200000"/>
               </a:schemeClr>
-            </a:gs>
-          </a:gsLst>
-          <a:path path="circle">
-            <a:fillToRect l="50000" t="50000" r="50000" b="50000"/>
-          </a:path>
-        </a:gradFill>
+            </a:duotone>
+          </a:blip>
+          <a:tile tx="0" ty="0" sx="80000" sy="80000" flip="none" algn="tl"/>
+        </a:blipFill>
       </a:bgFillStyleLst>
     </a:fmtScheme>
   </a:themeElements>
